--- a/ppt/Choreonoid入門.pptx
+++ b/ppt/Choreonoid入門.pptx
@@ -17770,7 +17770,7 @@
           <a:graphicData uri="http://schemas.openxmlformats.org/presentationml/2006/ole">
             <mc:AlternateContent xmlns:mc="http://schemas.openxmlformats.org/markup-compatibility/2006">
               <mc:Choice xmlns:v="urn:schemas-microsoft-com:vml" Requires="v">
-                <p:oleObj spid="_x0000_s1185" name="Corel DESIGNER" r:id="rId18" imgW="2743200" imgH="1536480" progId="Corel DESIGNER.Graphic.10">
+                <p:oleObj spid="_x0000_s1214" name="Corel DESIGNER" r:id="rId18" imgW="2743200" imgH="1536480" progId="Corel DESIGNER.Graphic.10">
                   <p:embed/>
                 </p:oleObj>
               </mc:Choice>
@@ -19167,7 +19167,7 @@
                   <a:srgbClr val="5F5F5F"/>
                 </a:solidFill>
               </a:rPr>
-              <a:t>上に</a:t>
+              <a:t>上で</a:t>
             </a:r>
             <a:r>
               <a:rPr lang="en-US" altLang="ja-JP" sz="2400" kern="0" dirty="0">
@@ -19357,7 +19357,7 @@
         </p:blipFill>
         <p:spPr>
           <a:xfrm>
-            <a:off x="4319586" y="2883782"/>
+            <a:off x="4319586" y="2948890"/>
             <a:ext cx="2486025" cy="2609850"/>
           </a:xfrm>
           <a:prstGeom prst="rect">
@@ -19387,7 +19387,7 @@
         </p:blipFill>
         <p:spPr>
           <a:xfrm>
-            <a:off x="511455" y="2238772"/>
+            <a:off x="511455" y="2303880"/>
             <a:ext cx="2225871" cy="4533777"/>
           </a:xfrm>
           <a:prstGeom prst="rect">
@@ -20059,7 +20059,7 @@
               <a:defRPr/>
             </a:pPr>
             <a:r>
-              <a:rPr lang="ja-JP" altLang="en-US" sz="1800" kern="0" dirty="0">
+              <a:rPr lang="ja-JP" altLang="en-US" sz="2400" kern="0" dirty="0">
                 <a:solidFill>
                   <a:srgbClr val="5F5F5F"/>
                 </a:solidFill>
@@ -20067,7 +20067,7 @@
               <a:t>表示 → ビューの表示 →</a:t>
             </a:r>
             <a:r>
-              <a:rPr lang="en-US" altLang="ja-JP" sz="1800" kern="0" dirty="0">
+              <a:rPr lang="en-US" altLang="ja-JP" sz="2400" kern="0" dirty="0">
                 <a:solidFill>
                   <a:srgbClr val="5F5F5F"/>
                 </a:solidFill>
@@ -20075,7 +20075,7 @@
               <a:t> </a:t>
             </a:r>
             <a:r>
-              <a:rPr lang="en-US" altLang="ja-JP" sz="1800" kern="0" dirty="0">
+              <a:rPr lang="en-US" altLang="ja-JP" sz="2400" kern="0" dirty="0">
                 <a:solidFill>
                   <a:srgbClr val="FF0000"/>
                 </a:solidFill>
@@ -20099,7 +20099,7 @@
         </p:nvSpPr>
         <p:spPr>
           <a:xfrm>
-            <a:off x="1945280" y="6129300"/>
+            <a:off x="1945280" y="6194408"/>
             <a:ext cx="450050" cy="180020"/>
           </a:xfrm>
           <a:prstGeom prst="rect">
@@ -20151,7 +20151,7 @@
         </p:nvSpPr>
         <p:spPr>
           <a:xfrm>
-            <a:off x="5877145" y="4762524"/>
+            <a:off x="5877145" y="4827632"/>
             <a:ext cx="585065" cy="180020"/>
           </a:xfrm>
           <a:prstGeom prst="rect">
@@ -20241,7 +20241,7 @@
         </p:blipFill>
         <p:spPr>
           <a:xfrm>
-            <a:off x="631046" y="2195163"/>
+            <a:off x="631046" y="2371008"/>
             <a:ext cx="2251367" cy="4433214"/>
           </a:xfrm>
           <a:prstGeom prst="rect">
@@ -20913,7 +20913,7 @@
               <a:defRPr/>
             </a:pPr>
             <a:r>
-              <a:rPr lang="ja-JP" altLang="en-US" sz="1800" kern="0" dirty="0">
+              <a:rPr lang="ja-JP" altLang="en-US" sz="2400" kern="0" dirty="0">
                 <a:solidFill>
                   <a:srgbClr val="5F5F5F"/>
                 </a:solidFill>
@@ -20921,7 +20921,7 @@
               <a:t>表示 → ビューの表示 →</a:t>
             </a:r>
             <a:r>
-              <a:rPr lang="en-US" altLang="ja-JP" sz="1800" kern="0" dirty="0">
+              <a:rPr lang="en-US" altLang="ja-JP" sz="2400" kern="0" dirty="0">
                 <a:solidFill>
                   <a:srgbClr val="5F5F5F"/>
                 </a:solidFill>
@@ -20929,7 +20929,7 @@
               <a:t> </a:t>
             </a:r>
             <a:r>
-              <a:rPr lang="en-US" altLang="ja-JP" sz="1800" kern="0" dirty="0">
+              <a:rPr lang="en-US" altLang="ja-JP" sz="2400" kern="0" dirty="0">
                 <a:solidFill>
                   <a:srgbClr val="FF0000"/>
                 </a:solidFill>
@@ -20953,7 +20953,7 @@
         </p:nvSpPr>
         <p:spPr>
           <a:xfrm>
-            <a:off x="2051720" y="5859270"/>
+            <a:off x="2051720" y="6035115"/>
             <a:ext cx="450050" cy="180020"/>
           </a:xfrm>
           <a:prstGeom prst="rect">
@@ -21125,7 +21125,7 @@
         </p:blipFill>
         <p:spPr>
           <a:xfrm>
-            <a:off x="423862" y="2191847"/>
+            <a:off x="423862" y="2379147"/>
             <a:ext cx="2545512" cy="4380223"/>
           </a:xfrm>
           <a:prstGeom prst="rect">
@@ -21558,12 +21558,12 @@
           <a:p>
             <a:pPr eaLnBrk="1" hangingPunct="1"/>
             <a:r>
-              <a:rPr lang="en-US" altLang="ja-JP" sz="3600" dirty="0" err="1">
+              <a:rPr lang="en-US" altLang="ja-JP" sz="3600" dirty="0">
                 <a:solidFill>
                   <a:srgbClr val="5F5F5F"/>
                 </a:solidFill>
               </a:rPr>
-              <a:t>RobotController</a:t>
+              <a:t>RTC</a:t>
             </a:r>
             <a:r>
               <a:rPr lang="ja-JP" altLang="en-US" sz="3600" dirty="0">
@@ -21571,7 +21571,7 @@
                   <a:srgbClr val="5F5F5F"/>
                 </a:solidFill>
               </a:rPr>
-              <a:t>コンポーネント追加</a:t>
+              <a:t>アイテム</a:t>
             </a:r>
             <a:endParaRPr lang="en-US" altLang="ja-JP" sz="3600" dirty="0">
               <a:solidFill>
@@ -21784,11 +21784,51 @@
               <a:defRPr/>
             </a:pPr>
             <a:r>
+              <a:rPr lang="en-US" altLang="ja-JP" sz="2400" kern="0" dirty="0">
+                <a:solidFill>
+                  <a:srgbClr val="5F5F5F"/>
+                </a:solidFill>
+              </a:rPr>
+              <a:t>RTC</a:t>
+            </a:r>
+            <a:r>
+              <a:rPr lang="ja-JP" altLang="en-US" sz="2400" kern="0" dirty="0">
+                <a:solidFill>
+                  <a:srgbClr val="5F5F5F"/>
+                </a:solidFill>
+              </a:rPr>
+              <a:t>アイテムを追加して、</a:t>
+            </a:r>
+            <a:r>
+              <a:rPr lang="en-US" altLang="ja-JP" sz="2400" kern="0" dirty="0">
+                <a:solidFill>
+                  <a:srgbClr val="5F5F5F"/>
+                </a:solidFill>
+              </a:rPr>
+              <a:t> </a:t>
+            </a:r>
+            <a:r>
               <a:rPr lang="en-US" altLang="ja-JP" sz="2400" kern="0" dirty="0" err="1">
                 <a:solidFill>
                   <a:srgbClr val="5F5F5F"/>
                 </a:solidFill>
               </a:rPr>
+              <a:t>Choreonoid</a:t>
+            </a:r>
+            <a:r>
+              <a:rPr lang="ja-JP" altLang="en-US" sz="2400" kern="0" dirty="0">
+                <a:solidFill>
+                  <a:srgbClr val="5F5F5F"/>
+                </a:solidFill>
+              </a:rPr>
+              <a:t>が</a:t>
+            </a:r>
+            <a:r>
+              <a:rPr lang="en-US" altLang="ja-JP" sz="2400" kern="0" dirty="0" err="1">
+                <a:solidFill>
+                  <a:srgbClr val="5F5F5F"/>
+                </a:solidFill>
+              </a:rPr>
               <a:t>RobotController</a:t>
             </a:r>
             <a:r>
@@ -21797,23 +21837,7 @@
                   <a:srgbClr val="5F5F5F"/>
                 </a:solidFill>
               </a:rPr>
-              <a:t>コンポーネントを</a:t>
-            </a:r>
-            <a:r>
-              <a:rPr lang="en-US" altLang="ja-JP" sz="2400" kern="0" dirty="0" err="1">
-                <a:solidFill>
-                  <a:srgbClr val="5F5F5F"/>
-                </a:solidFill>
-              </a:rPr>
-              <a:t>Choreonoid</a:t>
-            </a:r>
-            <a:r>
-              <a:rPr lang="ja-JP" altLang="en-US" sz="2400" kern="0" dirty="0">
-                <a:solidFill>
-                  <a:srgbClr val="5F5F5F"/>
-                </a:solidFill>
-              </a:rPr>
-              <a:t>が起動するように設定する</a:t>
+              <a:t>コンポーネントを起動するように設定する</a:t>
             </a:r>
             <a:endParaRPr lang="en-US" altLang="ja-JP" sz="2400" kern="0" dirty="0">
               <a:solidFill>
@@ -21829,7 +21853,7 @@
               <a:defRPr/>
             </a:pPr>
             <a:r>
-              <a:rPr lang="ja-JP" altLang="en-US" sz="1800" kern="0" dirty="0">
+              <a:rPr lang="ja-JP" altLang="en-US" sz="2400" kern="0" dirty="0">
                 <a:solidFill>
                   <a:srgbClr val="5F5F5F"/>
                 </a:solidFill>
@@ -21837,14 +21861,14 @@
               <a:t>ファイル → 新規 → </a:t>
             </a:r>
             <a:r>
-              <a:rPr lang="en-US" altLang="ja-JP" sz="1800" kern="0" dirty="0">
+              <a:rPr lang="en-US" altLang="ja-JP" sz="2400" kern="0" dirty="0">
                 <a:solidFill>
                   <a:srgbClr val="5F5F5F"/>
                 </a:solidFill>
               </a:rPr>
               <a:t>RTC</a:t>
             </a:r>
-            <a:endParaRPr lang="en-US" altLang="ja-JP" sz="1800" kern="0" dirty="0">
+            <a:endParaRPr lang="en-US" altLang="ja-JP" sz="2400" kern="0" dirty="0">
               <a:solidFill>
                 <a:srgbClr val="FF0000"/>
               </a:solidFill>
@@ -21866,7 +21890,7 @@
         </p:nvSpPr>
         <p:spPr>
           <a:xfrm>
-            <a:off x="1845745" y="6318225"/>
+            <a:off x="1845745" y="6505525"/>
             <a:ext cx="340990" cy="180020"/>
           </a:xfrm>
           <a:prstGeom prst="rect">
@@ -22000,8 +22024,8 @@
         </p:nvSpPr>
         <p:spPr>
           <a:xfrm>
-            <a:off x="3302271" y="3338990"/>
-            <a:ext cx="2259839" cy="727615"/>
+            <a:off x="3302271" y="3093254"/>
+            <a:ext cx="3171825" cy="973351"/>
           </a:xfrm>
           <a:prstGeom prst="wedgeRoundRectCallout">
             <a:avLst>
@@ -22041,7 +22065,7 @@
           <a:p>
             <a:pPr algn="ctr"/>
             <a:r>
-              <a:rPr lang="ja-JP" altLang="en-US" dirty="0">
+              <a:rPr lang="ja-JP" altLang="en-US" sz="2000" dirty="0">
                 <a:solidFill>
                   <a:schemeClr val="tx1"/>
                 </a:solidFill>
@@ -22049,7 +22073,7 @@
               <a:t>名前を「</a:t>
             </a:r>
             <a:r>
-              <a:rPr lang="en-US" altLang="ja-JP" dirty="0" err="1">
+              <a:rPr lang="en-US" altLang="ja-JP" sz="2000" dirty="0" err="1">
                 <a:solidFill>
                   <a:schemeClr val="tx1"/>
                 </a:solidFill>
@@ -22057,14 +22081,14 @@
               <a:t>RobotController</a:t>
             </a:r>
             <a:r>
-              <a:rPr lang="ja-JP" altLang="en-US" dirty="0">
+              <a:rPr lang="ja-JP" altLang="en-US" sz="2000" dirty="0">
                 <a:solidFill>
                   <a:schemeClr val="tx1"/>
                 </a:solidFill>
               </a:rPr>
               <a:t>」に変更する</a:t>
             </a:r>
-            <a:endParaRPr kumimoji="1" lang="ja-JP" altLang="en-US" dirty="0">
+            <a:endParaRPr kumimoji="1" lang="ja-JP" altLang="en-US" sz="2000" dirty="0">
               <a:solidFill>
                 <a:schemeClr val="tx1"/>
               </a:solidFill>
@@ -23062,7 +23086,15 @@
           <a:lstStyle/>
           <a:p>
             <a:r>
-              <a:rPr lang="ja-JP" altLang="en-US" dirty="0">
+              <a:rPr lang="en-US" altLang="ja-JP" sz="1800" dirty="0">
+                <a:solidFill>
+                  <a:schemeClr val="tx1"/>
+                </a:solidFill>
+              </a:rPr>
+              <a:t>1. </a:t>
+            </a:r>
+            <a:r>
+              <a:rPr lang="ja-JP" altLang="en-US" sz="1800" dirty="0">
                 <a:solidFill>
                   <a:schemeClr val="tx1"/>
                 </a:solidFill>
@@ -23070,7 +23102,7 @@
               <a:t>アイテムから「</a:t>
             </a:r>
             <a:r>
-              <a:rPr lang="en-US" altLang="ja-JP" dirty="0" err="1">
+              <a:rPr lang="en-US" altLang="ja-JP" sz="1800" dirty="0" err="1">
                 <a:solidFill>
                   <a:schemeClr val="tx1"/>
                 </a:solidFill>
@@ -23078,30 +23110,14 @@
               <a:t>RobotController</a:t>
             </a:r>
             <a:r>
-              <a:rPr lang="ja-JP" altLang="en-US" dirty="0">
-                <a:solidFill>
-                  <a:schemeClr val="tx1"/>
-                </a:solidFill>
-              </a:rPr>
-              <a:t>」を選択後、下の「プロパティ」で「</a:t>
-            </a:r>
-            <a:r>
-              <a:rPr lang="en-US" altLang="ja-JP" dirty="0">
-                <a:solidFill>
-                  <a:schemeClr val="tx1"/>
-                </a:solidFill>
-              </a:rPr>
-              <a:t>RTC Module</a:t>
-            </a:r>
-            <a:r>
-              <a:rPr lang="ja-JP" altLang="en-US" dirty="0">
-                <a:solidFill>
-                  <a:schemeClr val="tx1"/>
-                </a:solidFill>
-              </a:rPr>
-              <a:t>」を設定する</a:t>
-            </a:r>
-            <a:endParaRPr kumimoji="1" lang="ja-JP" altLang="en-US" dirty="0">
+              <a:rPr lang="ja-JP" altLang="en-US" sz="1800" dirty="0">
+                <a:solidFill>
+                  <a:schemeClr val="tx1"/>
+                </a:solidFill>
+              </a:rPr>
+              <a:t>」を選択する。</a:t>
+            </a:r>
+            <a:endParaRPr kumimoji="1" lang="ja-JP" altLang="en-US" sz="1800" dirty="0">
               <a:solidFill>
                 <a:schemeClr val="tx1"/>
               </a:solidFill>
@@ -23248,8 +23264,8 @@
         </p:nvSpPr>
         <p:spPr>
           <a:xfrm>
-            <a:off x="4193450" y="2526116"/>
-            <a:ext cx="4383995" cy="958377"/>
+            <a:off x="3795185" y="2479508"/>
+            <a:ext cx="5422527" cy="1208255"/>
           </a:xfrm>
           <a:prstGeom prst="wedgeRoundRectCallout">
             <a:avLst>
@@ -23288,14 +23304,22 @@
           <a:lstStyle/>
           <a:p>
             <a:r>
-              <a:rPr lang="ja-JP" altLang="en-US" dirty="0">
+              <a:rPr lang="en-US" altLang="ja-JP" sz="1800" dirty="0">
+                <a:solidFill>
+                  <a:schemeClr val="tx1"/>
+                </a:solidFill>
+              </a:rPr>
+              <a:t>3. </a:t>
+            </a:r>
+            <a:r>
+              <a:rPr lang="ja-JP" altLang="en-US" sz="1800" dirty="0">
                 <a:solidFill>
                   <a:schemeClr val="tx1"/>
                 </a:solidFill>
               </a:rPr>
               <a:t>ファイル選択で前の実習で作成した</a:t>
             </a:r>
-            <a:endParaRPr lang="en-US" altLang="ja-JP" dirty="0">
+            <a:endParaRPr lang="en-US" altLang="ja-JP" sz="1800" dirty="0">
               <a:solidFill>
                 <a:schemeClr val="tx1"/>
               </a:solidFill>
@@ -23303,7 +23327,7 @@
           </a:p>
           <a:p>
             <a:r>
-              <a:rPr lang="ja-JP" altLang="en-US" dirty="0">
+              <a:rPr lang="ja-JP" altLang="en-US" sz="1800" dirty="0">
                 <a:solidFill>
                   <a:schemeClr val="tx1"/>
                 </a:solidFill>
@@ -23311,7 +23335,7 @@
               <a:t>「</a:t>
             </a:r>
             <a:r>
-              <a:rPr lang="en-US" altLang="ja-JP" dirty="0">
+              <a:rPr lang="en-US" altLang="ja-JP" sz="1800" dirty="0">
                 <a:solidFill>
                   <a:schemeClr val="tx1"/>
                 </a:solidFill>
@@ -23319,14 +23343,14 @@
               <a:t>RobotControllerComp.exe</a:t>
             </a:r>
             <a:r>
-              <a:rPr lang="ja-JP" altLang="en-US" dirty="0">
+              <a:rPr lang="ja-JP" altLang="en-US" sz="1800" dirty="0">
                 <a:solidFill>
                   <a:schemeClr val="tx1"/>
                 </a:solidFill>
               </a:rPr>
               <a:t>」を選択する。</a:t>
             </a:r>
-            <a:endParaRPr lang="en-US" altLang="ja-JP" dirty="0">
+            <a:endParaRPr lang="en-US" altLang="ja-JP" sz="1800" dirty="0">
               <a:solidFill>
                 <a:schemeClr val="tx1"/>
               </a:solidFill>
@@ -23334,7 +23358,7 @@
           </a:p>
           <a:p>
             <a:r>
-              <a:rPr kumimoji="1" lang="en-US" altLang="ja-JP" dirty="0">
+              <a:rPr kumimoji="1" lang="en-US" altLang="ja-JP" sz="1800" dirty="0">
                 <a:solidFill>
                   <a:schemeClr val="tx1"/>
                 </a:solidFill>
@@ -23342,7 +23366,7 @@
               <a:t>※</a:t>
             </a:r>
             <a:r>
-              <a:rPr kumimoji="1" lang="ja-JP" altLang="en-US" dirty="0">
+              <a:rPr kumimoji="1" lang="ja-JP" altLang="en-US" sz="1800" dirty="0">
                 <a:solidFill>
                   <a:schemeClr val="tx1"/>
                 </a:solidFill>
@@ -23350,7 +23374,7 @@
               <a:t>初期状態では</a:t>
             </a:r>
             <a:r>
-              <a:rPr kumimoji="1" lang="en-US" altLang="ja-JP" dirty="0">
+              <a:rPr kumimoji="1" lang="en-US" altLang="ja-JP" sz="1800" dirty="0">
                 <a:solidFill>
                   <a:schemeClr val="tx1"/>
                 </a:solidFill>
@@ -23358,14 +23382,14 @@
               <a:t>exe</a:t>
             </a:r>
             <a:r>
-              <a:rPr kumimoji="1" lang="ja-JP" altLang="en-US" dirty="0">
+              <a:rPr kumimoji="1" lang="ja-JP" altLang="en-US" sz="1800" dirty="0">
                 <a:solidFill>
                   <a:schemeClr val="tx1"/>
                 </a:solidFill>
               </a:rPr>
               <a:t>ファイルが表示されないので、</a:t>
             </a:r>
-            <a:endParaRPr kumimoji="1" lang="en-US" altLang="ja-JP" dirty="0">
+            <a:endParaRPr kumimoji="1" lang="en-US" altLang="ja-JP" sz="1800" dirty="0">
               <a:solidFill>
                 <a:schemeClr val="tx1"/>
               </a:solidFill>
@@ -23373,7 +23397,7 @@
           </a:p>
           <a:p>
             <a:r>
-              <a:rPr kumimoji="1" lang="ja-JP" altLang="en-US" dirty="0">
+              <a:rPr kumimoji="1" lang="ja-JP" altLang="en-US" sz="1800" dirty="0">
                 <a:solidFill>
                   <a:schemeClr val="tx1"/>
                 </a:solidFill>
@@ -23381,7 +23405,7 @@
               <a:t>「ファイルの種類」を「すべてのファイル</a:t>
             </a:r>
             <a:r>
-              <a:rPr kumimoji="1" lang="en-US" altLang="ja-JP" dirty="0">
+              <a:rPr kumimoji="1" lang="en-US" altLang="ja-JP" sz="1800" dirty="0">
                 <a:solidFill>
                   <a:schemeClr val="tx1"/>
                 </a:solidFill>
@@ -23389,13 +23413,121 @@
               <a:t>(*)</a:t>
             </a:r>
             <a:r>
-              <a:rPr kumimoji="1" lang="ja-JP" altLang="en-US" dirty="0">
+              <a:rPr kumimoji="1" lang="ja-JP" altLang="en-US" sz="1800" dirty="0">
                 <a:solidFill>
                   <a:schemeClr val="tx1"/>
                 </a:solidFill>
               </a:rPr>
               <a:t>」に変更する</a:t>
             </a:r>
+          </a:p>
+        </p:txBody>
+      </p:sp>
+      <p:sp>
+        <p:nvSpPr>
+          <p:cNvPr id="18" name="吹き出し: 角を丸めた四角形 17">
+            <a:extLst>
+              <a:ext uri="{FF2B5EF4-FFF2-40B4-BE49-F238E27FC236}">
+                <a16:creationId xmlns:a16="http://schemas.microsoft.com/office/drawing/2014/main" id="{51868089-8F44-48CD-BCE7-E83C31E347BF}"/>
+              </a:ext>
+            </a:extLst>
+          </p:cNvPr>
+          <p:cNvSpPr/>
+          <p:nvPr/>
+        </p:nvSpPr>
+        <p:spPr>
+          <a:xfrm>
+            <a:off x="180974" y="3630173"/>
+            <a:ext cx="3510969" cy="721372"/>
+          </a:xfrm>
+          <a:prstGeom prst="wedgeRoundRectCallout">
+            <a:avLst>
+              <a:gd name="adj1" fmla="val 18960"/>
+              <a:gd name="adj2" fmla="val 129768"/>
+              <a:gd name="adj3" fmla="val 16667"/>
+            </a:avLst>
+          </a:prstGeom>
+          <a:solidFill>
+            <a:schemeClr val="bg1"/>
+          </a:solidFill>
+          <a:ln>
+            <a:solidFill>
+              <a:schemeClr val="tx1"/>
+            </a:solidFill>
+          </a:ln>
+        </p:spPr>
+        <p:style>
+          <a:lnRef idx="2">
+            <a:schemeClr val="accent1">
+              <a:shade val="50000"/>
+            </a:schemeClr>
+          </a:lnRef>
+          <a:fillRef idx="1">
+            <a:schemeClr val="accent1"/>
+          </a:fillRef>
+          <a:effectRef idx="0">
+            <a:schemeClr val="accent1"/>
+          </a:effectRef>
+          <a:fontRef idx="minor">
+            <a:schemeClr val="lt1"/>
+          </a:fontRef>
+        </p:style>
+        <p:txBody>
+          <a:bodyPr rtlCol="0" anchor="ctr"/>
+          <a:lstStyle/>
+          <a:p>
+            <a:r>
+              <a:rPr lang="en-US" altLang="ja-JP" sz="1800" dirty="0">
+                <a:solidFill>
+                  <a:schemeClr val="tx1"/>
+                </a:solidFill>
+              </a:rPr>
+              <a:t>2.</a:t>
+            </a:r>
+            <a:r>
+              <a:rPr lang="ja-JP" altLang="en-US" sz="1800" dirty="0">
+                <a:solidFill>
+                  <a:schemeClr val="tx1"/>
+                </a:solidFill>
+              </a:rPr>
+              <a:t> 下の「プロパティ」で</a:t>
+            </a:r>
+            <a:endParaRPr lang="en-US" altLang="ja-JP" sz="1800" dirty="0">
+              <a:solidFill>
+                <a:schemeClr val="tx1"/>
+              </a:solidFill>
+            </a:endParaRPr>
+          </a:p>
+          <a:p>
+            <a:r>
+              <a:rPr lang="ja-JP" altLang="en-US" sz="1800" dirty="0">
+                <a:solidFill>
+                  <a:schemeClr val="tx1"/>
+                </a:solidFill>
+              </a:rPr>
+              <a:t>「</a:t>
+            </a:r>
+            <a:r>
+              <a:rPr lang="en-US" altLang="ja-JP" sz="1800" dirty="0">
+                <a:solidFill>
+                  <a:schemeClr val="tx1"/>
+                </a:solidFill>
+              </a:rPr>
+              <a:t>RTC Module</a:t>
+            </a:r>
+            <a:r>
+              <a:rPr lang="ja-JP" altLang="en-US" sz="1800" dirty="0">
+                <a:solidFill>
+                  <a:schemeClr val="tx1"/>
+                </a:solidFill>
+              </a:rPr>
+              <a:t>」を設定する</a:t>
+            </a:r>
+            <a:endParaRPr kumimoji="1" lang="ja-JP" altLang="en-US" sz="1800" dirty="0">
+              <a:solidFill>
+                <a:schemeClr val="tx1"/>
+              </a:solidFill>
+            </a:endParaRPr>
           </a:p>
         </p:txBody>
       </p:sp>
@@ -23481,7 +23613,7 @@
         </p:blipFill>
         <p:spPr>
           <a:xfrm>
-            <a:off x="423862" y="1930030"/>
+            <a:off x="423862" y="2033845"/>
             <a:ext cx="2280450" cy="4689140"/>
           </a:xfrm>
           <a:prstGeom prst="rect">
@@ -24193,7 +24325,7 @@
               <a:defRPr/>
             </a:pPr>
             <a:r>
-              <a:rPr lang="ja-JP" altLang="en-US" sz="1800" kern="0" dirty="0">
+              <a:rPr lang="ja-JP" altLang="en-US" sz="2400" kern="0" dirty="0">
                 <a:solidFill>
                   <a:srgbClr val="5F5F5F"/>
                 </a:solidFill>
@@ -24201,14 +24333,14 @@
               <a:t>ファイル → 新規 → </a:t>
             </a:r>
             <a:r>
-              <a:rPr lang="en-US" altLang="ja-JP" sz="1800" kern="0" dirty="0" err="1">
+              <a:rPr lang="en-US" altLang="ja-JP" sz="2400" kern="0" dirty="0" err="1">
                 <a:solidFill>
                   <a:srgbClr val="5F5F5F"/>
                 </a:solidFill>
               </a:rPr>
               <a:t>PyRTC</a:t>
             </a:r>
-            <a:endParaRPr lang="en-US" altLang="ja-JP" sz="1600" kern="0" dirty="0">
+            <a:endParaRPr lang="en-US" altLang="ja-JP" sz="2000" kern="0" dirty="0">
               <a:solidFill>
                 <a:srgbClr val="FF0000"/>
               </a:solidFill>
@@ -24230,7 +24362,7 @@
         </p:nvSpPr>
         <p:spPr>
           <a:xfrm>
-            <a:off x="1675250" y="6439150"/>
+            <a:off x="1675250" y="6542965"/>
             <a:ext cx="340990" cy="180020"/>
           </a:xfrm>
           <a:prstGeom prst="rect">
@@ -24334,13 +24466,13 @@
         </p:nvSpPr>
         <p:spPr>
           <a:xfrm>
-            <a:off x="2889624" y="3338990"/>
-            <a:ext cx="2672486" cy="727615"/>
+            <a:off x="2936001" y="2998036"/>
+            <a:ext cx="3661223" cy="727615"/>
           </a:xfrm>
           <a:prstGeom prst="wedgeRoundRectCallout">
             <a:avLst>
-              <a:gd name="adj1" fmla="val -14167"/>
-              <a:gd name="adj2" fmla="val 139807"/>
+              <a:gd name="adj1" fmla="val -13527"/>
+              <a:gd name="adj2" fmla="val 180086"/>
               <a:gd name="adj3" fmla="val 16667"/>
             </a:avLst>
           </a:prstGeom>
@@ -24375,7 +24507,7 @@
           <a:p>
             <a:pPr algn="ctr"/>
             <a:r>
-              <a:rPr lang="ja-JP" altLang="en-US" dirty="0">
+              <a:rPr lang="ja-JP" altLang="en-US" sz="2000" dirty="0">
                 <a:solidFill>
                   <a:schemeClr val="tx1"/>
                 </a:solidFill>
@@ -24383,7 +24515,7 @@
               <a:t>名前を「</a:t>
             </a:r>
             <a:r>
-              <a:rPr lang="en-US" altLang="ja-JP" dirty="0" err="1">
+              <a:rPr lang="en-US" altLang="ja-JP" sz="2000" dirty="0" err="1">
                 <a:solidFill>
                   <a:schemeClr val="tx1"/>
                 </a:solidFill>
@@ -24391,14 +24523,14 @@
               <a:t>RaspberryPiMouseIo</a:t>
             </a:r>
             <a:r>
-              <a:rPr lang="ja-JP" altLang="en-US" dirty="0">
+              <a:rPr lang="ja-JP" altLang="en-US" sz="2000" dirty="0">
                 <a:solidFill>
                   <a:schemeClr val="tx1"/>
                 </a:solidFill>
               </a:rPr>
               <a:t>」に変更する</a:t>
             </a:r>
-            <a:endParaRPr kumimoji="1" lang="ja-JP" altLang="en-US" dirty="0">
+            <a:endParaRPr kumimoji="1" lang="ja-JP" altLang="en-US" sz="2000" dirty="0">
               <a:solidFill>
                 <a:schemeClr val="tx1"/>
               </a:solidFill>
@@ -25119,6 +25251,51 @@
             <a:r>
               <a:rPr lang="en-US" altLang="ja-JP" sz="2400" kern="0" dirty="0">
                 <a:solidFill>
+                  <a:srgbClr val="FF0000"/>
+                </a:solidFill>
+              </a:rPr>
+              <a:t>※</a:t>
+            </a:r>
+            <a:r>
+              <a:rPr lang="ja-JP" altLang="en-US" sz="2400" kern="0" dirty="0">
+                <a:solidFill>
+                  <a:srgbClr val="FF0000"/>
+                </a:solidFill>
+              </a:rPr>
+              <a:t>ここからは</a:t>
+            </a:r>
+            <a:r>
+              <a:rPr lang="en-US" altLang="ja-JP" sz="2400" kern="0" dirty="0">
+                <a:solidFill>
+                  <a:srgbClr val="FF0000"/>
+                </a:solidFill>
+              </a:rPr>
+              <a:t>RTC Builder</a:t>
+            </a:r>
+            <a:r>
+              <a:rPr lang="ja-JP" altLang="en-US" sz="2400" kern="0" dirty="0">
+                <a:solidFill>
+                  <a:srgbClr val="FF0000"/>
+                </a:solidFill>
+              </a:rPr>
+              <a:t>で作業します</a:t>
+            </a:r>
+            <a:endParaRPr lang="en-US" altLang="ja-JP" sz="2400" kern="0" dirty="0">
+              <a:solidFill>
+                <a:srgbClr val="FF0000"/>
+              </a:solidFill>
+            </a:endParaRPr>
+          </a:p>
+          <a:p>
+            <a:pPr eaLnBrk="1" hangingPunct="1">
+              <a:lnSpc>
+                <a:spcPct val="80000"/>
+              </a:lnSpc>
+              <a:defRPr/>
+            </a:pPr>
+            <a:r>
+              <a:rPr lang="en-US" altLang="ja-JP" sz="2400" kern="0" dirty="0">
+                <a:solidFill>
                   <a:srgbClr val="5F5F5F"/>
                 </a:solidFill>
               </a:rPr>
@@ -25149,6 +25326,43 @@
               <a:t>コンポーネントを作成する</a:t>
             </a:r>
             <a:endParaRPr lang="en-US" altLang="ja-JP" sz="2400" kern="0" dirty="0">
+              <a:solidFill>
+                <a:srgbClr val="5F5F5F"/>
+              </a:solidFill>
+            </a:endParaRPr>
+          </a:p>
+          <a:p>
+            <a:pPr lvl="1" eaLnBrk="1" hangingPunct="1">
+              <a:lnSpc>
+                <a:spcPct val="80000"/>
+              </a:lnSpc>
+              <a:defRPr/>
+            </a:pPr>
+            <a:r>
+              <a:rPr lang="ja-JP" altLang="en-US" sz="2000" kern="0" dirty="0">
+                <a:solidFill>
+                  <a:srgbClr val="5F5F5F"/>
+                </a:solidFill>
+              </a:rPr>
+              <a:t>コード生成すると</a:t>
+            </a:r>
+            <a:r>
+              <a:rPr lang="en-US" altLang="ja-JP" sz="2000" b="1" kern="0" dirty="0">
+                <a:solidFill>
+                  <a:srgbClr val="FF0000"/>
+                </a:solidFill>
+              </a:rPr>
+              <a:t>RaspberryPiMouseIo.py</a:t>
+            </a:r>
+            <a:r>
+              <a:rPr lang="ja-JP" altLang="en-US" sz="2000" kern="0" dirty="0">
+                <a:solidFill>
+                  <a:srgbClr val="5F5F5F"/>
+                </a:solidFill>
+              </a:rPr>
+              <a:t>が作成される</a:t>
+            </a:r>
+            <a:endParaRPr lang="en-US" altLang="ja-JP" sz="2000" kern="0" dirty="0">
               <a:solidFill>
                 <a:srgbClr val="5F5F5F"/>
               </a:solidFill>
@@ -25197,14 +25411,14 @@
           <p:nvPr>
             <p:extLst>
               <p:ext uri="{D42A27DB-BD31-4B8C-83A1-F6EECF244321}">
-                <p14:modId xmlns:p14="http://schemas.microsoft.com/office/powerpoint/2010/main" val="2979002531"/>
+                <p14:modId xmlns:p14="http://schemas.microsoft.com/office/powerpoint/2010/main" val="3480917285"/>
               </p:ext>
             </p:extLst>
           </p:nvPr>
         </p:nvGraphicFramePr>
         <p:xfrm>
-          <a:off x="791871" y="1853825"/>
-          <a:ext cx="7580896" cy="4450080"/>
+          <a:off x="781552" y="2346875"/>
+          <a:ext cx="7580896" cy="4445000"/>
         </p:xfrm>
         <a:graphic>
           <a:graphicData uri="http://schemas.openxmlformats.org/drawingml/2006/table">
@@ -25278,7 +25492,11 @@
                       </a:r>
                     </a:p>
                   </a:txBody>
-                  <a:tcPr/>
+                  <a:tcPr>
+                    <a:solidFill>
+                      <a:schemeClr val="bg1"/>
+                    </a:solidFill>
+                  </a:tcPr>
                 </a:tc>
                 <a:tc>
                   <a:txBody>
@@ -25292,7 +25510,11 @@
                       <a:endParaRPr kumimoji="1" lang="ja-JP" altLang="en-US" dirty="0"/>
                     </a:p>
                   </a:txBody>
-                  <a:tcPr/>
+                  <a:tcPr>
+                    <a:solidFill>
+                      <a:schemeClr val="bg1"/>
+                    </a:solidFill>
+                  </a:tcPr>
                 </a:tc>
                 <a:extLst>
                   <a:ext uri="{0D108BD9-81ED-4DB2-BD59-A6C34878D82A}">
@@ -25329,7 +25551,11 @@
                       </a:r>
                     </a:p>
                   </a:txBody>
-                  <a:tcPr/>
+                  <a:tcPr>
+                    <a:solidFill>
+                      <a:schemeClr val="bg1"/>
+                    </a:solidFill>
+                  </a:tcPr>
                 </a:tc>
                 <a:tc>
                   <a:txBody>
@@ -25354,13 +25580,25 @@
                         <a:defRPr/>
                       </a:pPr>
                       <a:r>
-                        <a:rPr kumimoji="1" lang="en-US" altLang="ja-JP" dirty="0"/>
+                        <a:rPr kumimoji="1" lang="en-US" altLang="ja-JP" dirty="0">
+                          <a:solidFill>
+                            <a:srgbClr val="FF0000"/>
+                          </a:solidFill>
+                        </a:rPr>
                         <a:t>Python</a:t>
                       </a:r>
-                      <a:endParaRPr kumimoji="1" lang="ja-JP" altLang="en-US" dirty="0"/>
+                      <a:endParaRPr kumimoji="1" lang="ja-JP" altLang="en-US" dirty="0">
+                        <a:solidFill>
+                          <a:srgbClr val="FF0000"/>
+                        </a:solidFill>
+                      </a:endParaRPr>
                     </a:p>
                   </a:txBody>
-                  <a:tcPr/>
+                  <a:tcPr>
+                    <a:solidFill>
+                      <a:schemeClr val="bg1"/>
+                    </a:solidFill>
+                  </a:tcPr>
                 </a:tc>
                 <a:extLst>
                   <a:ext uri="{0D108BD9-81ED-4DB2-BD59-A6C34878D82A}">
@@ -25419,7 +25657,11 @@
                       </a:r>
                     </a:p>
                   </a:txBody>
-                  <a:tcPr/>
+                  <a:tcPr>
+                    <a:solidFill>
+                      <a:schemeClr val="bg1"/>
+                    </a:solidFill>
+                  </a:tcPr>
                 </a:tc>
                 <a:tc hMerge="1">
                   <a:txBody>
@@ -25517,7 +25759,11 @@
                       </a:r>
                     </a:p>
                   </a:txBody>
-                  <a:tcPr/>
+                  <a:tcPr>
+                    <a:solidFill>
+                      <a:schemeClr val="bg1"/>
+                    </a:solidFill>
+                  </a:tcPr>
                 </a:tc>
                 <a:tc hMerge="1">
                   <a:txBody>
@@ -25614,7 +25860,11 @@
                       </a:r>
                     </a:p>
                   </a:txBody>
-                  <a:tcPr/>
+                  <a:tcPr>
+                    <a:solidFill>
+                      <a:schemeClr val="bg1"/>
+                    </a:solidFill>
+                  </a:tcPr>
                 </a:tc>
                 <a:tc>
                   <a:txBody>
@@ -25628,7 +25878,11 @@
                       <a:endParaRPr kumimoji="1" lang="ja-JP" altLang="en-US" dirty="0"/>
                     </a:p>
                   </a:txBody>
-                  <a:tcPr/>
+                  <a:tcPr>
+                    <a:solidFill>
+                      <a:schemeClr val="bg1"/>
+                    </a:solidFill>
+                  </a:tcPr>
                 </a:tc>
                 <a:extLst>
                   <a:ext uri="{0D108BD9-81ED-4DB2-BD59-A6C34878D82A}">
@@ -25648,7 +25902,11 @@
                       </a:r>
                     </a:p>
                   </a:txBody>
-                  <a:tcPr/>
+                  <a:tcPr>
+                    <a:solidFill>
+                      <a:schemeClr val="bg1"/>
+                    </a:solidFill>
+                  </a:tcPr>
                 </a:tc>
                 <a:tc>
                   <a:txBody>
@@ -25662,7 +25920,11 @@
                       <a:endParaRPr kumimoji="1" lang="ja-JP" altLang="en-US" dirty="0"/>
                     </a:p>
                   </a:txBody>
-                  <a:tcPr/>
+                  <a:tcPr>
+                    <a:solidFill>
+                      <a:schemeClr val="bg1"/>
+                    </a:solidFill>
+                  </a:tcPr>
                 </a:tc>
                 <a:extLst>
                   <a:ext uri="{0D108BD9-81ED-4DB2-BD59-A6C34878D82A}">
@@ -25670,7 +25932,7 @@
                   </a:ext>
                 </a:extLst>
               </a:tr>
-              <a:tr h="370840">
+              <a:tr h="0">
                 <a:tc gridSpan="2">
                   <a:txBody>
                     <a:bodyPr/>
@@ -25721,7 +25983,11 @@
                       </a:r>
                     </a:p>
                   </a:txBody>
-                  <a:tcPr/>
+                  <a:tcPr>
+                    <a:solidFill>
+                      <a:schemeClr val="bg1"/>
+                    </a:solidFill>
+                  </a:tcPr>
                 </a:tc>
                 <a:tc hMerge="1">
                   <a:txBody>
@@ -30798,7 +31064,7 @@
         </p:nvSpPr>
         <p:spPr>
           <a:xfrm>
-            <a:off x="5760580" y="2370299"/>
+            <a:off x="5714881" y="2567588"/>
             <a:ext cx="3357619" cy="1176447"/>
           </a:xfrm>
           <a:prstGeom prst="wedgeRoundRectCallout">
@@ -33889,14 +34155,14 @@
           <a:lstStyle/>
           <a:p>
             <a:r>
-              <a:rPr lang="ja-JP" altLang="en-US" dirty="0">
+              <a:rPr lang="ja-JP" altLang="en-US" sz="1800" dirty="0">
                 <a:solidFill>
                   <a:schemeClr val="tx1"/>
                 </a:solidFill>
               </a:rPr>
               <a:t>配置が違う場合はドラッグアンドドロップすれば変更できる。</a:t>
             </a:r>
-            <a:endParaRPr lang="en-US" altLang="ja-JP" dirty="0">
+            <a:endParaRPr lang="en-US" altLang="ja-JP" sz="1800" dirty="0">
               <a:solidFill>
                 <a:schemeClr val="tx1"/>
               </a:solidFill>
@@ -37987,6 +38253,36 @@
           <a:chExt cx="0" cy="0"/>
         </a:xfrm>
       </p:grpSpPr>
+      <p:pic>
+        <p:nvPicPr>
+          <p:cNvPr id="5" name="図 4">
+            <a:extLst>
+              <a:ext uri="{FF2B5EF4-FFF2-40B4-BE49-F238E27FC236}">
+                <a16:creationId xmlns:a16="http://schemas.microsoft.com/office/drawing/2014/main" id="{2A53BC55-CE7A-48F4-8B13-25F9EA6A963D}"/>
+              </a:ext>
+            </a:extLst>
+          </p:cNvPr>
+          <p:cNvPicPr>
+            <a:picLocks noChangeAspect="1"/>
+          </p:cNvPicPr>
+          <p:nvPr/>
+        </p:nvPicPr>
+        <p:blipFill>
+          <a:blip r:embed="rId3"/>
+          <a:stretch>
+            <a:fillRect/>
+          </a:stretch>
+        </p:blipFill>
+        <p:spPr>
+          <a:xfrm>
+            <a:off x="231675" y="2353622"/>
+            <a:ext cx="3697167" cy="1075378"/>
+          </a:xfrm>
+          <a:prstGeom prst="rect">
+            <a:avLst/>
+          </a:prstGeom>
+        </p:spPr>
+      </p:pic>
       <p:sp>
         <p:nvSpPr>
           <p:cNvPr id="15" name="Rectangle 2">
@@ -38237,36 +38533,6 @@
           </a:p>
         </p:txBody>
       </p:sp>
-      <p:pic>
-        <p:nvPicPr>
-          <p:cNvPr id="12" name="図 11">
-            <a:extLst>
-              <a:ext uri="{FF2B5EF4-FFF2-40B4-BE49-F238E27FC236}">
-                <a16:creationId xmlns:a16="http://schemas.microsoft.com/office/drawing/2014/main" id="{11266395-B166-4934-8717-5391427C9423}"/>
-              </a:ext>
-            </a:extLst>
-          </p:cNvPr>
-          <p:cNvPicPr>
-            <a:picLocks noChangeAspect="1"/>
-          </p:cNvPicPr>
-          <p:nvPr/>
-        </p:nvPicPr>
-        <p:blipFill>
-          <a:blip r:embed="rId3"/>
-          <a:stretch>
-            <a:fillRect/>
-          </a:stretch>
-        </p:blipFill>
-        <p:spPr>
-          <a:xfrm>
-            <a:off x="529101" y="2350293"/>
-            <a:ext cx="2962275" cy="1571625"/>
-          </a:xfrm>
-          <a:prstGeom prst="rect">
-            <a:avLst/>
-          </a:prstGeom>
-        </p:spPr>
-      </p:pic>
       <p:sp>
         <p:nvSpPr>
           <p:cNvPr id="16386" name="スライド番号プレースホルダ 1">
@@ -38721,7 +38987,7 @@
         </p:nvSpPr>
         <p:spPr>
           <a:xfrm>
-            <a:off x="1607210" y="2720262"/>
+            <a:off x="2265204" y="2664318"/>
             <a:ext cx="225025" cy="189272"/>
           </a:xfrm>
           <a:prstGeom prst="rect">
@@ -38811,7 +39077,7 @@
         </p:blipFill>
         <p:spPr>
           <a:xfrm>
-            <a:off x="746575" y="4792662"/>
+            <a:off x="746575" y="4898169"/>
             <a:ext cx="3067050" cy="1581150"/>
           </a:xfrm>
           <a:prstGeom prst="rect">
@@ -38833,13 +39099,13 @@
         </p:nvSpPr>
         <p:spPr>
           <a:xfrm>
-            <a:off x="576505" y="3313389"/>
-            <a:ext cx="2537337" cy="897932"/>
+            <a:off x="576505" y="3313388"/>
+            <a:ext cx="2780360" cy="1479273"/>
           </a:xfrm>
           <a:prstGeom prst="wedgeRoundRectCallout">
             <a:avLst>
-              <a:gd name="adj1" fmla="val -11059"/>
-              <a:gd name="adj2" fmla="val -79785"/>
+              <a:gd name="adj1" fmla="val 16348"/>
+              <a:gd name="adj2" fmla="val -73445"/>
               <a:gd name="adj3" fmla="val 16667"/>
             </a:avLst>
           </a:prstGeom>
@@ -38872,14 +39138,9 @@
           <a:bodyPr rtlCol="0" anchor="ctr"/>
           <a:lstStyle/>
           <a:p>
-            <a:r>
-              <a:rPr kumimoji="1" lang="en-US" altLang="ja-JP" sz="2000" dirty="0">
-                <a:solidFill>
-                  <a:schemeClr val="tx1"/>
-                </a:solidFill>
-              </a:rPr>
-              <a:t>1. </a:t>
-            </a:r>
+            <a:pPr marL="457200" indent="-457200">
+              <a:buAutoNum type="arabicPeriod"/>
+            </a:pPr>
             <a:r>
               <a:rPr kumimoji="1" lang="ja-JP" altLang="en-US" sz="2000" dirty="0">
                 <a:solidFill>
@@ -38888,6 +39149,31 @@
               </a:rPr>
               <a:t>ネームサーバへの接続ボタンを押す</a:t>
             </a:r>
+            <a:endParaRPr kumimoji="1" lang="en-US" altLang="ja-JP" sz="2000" dirty="0">
+              <a:solidFill>
+                <a:schemeClr val="tx1"/>
+              </a:solidFill>
+            </a:endParaRPr>
+          </a:p>
+          <a:p>
+            <a:pPr marL="457200" indent="-457200">
+              <a:buAutoNum type="arabicPeriod"/>
+            </a:pPr>
+            <a:endParaRPr kumimoji="1" lang="en-US" altLang="ja-JP" sz="2000" dirty="0">
+              <a:solidFill>
+                <a:schemeClr val="tx1"/>
+              </a:solidFill>
+            </a:endParaRPr>
+          </a:p>
+          <a:p>
+            <a:pPr marL="457200" indent="-457200">
+              <a:buAutoNum type="arabicPeriod"/>
+            </a:pPr>
+            <a:endParaRPr kumimoji="1" lang="ja-JP" altLang="en-US" sz="2000" dirty="0">
+              <a:solidFill>
+                <a:schemeClr val="tx1"/>
+              </a:solidFill>
+            </a:endParaRPr>
           </a:p>
         </p:txBody>
       </p:sp>
@@ -39072,6 +39358,36 @@
           </a:p>
         </p:txBody>
       </p:sp>
+      <p:pic>
+        <p:nvPicPr>
+          <p:cNvPr id="3" name="図 2">
+            <a:extLst>
+              <a:ext uri="{FF2B5EF4-FFF2-40B4-BE49-F238E27FC236}">
+                <a16:creationId xmlns:a16="http://schemas.microsoft.com/office/drawing/2014/main" id="{4B409228-127E-4E2A-8956-CACB4559ABD3}"/>
+              </a:ext>
+            </a:extLst>
+          </p:cNvPr>
+          <p:cNvPicPr>
+            <a:picLocks noChangeAspect="1"/>
+          </p:cNvPicPr>
+          <p:nvPr/>
+        </p:nvPicPr>
+        <p:blipFill>
+          <a:blip r:embed="rId6"/>
+          <a:stretch>
+            <a:fillRect/>
+          </a:stretch>
+        </p:blipFill>
+        <p:spPr>
+          <a:xfrm>
+            <a:off x="1607210" y="4068558"/>
+            <a:ext cx="669535" cy="636061"/>
+          </a:xfrm>
+          <a:prstGeom prst="rect">
+            <a:avLst/>
+          </a:prstGeom>
+        </p:spPr>
+      </p:pic>
     </p:spTree>
     <p:extLst>
       <p:ext uri="{BB962C8B-B14F-4D97-AF65-F5344CB8AC3E}">
@@ -39774,14 +40090,14 @@
               <a:defRPr/>
             </a:pPr>
             <a:r>
-              <a:rPr lang="ja-JP" altLang="en-US" sz="1400" kern="0" dirty="0">
+              <a:rPr lang="ja-JP" altLang="en-US" sz="1600" kern="0" dirty="0">
                 <a:solidFill>
                   <a:srgbClr val="5F5F5F"/>
                 </a:solidFill>
               </a:rPr>
               <a:t>プラグインによる高い拡張性</a:t>
             </a:r>
-            <a:endParaRPr lang="en-US" altLang="ja-JP" sz="1400" kern="0" dirty="0">
+            <a:endParaRPr lang="en-US" altLang="ja-JP" sz="1600" kern="0" dirty="0">
               <a:solidFill>
                 <a:srgbClr val="5F5F5F"/>
               </a:solidFill>
@@ -39795,7 +40111,7 @@
               <a:defRPr/>
             </a:pPr>
             <a:r>
-              <a:rPr lang="en-US" altLang="ja-JP" sz="1400" kern="0" dirty="0">
+              <a:rPr lang="en-US" altLang="ja-JP" sz="1600" kern="0" dirty="0">
                 <a:solidFill>
                   <a:srgbClr val="5F5F5F"/>
                 </a:solidFill>
@@ -39803,14 +40119,14 @@
               <a:t>3DCG</a:t>
             </a:r>
             <a:r>
-              <a:rPr lang="ja-JP" altLang="en-US" sz="1400" kern="0" dirty="0">
+              <a:rPr lang="ja-JP" altLang="en-US" sz="1600" kern="0" dirty="0">
                 <a:solidFill>
                   <a:srgbClr val="5F5F5F"/>
                 </a:solidFill>
               </a:rPr>
               <a:t>によるロボットモデルのアニメーション表示</a:t>
             </a:r>
-            <a:endParaRPr lang="en-US" altLang="ja-JP" sz="1400" kern="0" dirty="0">
+            <a:endParaRPr lang="en-US" altLang="ja-JP" sz="1600" kern="0" dirty="0">
               <a:solidFill>
                 <a:srgbClr val="5F5F5F"/>
               </a:solidFill>
@@ -39824,14 +40140,14 @@
               <a:defRPr/>
             </a:pPr>
             <a:r>
-              <a:rPr lang="ja-JP" altLang="en-US" sz="1400" kern="0" dirty="0">
+              <a:rPr lang="ja-JP" altLang="en-US" sz="1600" kern="0" dirty="0">
                 <a:solidFill>
                   <a:srgbClr val="5F5F5F"/>
                 </a:solidFill>
               </a:rPr>
               <a:t>動力学シミュレーション</a:t>
             </a:r>
-            <a:endParaRPr lang="en-US" altLang="ja-JP" sz="1400" kern="0" dirty="0">
+            <a:endParaRPr lang="en-US" altLang="ja-JP" sz="1600" kern="0" dirty="0">
               <a:solidFill>
                 <a:srgbClr val="5F5F5F"/>
               </a:solidFill>
@@ -39845,7 +40161,7 @@
               <a:defRPr/>
             </a:pPr>
             <a:r>
-              <a:rPr lang="ja-JP" altLang="en-US" sz="1400" kern="0" dirty="0">
+              <a:rPr lang="ja-JP" altLang="en-US" sz="1600" kern="0" dirty="0">
                 <a:solidFill>
                   <a:srgbClr val="5F5F5F"/>
                 </a:solidFill>
@@ -39853,7 +40169,7 @@
               <a:t>センサのシミュレーション</a:t>
             </a:r>
             <a:r>
-              <a:rPr lang="en-US" altLang="ja-JP" sz="1400" kern="0" dirty="0">
+              <a:rPr lang="en-US" altLang="ja-JP" sz="1600" kern="0" dirty="0">
                 <a:solidFill>
                   <a:srgbClr val="5F5F5F"/>
                 </a:solidFill>
@@ -39861,7 +40177,7 @@
               <a:t>(</a:t>
             </a:r>
             <a:r>
-              <a:rPr lang="ja-JP" altLang="en-US" sz="1400" kern="0" dirty="0">
+              <a:rPr lang="ja-JP" altLang="en-US" sz="1600" kern="0" dirty="0">
                 <a:solidFill>
                   <a:srgbClr val="5F5F5F"/>
                 </a:solidFill>
@@ -39869,7 +40185,7 @@
               <a:t>カメラ、レーザーレンジセンサ、力センサ、ジャイロセンサ、・・・</a:t>
             </a:r>
             <a:r>
-              <a:rPr lang="en-US" altLang="ja-JP" sz="1400" kern="0" dirty="0">
+              <a:rPr lang="en-US" altLang="ja-JP" sz="1600" kern="0" dirty="0">
                 <a:solidFill>
                   <a:srgbClr val="5F5F5F"/>
                 </a:solidFill>
@@ -39885,14 +40201,14 @@
               <a:defRPr/>
             </a:pPr>
             <a:r>
-              <a:rPr lang="ja-JP" altLang="en-US" sz="1400" kern="0" dirty="0">
+              <a:rPr lang="ja-JP" altLang="en-US" sz="1600" kern="0" dirty="0">
                 <a:solidFill>
                   <a:srgbClr val="5F5F5F"/>
                 </a:solidFill>
               </a:rPr>
               <a:t>ロボットの動作生成</a:t>
             </a:r>
-            <a:endParaRPr lang="en-US" altLang="ja-JP" sz="1400" kern="0" dirty="0">
+            <a:endParaRPr lang="en-US" altLang="ja-JP" sz="1600" kern="0" dirty="0">
               <a:solidFill>
                 <a:srgbClr val="5F5F5F"/>
               </a:solidFill>
@@ -39906,14 +40222,14 @@
               <a:defRPr/>
             </a:pPr>
             <a:r>
-              <a:rPr lang="ja-JP" altLang="en-US" sz="1400" kern="0" dirty="0">
+              <a:rPr lang="ja-JP" altLang="en-US" sz="1600" kern="0" dirty="0">
                 <a:solidFill>
                   <a:srgbClr val="5F5F5F"/>
                 </a:solidFill>
               </a:rPr>
               <a:t>・・・・</a:t>
             </a:r>
-            <a:endParaRPr lang="en-US" altLang="ja-JP" sz="1400" kern="0" dirty="0">
+            <a:endParaRPr lang="en-US" altLang="ja-JP" sz="1600" kern="0" dirty="0">
               <a:solidFill>
                 <a:srgbClr val="5F5F5F"/>
               </a:solidFill>
@@ -39956,7 +40272,7 @@
         </p:blipFill>
         <p:spPr>
           <a:xfrm>
-            <a:off x="3356865" y="3023955"/>
+            <a:off x="3356865" y="3201132"/>
             <a:ext cx="5135345" cy="3288208"/>
           </a:xfrm>
           <a:prstGeom prst="rect">
@@ -40766,7 +41082,7 @@
                   <a:srgbClr val="5F5F5F"/>
                 </a:solidFill>
               </a:rPr>
-              <a:t>上と</a:t>
+              <a:t>と</a:t>
             </a:r>
             <a:r>
               <a:rPr lang="en-US" altLang="ja-JP" sz="2400" kern="0" dirty="0">
@@ -42126,14 +42442,11 @@
               </a:rPr>
               <a:t>ワールドアイテム</a:t>
             </a:r>
-            <a:r>
-              <a:rPr lang="en-US" altLang="ja-JP" sz="2000" kern="0" dirty="0">
-                <a:solidFill>
-                  <a:srgbClr val="5F5F5F"/>
-                </a:solidFill>
-              </a:rPr>
-              <a:t>(World)</a:t>
-            </a:r>
+            <a:endParaRPr lang="en-US" altLang="ja-JP" sz="2000" kern="0" dirty="0">
+              <a:solidFill>
+                <a:srgbClr val="5F5F5F"/>
+              </a:solidFill>
+            </a:endParaRPr>
           </a:p>
           <a:p>
             <a:pPr lvl="1" eaLnBrk="1" hangingPunct="1">
@@ -42148,7 +42461,7 @@
                   <a:srgbClr val="5F5F5F"/>
                 </a:solidFill>
               </a:rPr>
-              <a:t>シミュレータ</a:t>
+              <a:t>シミュレータアイテム</a:t>
             </a:r>
             <a:r>
               <a:rPr lang="en-US" altLang="ja-JP" sz="2000" kern="0" dirty="0">
@@ -42188,7 +42501,7 @@
                   <a:srgbClr val="5F5F5F"/>
                 </a:solidFill>
               </a:rPr>
-              <a:t>地面</a:t>
+              <a:t>ボディアイテム</a:t>
             </a:r>
             <a:r>
               <a:rPr lang="en-US" altLang="ja-JP" sz="2000" kern="0" dirty="0">
@@ -42196,7 +42509,23 @@
                   <a:srgbClr val="5F5F5F"/>
                 </a:solidFill>
               </a:rPr>
-              <a:t>(Floor)</a:t>
+              <a:t>(</a:t>
+            </a:r>
+            <a:r>
+              <a:rPr lang="ja-JP" altLang="en-US" sz="2000" kern="0" dirty="0">
+                <a:solidFill>
+                  <a:srgbClr val="5F5F5F"/>
+                </a:solidFill>
+              </a:rPr>
+              <a:t>地面・</a:t>
+            </a:r>
+            <a:r>
+              <a:rPr lang="en-US" altLang="ja-JP" sz="2000" kern="0" dirty="0">
+                <a:solidFill>
+                  <a:srgbClr val="5F5F5F"/>
+                </a:solidFill>
+              </a:rPr>
+              <a:t>Floor)</a:t>
             </a:r>
           </a:p>
           <a:p>
@@ -42207,12 +42536,20 @@
               <a:defRPr/>
             </a:pPr>
             <a:r>
+              <a:rPr lang="ja-JP" altLang="en-US" sz="2000" kern="0" dirty="0">
+                <a:solidFill>
+                  <a:srgbClr val="5F5F5F"/>
+                </a:solidFill>
+              </a:rPr>
+              <a:t>ボディアイテム</a:t>
+            </a:r>
+            <a:r>
               <a:rPr lang="en-US" altLang="ja-JP" sz="2000" kern="0" dirty="0">
                 <a:solidFill>
                   <a:srgbClr val="5F5F5F"/>
                 </a:solidFill>
               </a:rPr>
-              <a:t>Raspberry Pi</a:t>
+              <a:t>(Raspberry Pi</a:t>
             </a:r>
             <a:r>
               <a:rPr lang="ja-JP" altLang="en-US" sz="2000" kern="0" dirty="0">
@@ -42222,11 +42559,14 @@
               </a:rPr>
               <a:t>マウス</a:t>
             </a:r>
-            <a:endParaRPr lang="en-US" altLang="ja-JP" sz="2000" kern="0" dirty="0">
-              <a:solidFill>
-                <a:srgbClr val="5F5F5F"/>
-              </a:solidFill>
-            </a:endParaRPr>
+            <a:r>
+              <a:rPr lang="en-US" altLang="ja-JP" sz="2000" kern="0" dirty="0">
+                <a:solidFill>
+                  <a:srgbClr val="5F5F5F"/>
+                </a:solidFill>
+              </a:rPr>
+              <a:t>)</a:t>
+            </a:r>
           </a:p>
           <a:p>
             <a:pPr lvl="1" eaLnBrk="1" hangingPunct="1">
@@ -42243,6 +42583,14 @@
               </a:rPr>
               <a:t>RTSystem</a:t>
             </a:r>
+            <a:r>
+              <a:rPr lang="ja-JP" altLang="en-US" sz="2000" kern="0" dirty="0">
+                <a:solidFill>
+                  <a:srgbClr val="5F5F5F"/>
+                </a:solidFill>
+              </a:rPr>
+              <a:t>アイテム</a:t>
+            </a:r>
             <a:endParaRPr lang="en-US" altLang="ja-JP" sz="2000" kern="0" dirty="0">
               <a:solidFill>
                 <a:srgbClr val="5F5F5F"/>
@@ -42262,7 +42610,23 @@
                   <a:srgbClr val="5F5F5F"/>
                 </a:solidFill>
               </a:rPr>
-              <a:t>RTC(</a:t>
+              <a:t>RTC</a:t>
+            </a:r>
+            <a:r>
+              <a:rPr lang="ja-JP" altLang="en-US" sz="2000" kern="0" dirty="0">
+                <a:solidFill>
+                  <a:srgbClr val="5F5F5F"/>
+                </a:solidFill>
+              </a:rPr>
+              <a:t>アイテム</a:t>
+            </a:r>
+            <a:r>
+              <a:rPr lang="en-US" altLang="ja-JP" sz="2000" kern="0" dirty="0">
+                <a:solidFill>
+                  <a:srgbClr val="5F5F5F"/>
+                </a:solidFill>
+              </a:rPr>
+              <a:t>(</a:t>
             </a:r>
             <a:r>
               <a:rPr lang="en-US" altLang="ja-JP" sz="2000" kern="0" dirty="0" err="1">
@@ -42289,12 +42653,28 @@
               <a:defRPr/>
             </a:pPr>
             <a:r>
+              <a:rPr lang="en-US" altLang="ja-JP" sz="2000" kern="0" dirty="0" err="1">
+                <a:solidFill>
+                  <a:srgbClr val="5F5F5F"/>
+                </a:solidFill>
+              </a:rPr>
+              <a:t>pyRTC</a:t>
+            </a:r>
+            <a:r>
+              <a:rPr lang="ja-JP" altLang="en-US" sz="2000" kern="0" dirty="0">
+                <a:solidFill>
+                  <a:srgbClr val="5F5F5F"/>
+                </a:solidFill>
+              </a:rPr>
+              <a:t>アイテム</a:t>
+            </a:r>
+            <a:r>
               <a:rPr lang="en-US" altLang="ja-JP" sz="2000" kern="0" dirty="0">
                 <a:solidFill>
                   <a:srgbClr val="5F5F5F"/>
                 </a:solidFill>
               </a:rPr>
-              <a:t>RTC(</a:t>
+              <a:t>(</a:t>
             </a:r>
             <a:r>
               <a:rPr lang="en-US" altLang="ja-JP" sz="2000" kern="0" dirty="0" err="1">
@@ -42788,7 +43168,7 @@
                   <a:srgbClr val="5F5F5F"/>
                 </a:solidFill>
               </a:rPr>
-              <a:t>ワールド追加</a:t>
+              <a:t>ワールドアイテム追加</a:t>
             </a:r>
             <a:endParaRPr lang="en-US" altLang="ja-JP" sz="3600" dirty="0">
               <a:solidFill>
@@ -43210,7 +43590,7 @@
         <p:spPr>
           <a:xfrm>
             <a:off x="5832140" y="5513851"/>
-            <a:ext cx="1684306" cy="403201"/>
+            <a:ext cx="2430270" cy="403201"/>
           </a:xfrm>
           <a:prstGeom prst="wedgeRoundRectCallout">
             <a:avLst>
@@ -43250,7 +43630,7 @@
           <a:p>
             <a:pPr algn="ctr"/>
             <a:r>
-              <a:rPr kumimoji="1" lang="ja-JP" altLang="en-US" dirty="0">
+              <a:rPr kumimoji="1" lang="ja-JP" altLang="en-US" sz="2000" dirty="0">
                 <a:solidFill>
                   <a:schemeClr val="tx1"/>
                 </a:solidFill>
@@ -43720,7 +44100,7 @@
                   <a:srgbClr val="5F5F5F"/>
                 </a:solidFill>
               </a:rPr>
-              <a:t>シミュレータ追加</a:t>
+              <a:t>シミュレータアイテム追加</a:t>
             </a:r>
             <a:endParaRPr lang="en-US" altLang="ja-JP" sz="3600" dirty="0">
               <a:solidFill>
@@ -45112,13 +45492,13 @@
         </p:nvSpPr>
         <p:spPr>
           <a:xfrm>
-            <a:off x="3591897" y="2756564"/>
-            <a:ext cx="2324637" cy="973349"/>
+            <a:off x="3033521" y="2303866"/>
+            <a:ext cx="2964716" cy="1438111"/>
           </a:xfrm>
           <a:prstGeom prst="wedgeRoundRectCallout">
             <a:avLst>
-              <a:gd name="adj1" fmla="val -49944"/>
-              <a:gd name="adj2" fmla="val 131000"/>
+              <a:gd name="adj1" fmla="val -39279"/>
+              <a:gd name="adj2" fmla="val 103284"/>
               <a:gd name="adj3" fmla="val 16667"/>
             </a:avLst>
           </a:prstGeom>
@@ -45153,7 +45533,7 @@
           <a:p>
             <a:pPr algn="ctr"/>
             <a:r>
-              <a:rPr kumimoji="1" lang="ja-JP" altLang="en-US" dirty="0">
+              <a:rPr kumimoji="1" lang="ja-JP" altLang="en-US" sz="1800" dirty="0">
                 <a:solidFill>
                   <a:schemeClr val="tx1"/>
                 </a:solidFill>
@@ -45161,7 +45541,7 @@
               <a:t>左側から「</a:t>
             </a:r>
             <a:r>
-              <a:rPr kumimoji="1" lang="en-US" altLang="ja-JP" dirty="0">
+              <a:rPr kumimoji="1" lang="en-US" altLang="ja-JP" sz="1800" dirty="0">
                 <a:solidFill>
                   <a:schemeClr val="tx1"/>
                 </a:solidFill>
@@ -45169,7 +45549,7 @@
               <a:t>share</a:t>
             </a:r>
             <a:r>
-              <a:rPr kumimoji="1" lang="ja-JP" altLang="en-US" dirty="0">
+              <a:rPr kumimoji="1" lang="ja-JP" altLang="en-US" sz="1800" dirty="0">
                 <a:solidFill>
                   <a:schemeClr val="tx1"/>
                 </a:solidFill>
@@ -45177,7 +45557,7 @@
               <a:t>」をクリックして、</a:t>
             </a:r>
             <a:r>
-              <a:rPr kumimoji="1" lang="en-US" altLang="ja-JP" dirty="0">
+              <a:rPr kumimoji="1" lang="en-US" altLang="ja-JP" sz="1800" dirty="0">
                 <a:solidFill>
                   <a:schemeClr val="tx1"/>
                 </a:solidFill>
@@ -45185,7 +45565,7 @@
               <a:t>model/</a:t>
             </a:r>
             <a:r>
-              <a:rPr kumimoji="1" lang="en-US" altLang="ja-JP" dirty="0" err="1">
+              <a:rPr kumimoji="1" lang="en-US" altLang="ja-JP" sz="1800" dirty="0" err="1">
                 <a:solidFill>
                   <a:schemeClr val="tx1"/>
                 </a:solidFill>
@@ -45193,7 +45573,7 @@
               <a:t>misc</a:t>
             </a:r>
             <a:r>
-              <a:rPr kumimoji="1" lang="ja-JP" altLang="en-US" dirty="0">
+              <a:rPr kumimoji="1" lang="ja-JP" altLang="en-US" sz="1800" dirty="0">
                 <a:solidFill>
                   <a:schemeClr val="tx1"/>
                 </a:solidFill>
@@ -45201,7 +45581,7 @@
               <a:t>フォルダの</a:t>
             </a:r>
             <a:r>
-              <a:rPr kumimoji="1" lang="en-US" altLang="ja-JP" dirty="0" err="1">
+              <a:rPr kumimoji="1" lang="en-US" altLang="ja-JP" sz="1800" dirty="0" err="1">
                 <a:solidFill>
                   <a:schemeClr val="tx1"/>
                 </a:solidFill>
@@ -45209,7 +45589,7 @@
               <a:t>floor.body</a:t>
             </a:r>
             <a:r>
-              <a:rPr kumimoji="1" lang="ja-JP" altLang="en-US" dirty="0">
+              <a:rPr kumimoji="1" lang="ja-JP" altLang="en-US" sz="1800" dirty="0">
                 <a:solidFill>
                   <a:schemeClr val="tx1"/>
                 </a:solidFill>

--- a/ppt/Choreonoid入門.pptx
+++ b/ppt/Choreonoid入門.pptx
@@ -17770,7 +17770,7 @@
           <a:graphicData uri="http://schemas.openxmlformats.org/presentationml/2006/ole">
             <mc:AlternateContent xmlns:mc="http://schemas.openxmlformats.org/markup-compatibility/2006">
               <mc:Choice xmlns:v="urn:schemas-microsoft-com:vml" Requires="v">
-                <p:oleObj spid="_x0000_s1214" name="Corel DESIGNER" r:id="rId18" imgW="2743200" imgH="1536480" progId="Corel DESIGNER.Graphic.10">
+                <p:oleObj spid="_x0000_s1215" name="Corel DESIGNER" r:id="rId18" imgW="2743200" imgH="1536480" progId="Corel DESIGNER.Graphic.10">
                   <p:embed/>
                 </p:oleObj>
               </mc:Choice>

--- a/ppt/Choreonoid入門.pptx
+++ b/ppt/Choreonoid入門.pptx
@@ -17770,7 +17770,7 @@
           <a:graphicData uri="http://schemas.openxmlformats.org/presentationml/2006/ole">
             <mc:AlternateContent xmlns:mc="http://schemas.openxmlformats.org/markup-compatibility/2006">
               <mc:Choice xmlns:v="urn:schemas-microsoft-com:vml" Requires="v">
-                <p:oleObj spid="_x0000_s1215" name="Corel DESIGNER" r:id="rId18" imgW="2743200" imgH="1536480" progId="Corel DESIGNER.Graphic.10">
+                <p:oleObj spid="_x0000_s1222" name="Corel DESIGNER" r:id="rId18" imgW="2743200" imgH="1536480" progId="Corel DESIGNER.Graphic.10">
                   <p:embed/>
                 </p:oleObj>
               </mc:Choice>
@@ -26053,8 +26053,8 @@
         </p:nvSpPr>
         <p:spPr>
           <a:xfrm>
-            <a:off x="4377993" y="4189351"/>
-            <a:ext cx="3479372" cy="2525014"/>
+            <a:off x="4377992" y="4189351"/>
+            <a:ext cx="4109441" cy="2525014"/>
           </a:xfrm>
           <a:prstGeom prst="rect">
             <a:avLst/>
@@ -26570,7 +26570,7 @@
         <p:spPr bwMode="auto">
           <a:xfrm>
             <a:off x="180975" y="1274763"/>
-            <a:ext cx="8539163" cy="3123937"/>
+            <a:ext cx="8441475" cy="3123937"/>
           </a:xfrm>
           <a:prstGeom prst="rect">
             <a:avLst/>
@@ -27196,212 +27196,6 @@
                 </a:solidFill>
               </a:rPr>
               <a:t>setBody</a:t>
-            </a:r>
-            <a:endParaRPr kumimoji="1" lang="ja-JP" altLang="en-US" sz="1600" dirty="0">
-              <a:solidFill>
-                <a:sysClr val="windowText" lastClr="000000"/>
-              </a:solidFill>
-            </a:endParaRPr>
-          </a:p>
-        </p:txBody>
-      </p:sp>
-      <p:sp>
-        <p:nvSpPr>
-          <p:cNvPr id="12" name="正方形/長方形 11">
-            <a:extLst>
-              <a:ext uri="{FF2B5EF4-FFF2-40B4-BE49-F238E27FC236}">
-                <a16:creationId xmlns:a16="http://schemas.microsoft.com/office/drawing/2014/main" id="{396965A8-9020-434D-9E29-2DC62F0CEEA8}"/>
-              </a:ext>
-            </a:extLst>
-          </p:cNvPr>
-          <p:cNvSpPr/>
-          <p:nvPr/>
-        </p:nvSpPr>
-        <p:spPr>
-          <a:xfrm>
-            <a:off x="5082564" y="4614968"/>
-            <a:ext cx="2070230" cy="320711"/>
-          </a:xfrm>
-          <a:prstGeom prst="rect">
-            <a:avLst/>
-          </a:prstGeom>
-          <a:solidFill>
-            <a:schemeClr val="accent2">
-              <a:lumMod val="20000"/>
-              <a:lumOff val="80000"/>
-            </a:schemeClr>
-          </a:solidFill>
-          <a:ln>
-            <a:solidFill>
-              <a:schemeClr val="tx1"/>
-            </a:solidFill>
-          </a:ln>
-        </p:spPr>
-        <p:style>
-          <a:lnRef idx="2">
-            <a:schemeClr val="accent1">
-              <a:shade val="50000"/>
-            </a:schemeClr>
-          </a:lnRef>
-          <a:fillRef idx="1">
-            <a:schemeClr val="accent1"/>
-          </a:fillRef>
-          <a:effectRef idx="0">
-            <a:schemeClr val="accent1"/>
-          </a:effectRef>
-          <a:fontRef idx="minor">
-            <a:schemeClr val="lt1"/>
-          </a:fontRef>
-        </p:style>
-        <p:txBody>
-          <a:bodyPr rtlCol="0" anchor="ctr"/>
-          <a:lstStyle/>
-          <a:p>
-            <a:pPr algn="ctr"/>
-            <a:r>
-              <a:rPr kumimoji="1" lang="en-US" altLang="ja-JP" sz="1600" dirty="0" err="1">
-                <a:solidFill>
-                  <a:sysClr val="windowText" lastClr="000000"/>
-                </a:solidFill>
-              </a:rPr>
-              <a:t>inputFromSimulator</a:t>
-            </a:r>
-            <a:endParaRPr kumimoji="1" lang="ja-JP" altLang="en-US" sz="1600" dirty="0">
-              <a:solidFill>
-                <a:sysClr val="windowText" lastClr="000000"/>
-              </a:solidFill>
-            </a:endParaRPr>
-          </a:p>
-        </p:txBody>
-      </p:sp>
-      <p:sp>
-        <p:nvSpPr>
-          <p:cNvPr id="13" name="正方形/長方形 12">
-            <a:extLst>
-              <a:ext uri="{FF2B5EF4-FFF2-40B4-BE49-F238E27FC236}">
-                <a16:creationId xmlns:a16="http://schemas.microsoft.com/office/drawing/2014/main" id="{D9F3F22F-49BF-4FB0-A243-D0F75093A166}"/>
-              </a:ext>
-            </a:extLst>
-          </p:cNvPr>
-          <p:cNvSpPr/>
-          <p:nvPr/>
-        </p:nvSpPr>
-        <p:spPr>
-          <a:xfrm>
-            <a:off x="5082564" y="6254714"/>
-            <a:ext cx="2070230" cy="320711"/>
-          </a:xfrm>
-          <a:prstGeom prst="rect">
-            <a:avLst/>
-          </a:prstGeom>
-          <a:solidFill>
-            <a:schemeClr val="accent2">
-              <a:lumMod val="20000"/>
-              <a:lumOff val="80000"/>
-            </a:schemeClr>
-          </a:solidFill>
-          <a:ln>
-            <a:solidFill>
-              <a:schemeClr val="tx1"/>
-            </a:solidFill>
-          </a:ln>
-        </p:spPr>
-        <p:style>
-          <a:lnRef idx="2">
-            <a:schemeClr val="accent1">
-              <a:shade val="50000"/>
-            </a:schemeClr>
-          </a:lnRef>
-          <a:fillRef idx="1">
-            <a:schemeClr val="accent1"/>
-          </a:fillRef>
-          <a:effectRef idx="0">
-            <a:schemeClr val="accent1"/>
-          </a:effectRef>
-          <a:fontRef idx="minor">
-            <a:schemeClr val="lt1"/>
-          </a:fontRef>
-        </p:style>
-        <p:txBody>
-          <a:bodyPr rtlCol="0" anchor="ctr"/>
-          <a:lstStyle/>
-          <a:p>
-            <a:pPr algn="ctr"/>
-            <a:r>
-              <a:rPr kumimoji="1" lang="en-US" altLang="ja-JP" sz="1600" dirty="0" err="1">
-                <a:solidFill>
-                  <a:sysClr val="windowText" lastClr="000000"/>
-                </a:solidFill>
-              </a:rPr>
-              <a:t>outputToSimulator</a:t>
-            </a:r>
-            <a:endParaRPr kumimoji="1" lang="ja-JP" altLang="en-US" sz="1600" dirty="0">
-              <a:solidFill>
-                <a:sysClr val="windowText" lastClr="000000"/>
-              </a:solidFill>
-            </a:endParaRPr>
-          </a:p>
-        </p:txBody>
-      </p:sp>
-      <p:sp>
-        <p:nvSpPr>
-          <p:cNvPr id="14" name="正方形/長方形 13">
-            <a:extLst>
-              <a:ext uri="{FF2B5EF4-FFF2-40B4-BE49-F238E27FC236}">
-                <a16:creationId xmlns:a16="http://schemas.microsoft.com/office/drawing/2014/main" id="{ED2B8F42-4AD3-4510-81A5-5D7324852F82}"/>
-              </a:ext>
-            </a:extLst>
-          </p:cNvPr>
-          <p:cNvSpPr/>
-          <p:nvPr/>
-        </p:nvSpPr>
-        <p:spPr>
-          <a:xfrm>
-            <a:off x="5143167" y="5226648"/>
-            <a:ext cx="1949025" cy="584934"/>
-          </a:xfrm>
-          <a:prstGeom prst="rect">
-            <a:avLst/>
-          </a:prstGeom>
-          <a:solidFill>
-            <a:schemeClr val="accent1">
-              <a:lumMod val="90000"/>
-            </a:schemeClr>
-          </a:solidFill>
-          <a:ln>
-            <a:solidFill>
-              <a:schemeClr val="tx1"/>
-            </a:solidFill>
-          </a:ln>
-        </p:spPr>
-        <p:style>
-          <a:lnRef idx="2">
-            <a:schemeClr val="accent1">
-              <a:shade val="50000"/>
-            </a:schemeClr>
-          </a:lnRef>
-          <a:fillRef idx="1">
-            <a:schemeClr val="accent1"/>
-          </a:fillRef>
-          <a:effectRef idx="0">
-            <a:schemeClr val="accent1"/>
-          </a:effectRef>
-          <a:fontRef idx="minor">
-            <a:schemeClr val="lt1"/>
-          </a:fontRef>
-        </p:style>
-        <p:txBody>
-          <a:bodyPr rtlCol="0" anchor="ctr"/>
-          <a:lstStyle/>
-          <a:p>
-            <a:pPr algn="ctr"/>
-            <a:r>
-              <a:rPr lang="ja-JP" altLang="en-US" sz="1600" dirty="0">
-                <a:solidFill>
-                  <a:sysClr val="windowText" lastClr="000000"/>
-                </a:solidFill>
-              </a:rPr>
-              <a:t>物理シミュレーションのステップ実行</a:t>
             </a:r>
             <a:endParaRPr kumimoji="1" lang="ja-JP" altLang="en-US" sz="1600" dirty="0">
               <a:solidFill>
@@ -27503,146 +27297,276 @@
           </a:fontRef>
         </p:style>
       </p:cxnSp>
-      <p:cxnSp>
-        <p:nvCxnSpPr>
-          <p:cNvPr id="27" name="直線矢印コネクタ 26">
+      <p:sp>
+        <p:nvSpPr>
+          <p:cNvPr id="19" name="矢印: 環状 18">
             <a:extLst>
               <a:ext uri="{FF2B5EF4-FFF2-40B4-BE49-F238E27FC236}">
-                <a16:creationId xmlns:a16="http://schemas.microsoft.com/office/drawing/2014/main" id="{7C87C1DB-DE37-4A10-9989-58BEF631EADF}"/>
+                <a16:creationId xmlns:a16="http://schemas.microsoft.com/office/drawing/2014/main" id="{C9430815-8387-4A93-8838-B3CBB846CF9A}"/>
               </a:ext>
             </a:extLst>
           </p:cNvPr>
-          <p:cNvCxnSpPr>
-            <a:cxnSpLocks/>
-            <a:stCxn id="12" idx="2"/>
-            <a:endCxn id="14" idx="0"/>
-          </p:cNvCxnSpPr>
+          <p:cNvSpPr/>
           <p:nvPr/>
-        </p:nvCxnSpPr>
+        </p:nvSpPr>
         <p:spPr>
-          <a:xfrm>
-            <a:off x="6117679" y="4935679"/>
-            <a:ext cx="1" cy="290969"/>
+          <a:xfrm rot="5400000" flipH="1">
+            <a:off x="6002355" y="4221853"/>
+            <a:ext cx="2046355" cy="2923803"/>
           </a:xfrm>
-          <a:prstGeom prst="straightConnector1">
-            <a:avLst/>
+          <a:prstGeom prst="circularArrow">
+            <a:avLst>
+              <a:gd name="adj1" fmla="val 2143"/>
+              <a:gd name="adj2" fmla="val 771520"/>
+              <a:gd name="adj3" fmla="val 20213955"/>
+              <a:gd name="adj4" fmla="val 1825028"/>
+              <a:gd name="adj5" fmla="val 9170"/>
+            </a:avLst>
           </a:prstGeom>
-          <a:ln w="38100">
+          <a:solidFill>
+            <a:schemeClr val="tx1"/>
+          </a:solidFill>
+          <a:ln>
             <a:solidFill>
               <a:schemeClr val="tx1"/>
             </a:solidFill>
-            <a:tailEnd type="triangle"/>
           </a:ln>
         </p:spPr>
         <p:style>
-          <a:lnRef idx="1">
-            <a:schemeClr val="accent1"/>
+          <a:lnRef idx="2">
+            <a:schemeClr val="accent1">
+              <a:shade val="50000"/>
+            </a:schemeClr>
           </a:lnRef>
-          <a:fillRef idx="0">
+          <a:fillRef idx="1">
             <a:schemeClr val="accent1"/>
           </a:fillRef>
           <a:effectRef idx="0">
             <a:schemeClr val="accent1"/>
           </a:effectRef>
           <a:fontRef idx="minor">
-            <a:schemeClr val="tx1"/>
+            <a:schemeClr val="lt1"/>
           </a:fontRef>
         </p:style>
-      </p:cxnSp>
-      <p:cxnSp>
-        <p:nvCxnSpPr>
-          <p:cNvPr id="30" name="直線矢印コネクタ 29">
+        <p:txBody>
+          <a:bodyPr rtlCol="0" anchor="ctr"/>
+          <a:lstStyle/>
+          <a:p>
+            <a:pPr algn="ctr"/>
+            <a:endParaRPr kumimoji="1" lang="ja-JP" altLang="en-US">
+              <a:solidFill>
+                <a:schemeClr val="tx1"/>
+              </a:solidFill>
+            </a:endParaRPr>
+          </a:p>
+        </p:txBody>
+      </p:sp>
+      <p:sp>
+        <p:nvSpPr>
+          <p:cNvPr id="12" name="正方形/長方形 11">
             <a:extLst>
               <a:ext uri="{FF2B5EF4-FFF2-40B4-BE49-F238E27FC236}">
-                <a16:creationId xmlns:a16="http://schemas.microsoft.com/office/drawing/2014/main" id="{C1091A0A-1ADB-44BF-AFF7-18FD7B5148AC}"/>
+                <a16:creationId xmlns:a16="http://schemas.microsoft.com/office/drawing/2014/main" id="{396965A8-9020-434D-9E29-2DC62F0CEEA8}"/>
               </a:ext>
             </a:extLst>
           </p:cNvPr>
-          <p:cNvCxnSpPr>
-            <a:cxnSpLocks/>
-            <a:stCxn id="14" idx="2"/>
-            <a:endCxn id="13" idx="0"/>
-          </p:cNvCxnSpPr>
+          <p:cNvSpPr/>
           <p:nvPr/>
-        </p:nvCxnSpPr>
+        </p:nvSpPr>
         <p:spPr>
-          <a:xfrm flipH="1">
-            <a:off x="6117679" y="5811582"/>
-            <a:ext cx="1" cy="443132"/>
+          <a:xfrm>
+            <a:off x="5082564" y="4614968"/>
+            <a:ext cx="2070230" cy="320711"/>
           </a:xfrm>
-          <a:prstGeom prst="straightConnector1">
+          <a:prstGeom prst="rect">
             <a:avLst/>
           </a:prstGeom>
-          <a:ln w="38100">
+          <a:solidFill>
+            <a:schemeClr val="accent2">
+              <a:lumMod val="20000"/>
+              <a:lumOff val="80000"/>
+            </a:schemeClr>
+          </a:solidFill>
+          <a:ln>
             <a:solidFill>
               <a:schemeClr val="tx1"/>
             </a:solidFill>
-            <a:tailEnd type="triangle"/>
           </a:ln>
         </p:spPr>
         <p:style>
-          <a:lnRef idx="1">
-            <a:schemeClr val="accent1"/>
+          <a:lnRef idx="2">
+            <a:schemeClr val="accent1">
+              <a:shade val="50000"/>
+            </a:schemeClr>
           </a:lnRef>
-          <a:fillRef idx="0">
+          <a:fillRef idx="1">
             <a:schemeClr val="accent1"/>
           </a:fillRef>
           <a:effectRef idx="0">
             <a:schemeClr val="accent1"/>
           </a:effectRef>
           <a:fontRef idx="minor">
-            <a:schemeClr val="tx1"/>
+            <a:schemeClr val="lt1"/>
           </a:fontRef>
         </p:style>
-      </p:cxnSp>
-      <p:cxnSp>
-        <p:nvCxnSpPr>
-          <p:cNvPr id="33" name="コネクタ: カギ線 32">
+        <p:txBody>
+          <a:bodyPr rtlCol="0" anchor="ctr"/>
+          <a:lstStyle/>
+          <a:p>
+            <a:pPr algn="ctr"/>
+            <a:r>
+              <a:rPr kumimoji="1" lang="en-US" altLang="ja-JP" sz="1600" dirty="0" err="1">
+                <a:solidFill>
+                  <a:sysClr val="windowText" lastClr="000000"/>
+                </a:solidFill>
+              </a:rPr>
+              <a:t>inputFromSimulator</a:t>
+            </a:r>
+            <a:endParaRPr kumimoji="1" lang="ja-JP" altLang="en-US" sz="1600" dirty="0">
+              <a:solidFill>
+                <a:sysClr val="windowText" lastClr="000000"/>
+              </a:solidFill>
+            </a:endParaRPr>
+          </a:p>
+        </p:txBody>
+      </p:sp>
+      <p:sp>
+        <p:nvSpPr>
+          <p:cNvPr id="13" name="正方形/長方形 12">
             <a:extLst>
               <a:ext uri="{FF2B5EF4-FFF2-40B4-BE49-F238E27FC236}">
-                <a16:creationId xmlns:a16="http://schemas.microsoft.com/office/drawing/2014/main" id="{E3E1B199-FDD6-435F-9776-B79EEEA72FCE}"/>
+                <a16:creationId xmlns:a16="http://schemas.microsoft.com/office/drawing/2014/main" id="{D9F3F22F-49BF-4FB0-A243-D0F75093A166}"/>
               </a:ext>
             </a:extLst>
           </p:cNvPr>
-          <p:cNvCxnSpPr>
-            <a:cxnSpLocks/>
-            <a:stCxn id="13" idx="3"/>
-            <a:endCxn id="12" idx="3"/>
-          </p:cNvCxnSpPr>
+          <p:cNvSpPr/>
           <p:nvPr/>
-        </p:nvCxnSpPr>
+        </p:nvSpPr>
         <p:spPr>
-          <a:xfrm flipV="1">
-            <a:off x="7152794" y="4775324"/>
-            <a:ext cx="12700" cy="1639746"/>
+          <a:xfrm>
+            <a:off x="5082564" y="6254714"/>
+            <a:ext cx="2070230" cy="320711"/>
           </a:xfrm>
-          <a:prstGeom prst="bentConnector3">
-            <a:avLst>
-              <a:gd name="adj1" fmla="val 3058252"/>
-            </a:avLst>
+          <a:prstGeom prst="rect">
+            <a:avLst/>
           </a:prstGeom>
-          <a:ln w="38100">
+          <a:solidFill>
+            <a:schemeClr val="accent2">
+              <a:lumMod val="20000"/>
+              <a:lumOff val="80000"/>
+            </a:schemeClr>
+          </a:solidFill>
+          <a:ln>
             <a:solidFill>
               <a:schemeClr val="tx1"/>
             </a:solidFill>
-            <a:tailEnd type="triangle"/>
           </a:ln>
         </p:spPr>
         <p:style>
-          <a:lnRef idx="1">
-            <a:schemeClr val="accent1"/>
+          <a:lnRef idx="2">
+            <a:schemeClr val="accent1">
+              <a:shade val="50000"/>
+            </a:schemeClr>
           </a:lnRef>
-          <a:fillRef idx="0">
+          <a:fillRef idx="1">
             <a:schemeClr val="accent1"/>
           </a:fillRef>
           <a:effectRef idx="0">
             <a:schemeClr val="accent1"/>
           </a:effectRef>
           <a:fontRef idx="minor">
-            <a:schemeClr val="tx1"/>
+            <a:schemeClr val="lt1"/>
           </a:fontRef>
         </p:style>
-      </p:cxnSp>
+        <p:txBody>
+          <a:bodyPr rtlCol="0" anchor="ctr"/>
+          <a:lstStyle/>
+          <a:p>
+            <a:pPr algn="ctr"/>
+            <a:r>
+              <a:rPr kumimoji="1" lang="en-US" altLang="ja-JP" sz="1600" dirty="0" err="1">
+                <a:solidFill>
+                  <a:sysClr val="windowText" lastClr="000000"/>
+                </a:solidFill>
+              </a:rPr>
+              <a:t>outputToSimulator</a:t>
+            </a:r>
+            <a:endParaRPr kumimoji="1" lang="ja-JP" altLang="en-US" sz="1600" dirty="0">
+              <a:solidFill>
+                <a:sysClr val="windowText" lastClr="000000"/>
+              </a:solidFill>
+            </a:endParaRPr>
+          </a:p>
+        </p:txBody>
+      </p:sp>
+      <p:sp>
+        <p:nvSpPr>
+          <p:cNvPr id="14" name="正方形/長方形 13">
+            <a:extLst>
+              <a:ext uri="{FF2B5EF4-FFF2-40B4-BE49-F238E27FC236}">
+                <a16:creationId xmlns:a16="http://schemas.microsoft.com/office/drawing/2014/main" id="{ED2B8F42-4AD3-4510-81A5-5D7324852F82}"/>
+              </a:ext>
+            </a:extLst>
+          </p:cNvPr>
+          <p:cNvSpPr/>
+          <p:nvPr/>
+        </p:nvSpPr>
+        <p:spPr>
+          <a:xfrm>
+            <a:off x="5143167" y="5226648"/>
+            <a:ext cx="1949025" cy="584934"/>
+          </a:xfrm>
+          <a:prstGeom prst="rect">
+            <a:avLst/>
+          </a:prstGeom>
+          <a:solidFill>
+            <a:schemeClr val="accent1">
+              <a:lumMod val="90000"/>
+            </a:schemeClr>
+          </a:solidFill>
+          <a:ln>
+            <a:solidFill>
+              <a:schemeClr val="tx1"/>
+            </a:solidFill>
+          </a:ln>
+        </p:spPr>
+        <p:style>
+          <a:lnRef idx="2">
+            <a:schemeClr val="accent1">
+              <a:shade val="50000"/>
+            </a:schemeClr>
+          </a:lnRef>
+          <a:fillRef idx="1">
+            <a:schemeClr val="accent1"/>
+          </a:fillRef>
+          <a:effectRef idx="0">
+            <a:schemeClr val="accent1"/>
+          </a:effectRef>
+          <a:fontRef idx="minor">
+            <a:schemeClr val="lt1"/>
+          </a:fontRef>
+        </p:style>
+        <p:txBody>
+          <a:bodyPr rtlCol="0" anchor="ctr"/>
+          <a:lstStyle/>
+          <a:p>
+            <a:pPr algn="ctr"/>
+            <a:r>
+              <a:rPr lang="ja-JP" altLang="en-US" sz="1600" dirty="0">
+                <a:solidFill>
+                  <a:sysClr val="windowText" lastClr="000000"/>
+                </a:solidFill>
+              </a:rPr>
+              <a:t>物理シミュレーションのステップ実行</a:t>
+            </a:r>
+            <a:endParaRPr kumimoji="1" lang="ja-JP" altLang="en-US" sz="1600" dirty="0">
+              <a:solidFill>
+                <a:sysClr val="windowText" lastClr="000000"/>
+              </a:solidFill>
+            </a:endParaRPr>
+          </a:p>
+        </p:txBody>
+      </p:sp>
     </p:spTree>
     <p:extLst>
       <p:ext uri="{BB962C8B-B14F-4D97-AF65-F5344CB8AC3E}">
@@ -31946,18 +31870,13 @@
               <a:defRPr/>
             </a:pPr>
             <a:r>
-              <a:rPr lang="en-US" altLang="ja-JP" sz="1600" kern="0">
+              <a:rPr lang="en-US" altLang="ja-JP" sz="1600" kern="0" dirty="0">
                 <a:solidFill>
                   <a:srgbClr val="5F5F5F"/>
                 </a:solidFill>
               </a:rPr>
               <a:t>https://openrtm.org/openrtm/ja/node/7150</a:t>
             </a:r>
-            <a:endParaRPr lang="en-US" altLang="ja-JP" sz="1600" kern="0" dirty="0">
-              <a:solidFill>
-                <a:srgbClr val="5F5F5F"/>
-              </a:solidFill>
-            </a:endParaRPr>
           </a:p>
         </p:txBody>
       </p:sp>
@@ -35698,8 +35617,8 @@
         </p:nvSpPr>
         <p:spPr>
           <a:xfrm>
-            <a:off x="179388" y="403225"/>
-            <a:ext cx="8805862" cy="865188"/>
+            <a:off x="82258" y="403225"/>
+            <a:ext cx="8985250" cy="865188"/>
           </a:xfrm>
         </p:spPr>
         <p:txBody>
@@ -35708,7 +35627,7 @@
           <a:p>
             <a:pPr eaLnBrk="1" hangingPunct="1"/>
             <a:r>
-              <a:rPr lang="en-US" altLang="ja-JP" sz="3200" dirty="0" err="1">
+              <a:rPr lang="en-US" altLang="ja-JP" sz="3600" dirty="0" err="1">
                 <a:solidFill>
                   <a:srgbClr val="5F5F5F"/>
                 </a:solidFill>
@@ -35716,14 +35635,14 @@
               <a:t>RobotController</a:t>
             </a:r>
             <a:r>
-              <a:rPr lang="ja-JP" altLang="en-US" sz="3200" dirty="0">
+              <a:rPr lang="ja-JP" altLang="en-US" sz="3600" dirty="0">
                 <a:solidFill>
                   <a:srgbClr val="5F5F5F"/>
                 </a:solidFill>
               </a:rPr>
               <a:t>コンポーネントのアクティブ化</a:t>
             </a:r>
-            <a:endParaRPr lang="en-US" altLang="ja-JP" sz="3200" dirty="0">
+            <a:endParaRPr lang="en-US" altLang="ja-JP" sz="3600" dirty="0">
               <a:solidFill>
                 <a:srgbClr val="5F5F5F"/>
               </a:solidFill>
@@ -39077,7 +38996,7 @@
         </p:blipFill>
         <p:spPr>
           <a:xfrm>
-            <a:off x="746575" y="4898169"/>
+            <a:off x="1421650" y="4898169"/>
             <a:ext cx="3067050" cy="1581150"/>
           </a:xfrm>
           <a:prstGeom prst="rect">
@@ -39295,8 +39214,8 @@
         </p:nvSpPr>
         <p:spPr>
           <a:xfrm>
-            <a:off x="3896521" y="5583237"/>
-            <a:ext cx="4823617" cy="503238"/>
+            <a:off x="4571597" y="5583237"/>
+            <a:ext cx="3780824" cy="503238"/>
           </a:xfrm>
           <a:prstGeom prst="wedgeRoundRectCallout">
             <a:avLst>
@@ -42353,7 +42272,39 @@
                   <a:srgbClr val="5F5F5F"/>
                 </a:solidFill>
               </a:rPr>
-              <a:t>配布資料の</a:t>
+              <a:t>配布資料 </a:t>
+            </a:r>
+            <a:r>
+              <a:rPr lang="en-US" altLang="ja-JP" sz="2400" kern="0" dirty="0">
+                <a:solidFill>
+                  <a:srgbClr val="5F5F5F"/>
+                </a:solidFill>
+              </a:rPr>
+              <a:t>(USB</a:t>
+            </a:r>
+            <a:r>
+              <a:rPr lang="ja-JP" altLang="en-US" sz="2400" kern="0" dirty="0">
+                <a:solidFill>
+                  <a:srgbClr val="5F5F5F"/>
+                </a:solidFill>
+              </a:rPr>
+              <a:t>メモリ</a:t>
+            </a:r>
+            <a:r>
+              <a:rPr lang="en-US" altLang="ja-JP" sz="2400" kern="0" dirty="0">
+                <a:solidFill>
+                  <a:srgbClr val="5F5F5F"/>
+                </a:solidFill>
+              </a:rPr>
+              <a:t>) </a:t>
+            </a:r>
+            <a:r>
+              <a:rPr lang="ja-JP" altLang="en-US" sz="2400" kern="0" dirty="0">
+                <a:solidFill>
+                  <a:srgbClr val="5F5F5F"/>
+                </a:solidFill>
+              </a:rPr>
+              <a:t>の</a:t>
             </a:r>
             <a:r>
               <a:rPr lang="en-US" altLang="ja-JP" sz="2400" kern="0" dirty="0" err="1">
@@ -42708,6 +42659,36 @@
           </a:p>
         </p:txBody>
       </p:sp>
+      <p:pic>
+        <p:nvPicPr>
+          <p:cNvPr id="5" name="図 4">
+            <a:extLst>
+              <a:ext uri="{FF2B5EF4-FFF2-40B4-BE49-F238E27FC236}">
+                <a16:creationId xmlns:a16="http://schemas.microsoft.com/office/drawing/2014/main" id="{8BA519A7-B336-4FFC-A8E3-8A08D9201FCC}"/>
+              </a:ext>
+            </a:extLst>
+          </p:cNvPr>
+          <p:cNvPicPr>
+            <a:picLocks noChangeAspect="1"/>
+          </p:cNvPicPr>
+          <p:nvPr/>
+        </p:nvPicPr>
+        <p:blipFill>
+          <a:blip r:embed="rId3"/>
+          <a:stretch>
+            <a:fillRect/>
+          </a:stretch>
+        </p:blipFill>
+        <p:spPr>
+          <a:xfrm>
+            <a:off x="5439202" y="2798930"/>
+            <a:ext cx="3588293" cy="1530170"/>
+          </a:xfrm>
+          <a:prstGeom prst="rect">
+            <a:avLst/>
+          </a:prstGeom>
+        </p:spPr>
+      </p:pic>
     </p:spTree>
     <p:extLst>
       <p:ext uri="{BB962C8B-B14F-4D97-AF65-F5344CB8AC3E}">

--- a/ppt/Choreonoid入門.pptx
+++ b/ppt/Choreonoid入門.pptx
@@ -5,10 +5,10 @@
     <p:sldMasterId id="2147483648" r:id="rId1"/>
   </p:sldMasterIdLst>
   <p:notesMasterIdLst>
-    <p:notesMasterId r:id="rId29"/>
+    <p:notesMasterId r:id="rId30"/>
   </p:notesMasterIdLst>
   <p:handoutMasterIdLst>
-    <p:handoutMasterId r:id="rId30"/>
+    <p:handoutMasterId r:id="rId31"/>
   </p:handoutMasterIdLst>
   <p:sldIdLst>
     <p:sldId id="625" r:id="rId2"/>
@@ -28,16 +28,17 @@
     <p:sldId id="664" r:id="rId16"/>
     <p:sldId id="665" r:id="rId17"/>
     <p:sldId id="666" r:id="rId18"/>
-    <p:sldId id="674" r:id="rId19"/>
-    <p:sldId id="667" r:id="rId20"/>
-    <p:sldId id="668" r:id="rId21"/>
-    <p:sldId id="676" r:id="rId22"/>
-    <p:sldId id="669" r:id="rId23"/>
-    <p:sldId id="670" r:id="rId24"/>
-    <p:sldId id="671" r:id="rId25"/>
-    <p:sldId id="672" r:id="rId26"/>
-    <p:sldId id="673" r:id="rId27"/>
-    <p:sldId id="675" r:id="rId28"/>
+    <p:sldId id="678" r:id="rId19"/>
+    <p:sldId id="674" r:id="rId20"/>
+    <p:sldId id="667" r:id="rId21"/>
+    <p:sldId id="668" r:id="rId22"/>
+    <p:sldId id="676" r:id="rId23"/>
+    <p:sldId id="669" r:id="rId24"/>
+    <p:sldId id="670" r:id="rId25"/>
+    <p:sldId id="671" r:id="rId26"/>
+    <p:sldId id="672" r:id="rId27"/>
+    <p:sldId id="673" r:id="rId28"/>
+    <p:sldId id="675" r:id="rId29"/>
   </p:sldIdLst>
   <p:sldSz cx="9144000" cy="6858000" type="screen4x3"/>
   <p:notesSz cx="6797675" cy="9926638"/>
@@ -5880,7 +5881,7 @@
     </p:spTree>
     <p:extLst>
       <p:ext uri="{BB962C8B-B14F-4D97-AF65-F5344CB8AC3E}">
-        <p14:creationId xmlns:p14="http://schemas.microsoft.com/office/powerpoint/2010/main" val="468606896"/>
+        <p14:creationId xmlns:p14="http://schemas.microsoft.com/office/powerpoint/2010/main" val="1287802029"/>
       </p:ext>
     </p:extLst>
   </p:cSld>
@@ -6393,7 +6394,7 @@
     </p:spTree>
     <p:extLst>
       <p:ext uri="{BB962C8B-B14F-4D97-AF65-F5344CB8AC3E}">
-        <p14:creationId xmlns:p14="http://schemas.microsoft.com/office/powerpoint/2010/main" val="2725233395"/>
+        <p14:creationId xmlns:p14="http://schemas.microsoft.com/office/powerpoint/2010/main" val="468606896"/>
       </p:ext>
     </p:extLst>
   </p:cSld>
@@ -7389,7 +7390,7 @@
     </p:spTree>
     <p:extLst>
       <p:ext uri="{BB962C8B-B14F-4D97-AF65-F5344CB8AC3E}">
-        <p14:creationId xmlns:p14="http://schemas.microsoft.com/office/powerpoint/2010/main" val="421234936"/>
+        <p14:creationId xmlns:p14="http://schemas.microsoft.com/office/powerpoint/2010/main" val="2725233395"/>
       </p:ext>
     </p:extLst>
   </p:cSld>
@@ -7902,7 +7903,7 @@
     </p:spTree>
     <p:extLst>
       <p:ext uri="{BB962C8B-B14F-4D97-AF65-F5344CB8AC3E}">
-        <p14:creationId xmlns:p14="http://schemas.microsoft.com/office/powerpoint/2010/main" val="581447060"/>
+        <p14:creationId xmlns:p14="http://schemas.microsoft.com/office/powerpoint/2010/main" val="421234936"/>
       </p:ext>
     </p:extLst>
   </p:cSld>
@@ -8415,7 +8416,7 @@
     </p:spTree>
     <p:extLst>
       <p:ext uri="{BB962C8B-B14F-4D97-AF65-F5344CB8AC3E}">
-        <p14:creationId xmlns:p14="http://schemas.microsoft.com/office/powerpoint/2010/main" val="821795135"/>
+        <p14:creationId xmlns:p14="http://schemas.microsoft.com/office/powerpoint/2010/main" val="581447060"/>
       </p:ext>
     </p:extLst>
   </p:cSld>
@@ -8928,7 +8929,7 @@
     </p:spTree>
     <p:extLst>
       <p:ext uri="{BB962C8B-B14F-4D97-AF65-F5344CB8AC3E}">
-        <p14:creationId xmlns:p14="http://schemas.microsoft.com/office/powerpoint/2010/main" val="3099988610"/>
+        <p14:creationId xmlns:p14="http://schemas.microsoft.com/office/powerpoint/2010/main" val="821795135"/>
       </p:ext>
     </p:extLst>
   </p:cSld>
@@ -9441,7 +9442,7 @@
     </p:spTree>
     <p:extLst>
       <p:ext uri="{BB962C8B-B14F-4D97-AF65-F5344CB8AC3E}">
-        <p14:creationId xmlns:p14="http://schemas.microsoft.com/office/powerpoint/2010/main" val="859532472"/>
+        <p14:creationId xmlns:p14="http://schemas.microsoft.com/office/powerpoint/2010/main" val="3099988610"/>
       </p:ext>
     </p:extLst>
   </p:cSld>
@@ -9954,7 +9955,7 @@
     </p:spTree>
     <p:extLst>
       <p:ext uri="{BB962C8B-B14F-4D97-AF65-F5344CB8AC3E}">
-        <p14:creationId xmlns:p14="http://schemas.microsoft.com/office/powerpoint/2010/main" val="3462402116"/>
+        <p14:creationId xmlns:p14="http://schemas.microsoft.com/office/powerpoint/2010/main" val="859532472"/>
       </p:ext>
     </p:extLst>
   </p:cSld>
@@ -10467,7 +10468,7 @@
     </p:spTree>
     <p:extLst>
       <p:ext uri="{BB962C8B-B14F-4D97-AF65-F5344CB8AC3E}">
-        <p14:creationId xmlns:p14="http://schemas.microsoft.com/office/powerpoint/2010/main" val="853941312"/>
+        <p14:creationId xmlns:p14="http://schemas.microsoft.com/office/powerpoint/2010/main" val="3462402116"/>
       </p:ext>
     </p:extLst>
   </p:cSld>
@@ -10866,6 +10867,519 @@
                 </a:spcBef>
               </a:pPr>
               <a:t>27</a:t>
+            </a:fld>
+            <a:endParaRPr lang="en-US" altLang="ja-JP" sz="1300">
+              <a:ea typeface="ＭＳ Ｐゴシック" panose="020B0600070205080204" pitchFamily="50" charset="-128"/>
+            </a:endParaRPr>
+          </a:p>
+        </p:txBody>
+      </p:sp>
+      <p:sp>
+        <p:nvSpPr>
+          <p:cNvPr id="17412" name="Rectangle 2">
+            <a:extLst>
+              <a:ext uri="{FF2B5EF4-FFF2-40B4-BE49-F238E27FC236}">
+                <a16:creationId xmlns:a16="http://schemas.microsoft.com/office/drawing/2014/main" id="{B0C76423-D578-4C08-9A37-079EF079CD6F}"/>
+              </a:ext>
+            </a:extLst>
+          </p:cNvPr>
+          <p:cNvSpPr>
+            <a:spLocks noGrp="1" noRot="1" noChangeAspect="1" noChangeArrowheads="1" noTextEdit="1"/>
+          </p:cNvSpPr>
+          <p:nvPr>
+            <p:ph type="sldImg"/>
+          </p:nvPr>
+        </p:nvSpPr>
+        <p:spPr>
+          <a:xfrm>
+            <a:off x="915988" y="744538"/>
+            <a:ext cx="4965700" cy="3724275"/>
+          </a:xfrm>
+          <a:ln/>
+        </p:spPr>
+      </p:sp>
+      <p:sp>
+        <p:nvSpPr>
+          <p:cNvPr id="17413" name="Rectangle 3">
+            <a:extLst>
+              <a:ext uri="{FF2B5EF4-FFF2-40B4-BE49-F238E27FC236}">
+                <a16:creationId xmlns:a16="http://schemas.microsoft.com/office/drawing/2014/main" id="{0EC2F48C-845A-486A-90D6-3489B70A42F8}"/>
+              </a:ext>
+            </a:extLst>
+          </p:cNvPr>
+          <p:cNvSpPr>
+            <a:spLocks noGrp="1" noChangeArrowheads="1"/>
+          </p:cNvSpPr>
+          <p:nvPr>
+            <p:ph type="body" idx="1"/>
+          </p:nvPr>
+        </p:nvSpPr>
+        <p:spPr>
+          <a:noFill/>
+          <a:ln/>
+          <a:extLst>
+            <a:ext uri="{909E8E84-426E-40DD-AFC4-6F175D3DCCD1}">
+              <a14:hiddenFill xmlns:a14="http://schemas.microsoft.com/office/drawing/2010/main">
+                <a:solidFill>
+                  <a:srgbClr val="FFFFFF"/>
+                </a:solidFill>
+              </a14:hiddenFill>
+            </a:ext>
+            <a:ext uri="{91240B29-F687-4F45-9708-019B960494DF}">
+              <a14:hiddenLine xmlns:a14="http://schemas.microsoft.com/office/drawing/2010/main" w="9525">
+                <a:solidFill>
+                  <a:srgbClr val="000000"/>
+                </a:solidFill>
+                <a:miter lim="800000"/>
+                <a:headEnd/>
+                <a:tailEnd/>
+              </a14:hiddenLine>
+            </a:ext>
+          </a:extLst>
+        </p:spPr>
+        <p:txBody>
+          <a:bodyPr/>
+          <a:lstStyle/>
+          <a:p>
+            <a:pPr eaLnBrk="1" hangingPunct="1"/>
+            <a:endParaRPr lang="en-US" altLang="ja-JP" dirty="0">
+              <a:latin typeface="Arial" panose="020B0604020202020204" pitchFamily="34" charset="0"/>
+            </a:endParaRPr>
+          </a:p>
+          <a:p>
+            <a:pPr eaLnBrk="1" hangingPunct="1"/>
+            <a:endParaRPr lang="en-US" altLang="ja-JP" dirty="0">
+              <a:latin typeface="Arial" panose="020B0604020202020204" pitchFamily="34" charset="0"/>
+            </a:endParaRPr>
+          </a:p>
+          <a:p>
+            <a:pPr eaLnBrk="1" hangingPunct="1"/>
+            <a:endParaRPr lang="en-US" altLang="ja-JP" dirty="0">
+              <a:latin typeface="Arial" panose="020B0604020202020204" pitchFamily="34" charset="0"/>
+            </a:endParaRPr>
+          </a:p>
+          <a:p>
+            <a:pPr eaLnBrk="1" hangingPunct="1"/>
+            <a:endParaRPr lang="en-US" altLang="ja-JP" dirty="0">
+              <a:latin typeface="Arial" panose="020B0604020202020204" pitchFamily="34" charset="0"/>
+            </a:endParaRPr>
+          </a:p>
+          <a:p>
+            <a:pPr eaLnBrk="1" hangingPunct="1"/>
+            <a:endParaRPr lang="en-US" altLang="ja-JP" dirty="0">
+              <a:latin typeface="Arial" panose="020B0604020202020204" pitchFamily="34" charset="0"/>
+            </a:endParaRPr>
+          </a:p>
+          <a:p>
+            <a:pPr eaLnBrk="1" hangingPunct="1"/>
+            <a:endParaRPr lang="en-US" altLang="ja-JP" dirty="0">
+              <a:latin typeface="Arial" panose="020B0604020202020204" pitchFamily="34" charset="0"/>
+            </a:endParaRPr>
+          </a:p>
+        </p:txBody>
+      </p:sp>
+    </p:spTree>
+    <p:extLst>
+      <p:ext uri="{BB962C8B-B14F-4D97-AF65-F5344CB8AC3E}">
+        <p14:creationId xmlns:p14="http://schemas.microsoft.com/office/powerpoint/2010/main" val="853941312"/>
+      </p:ext>
+    </p:extLst>
+  </p:cSld>
+  <p:clrMapOvr>
+    <a:masterClrMapping/>
+  </p:clrMapOvr>
+</p:notes>
+</file>
+
+<file path=ppt/notesSlides/notesSlide28.xml><?xml version="1.0" encoding="utf-8"?>
+<p:notes xmlns:a="http://schemas.openxmlformats.org/drawingml/2006/main" xmlns:r="http://schemas.openxmlformats.org/officeDocument/2006/relationships" xmlns:p="http://schemas.openxmlformats.org/presentationml/2006/main">
+  <p:cSld>
+    <p:spTree>
+      <p:nvGrpSpPr>
+        <p:cNvPr id="1" name=""/>
+        <p:cNvGrpSpPr/>
+        <p:nvPr/>
+      </p:nvGrpSpPr>
+      <p:grpSpPr>
+        <a:xfrm>
+          <a:off x="0" y="0"/>
+          <a:ext cx="0" cy="0"/>
+          <a:chOff x="0" y="0"/>
+          <a:chExt cx="0" cy="0"/>
+        </a:xfrm>
+      </p:grpSpPr>
+      <p:sp>
+        <p:nvSpPr>
+          <p:cNvPr id="17410" name="Rectangle 7">
+            <a:extLst>
+              <a:ext uri="{FF2B5EF4-FFF2-40B4-BE49-F238E27FC236}">
+                <a16:creationId xmlns:a16="http://schemas.microsoft.com/office/drawing/2014/main" id="{EEB9E338-576E-44DD-A1CE-10E4F42E559A}"/>
+              </a:ext>
+            </a:extLst>
+          </p:cNvPr>
+          <p:cNvSpPr>
+            <a:spLocks noGrp="1" noChangeArrowheads="1"/>
+          </p:cNvSpPr>
+          <p:nvPr>
+            <p:ph type="sldNum" sz="quarter" idx="5"/>
+          </p:nvPr>
+        </p:nvSpPr>
+        <p:spPr>
+          <a:noFill/>
+          <a:ln/>
+          <a:extLst>
+            <a:ext uri="{909E8E84-426E-40DD-AFC4-6F175D3DCCD1}">
+              <a14:hiddenFill xmlns:a14="http://schemas.microsoft.com/office/drawing/2010/main">
+                <a:solidFill>
+                  <a:srgbClr val="FFFFFF"/>
+                </a:solidFill>
+              </a14:hiddenFill>
+            </a:ext>
+            <a:ext uri="{91240B29-F687-4F45-9708-019B960494DF}">
+              <a14:hiddenLine xmlns:a14="http://schemas.microsoft.com/office/drawing/2010/main" w="9525">
+                <a:solidFill>
+                  <a:srgbClr val="000000"/>
+                </a:solidFill>
+                <a:miter lim="800000"/>
+                <a:headEnd/>
+                <a:tailEnd/>
+              </a14:hiddenLine>
+            </a:ext>
+          </a:extLst>
+        </p:spPr>
+        <p:txBody>
+          <a:bodyPr/>
+          <a:lstStyle>
+            <a:lvl1pPr defTabSz="955675">
+              <a:spcBef>
+                <a:spcPct val="30000"/>
+              </a:spcBef>
+              <a:defRPr kumimoji="1" sz="1200">
+                <a:solidFill>
+                  <a:schemeClr val="tx1"/>
+                </a:solidFill>
+                <a:latin typeface="Arial" panose="020B0604020202020204" pitchFamily="34" charset="0"/>
+                <a:ea typeface="ＭＳ Ｐ明朝" panose="02020600040205080304" pitchFamily="18" charset="-128"/>
+              </a:defRPr>
+            </a:lvl1pPr>
+            <a:lvl2pPr marL="715963" indent="-274638" defTabSz="955675">
+              <a:spcBef>
+                <a:spcPct val="30000"/>
+              </a:spcBef>
+              <a:defRPr kumimoji="1" sz="1200">
+                <a:solidFill>
+                  <a:schemeClr val="tx1"/>
+                </a:solidFill>
+                <a:latin typeface="Arial" panose="020B0604020202020204" pitchFamily="34" charset="0"/>
+                <a:ea typeface="ＭＳ Ｐ明朝" panose="02020600040205080304" pitchFamily="18" charset="-128"/>
+              </a:defRPr>
+            </a:lvl2pPr>
+            <a:lvl3pPr marL="1101725" indent="-219075" defTabSz="955675">
+              <a:spcBef>
+                <a:spcPct val="30000"/>
+              </a:spcBef>
+              <a:defRPr kumimoji="1" sz="1200">
+                <a:solidFill>
+                  <a:schemeClr val="tx1"/>
+                </a:solidFill>
+                <a:latin typeface="Arial" panose="020B0604020202020204" pitchFamily="34" charset="0"/>
+                <a:ea typeface="ＭＳ Ｐ明朝" panose="02020600040205080304" pitchFamily="18" charset="-128"/>
+              </a:defRPr>
+            </a:lvl3pPr>
+            <a:lvl4pPr marL="1543050" indent="-219075" defTabSz="955675">
+              <a:spcBef>
+                <a:spcPct val="30000"/>
+              </a:spcBef>
+              <a:defRPr kumimoji="1" sz="1200">
+                <a:solidFill>
+                  <a:schemeClr val="tx1"/>
+                </a:solidFill>
+                <a:latin typeface="Arial" panose="020B0604020202020204" pitchFamily="34" charset="0"/>
+                <a:ea typeface="ＭＳ Ｐ明朝" panose="02020600040205080304" pitchFamily="18" charset="-128"/>
+              </a:defRPr>
+            </a:lvl4pPr>
+            <a:lvl5pPr marL="1984375" indent="-219075" defTabSz="955675">
+              <a:spcBef>
+                <a:spcPct val="30000"/>
+              </a:spcBef>
+              <a:defRPr kumimoji="1" sz="1200">
+                <a:solidFill>
+                  <a:schemeClr val="tx1"/>
+                </a:solidFill>
+                <a:latin typeface="Arial" panose="020B0604020202020204" pitchFamily="34" charset="0"/>
+                <a:ea typeface="ＭＳ Ｐ明朝" panose="02020600040205080304" pitchFamily="18" charset="-128"/>
+              </a:defRPr>
+            </a:lvl5pPr>
+            <a:lvl6pPr marL="2441575" indent="-219075" defTabSz="955675" eaLnBrk="0" fontAlgn="base" hangingPunct="0">
+              <a:spcBef>
+                <a:spcPct val="30000"/>
+              </a:spcBef>
+              <a:spcAft>
+                <a:spcPct val="0"/>
+              </a:spcAft>
+              <a:defRPr kumimoji="1" sz="1200">
+                <a:solidFill>
+                  <a:schemeClr val="tx1"/>
+                </a:solidFill>
+                <a:latin typeface="Arial" panose="020B0604020202020204" pitchFamily="34" charset="0"/>
+                <a:ea typeface="ＭＳ Ｐ明朝" panose="02020600040205080304" pitchFamily="18" charset="-128"/>
+              </a:defRPr>
+            </a:lvl6pPr>
+            <a:lvl7pPr marL="2898775" indent="-219075" defTabSz="955675" eaLnBrk="0" fontAlgn="base" hangingPunct="0">
+              <a:spcBef>
+                <a:spcPct val="30000"/>
+              </a:spcBef>
+              <a:spcAft>
+                <a:spcPct val="0"/>
+              </a:spcAft>
+              <a:defRPr kumimoji="1" sz="1200">
+                <a:solidFill>
+                  <a:schemeClr val="tx1"/>
+                </a:solidFill>
+                <a:latin typeface="Arial" panose="020B0604020202020204" pitchFamily="34" charset="0"/>
+                <a:ea typeface="ＭＳ Ｐ明朝" panose="02020600040205080304" pitchFamily="18" charset="-128"/>
+              </a:defRPr>
+            </a:lvl7pPr>
+            <a:lvl8pPr marL="3355975" indent="-219075" defTabSz="955675" eaLnBrk="0" fontAlgn="base" hangingPunct="0">
+              <a:spcBef>
+                <a:spcPct val="30000"/>
+              </a:spcBef>
+              <a:spcAft>
+                <a:spcPct val="0"/>
+              </a:spcAft>
+              <a:defRPr kumimoji="1" sz="1200">
+                <a:solidFill>
+                  <a:schemeClr val="tx1"/>
+                </a:solidFill>
+                <a:latin typeface="Arial" panose="020B0604020202020204" pitchFamily="34" charset="0"/>
+                <a:ea typeface="ＭＳ Ｐ明朝" panose="02020600040205080304" pitchFamily="18" charset="-128"/>
+              </a:defRPr>
+            </a:lvl8pPr>
+            <a:lvl9pPr marL="3813175" indent="-219075" defTabSz="955675" eaLnBrk="0" fontAlgn="base" hangingPunct="0">
+              <a:spcBef>
+                <a:spcPct val="30000"/>
+              </a:spcBef>
+              <a:spcAft>
+                <a:spcPct val="0"/>
+              </a:spcAft>
+              <a:defRPr kumimoji="1" sz="1200">
+                <a:solidFill>
+                  <a:schemeClr val="tx1"/>
+                </a:solidFill>
+                <a:latin typeface="Arial" panose="020B0604020202020204" pitchFamily="34" charset="0"/>
+                <a:ea typeface="ＭＳ Ｐ明朝" panose="02020600040205080304" pitchFamily="18" charset="-128"/>
+              </a:defRPr>
+            </a:lvl9pPr>
+          </a:lstStyle>
+          <a:p>
+            <a:pPr>
+              <a:spcBef>
+                <a:spcPct val="0"/>
+              </a:spcBef>
+            </a:pPr>
+            <a:fld id="{BE56F86A-5CC3-4F8C-919F-73152F221106}" type="slidenum">
+              <a:rPr lang="en-US" altLang="ja-JP" sz="1300" smtClean="0">
+                <a:ea typeface="ＭＳ Ｐゴシック" panose="020B0600070205080204" pitchFamily="50" charset="-128"/>
+              </a:rPr>
+              <a:pPr>
+                <a:spcBef>
+                  <a:spcPct val="0"/>
+                </a:spcBef>
+              </a:pPr>
+              <a:t>28</a:t>
+            </a:fld>
+            <a:endParaRPr lang="en-US" altLang="ja-JP" sz="1300">
+              <a:ea typeface="ＭＳ Ｐゴシック" panose="020B0600070205080204" pitchFamily="50" charset="-128"/>
+            </a:endParaRPr>
+          </a:p>
+        </p:txBody>
+      </p:sp>
+      <p:sp>
+        <p:nvSpPr>
+          <p:cNvPr id="17411" name="Rectangle 7">
+            <a:extLst>
+              <a:ext uri="{FF2B5EF4-FFF2-40B4-BE49-F238E27FC236}">
+                <a16:creationId xmlns:a16="http://schemas.microsoft.com/office/drawing/2014/main" id="{134D8C64-0E65-4485-B2E2-26DE68C7AF1F}"/>
+              </a:ext>
+            </a:extLst>
+          </p:cNvPr>
+          <p:cNvSpPr txBox="1">
+            <a:spLocks noGrp="1" noChangeArrowheads="1"/>
+          </p:cNvSpPr>
+          <p:nvPr/>
+        </p:nvSpPr>
+        <p:spPr bwMode="auto">
+          <a:xfrm>
+            <a:off x="3849688" y="9429750"/>
+            <a:ext cx="2946400" cy="495300"/>
+          </a:xfrm>
+          <a:prstGeom prst="rect">
+            <a:avLst/>
+          </a:prstGeom>
+          <a:noFill/>
+          <a:ln>
+            <a:noFill/>
+          </a:ln>
+          <a:extLst>
+            <a:ext uri="{909E8E84-426E-40DD-AFC4-6F175D3DCCD1}">
+              <a14:hiddenFill xmlns:a14="http://schemas.microsoft.com/office/drawing/2010/main">
+                <a:solidFill>
+                  <a:srgbClr val="FFFFFF"/>
+                </a:solidFill>
+              </a14:hiddenFill>
+            </a:ext>
+            <a:ext uri="{91240B29-F687-4F45-9708-019B960494DF}">
+              <a14:hiddenLine xmlns:a14="http://schemas.microsoft.com/office/drawing/2010/main" w="9525">
+                <a:solidFill>
+                  <a:srgbClr val="000000"/>
+                </a:solidFill>
+                <a:miter lim="800000"/>
+                <a:headEnd/>
+                <a:tailEnd/>
+              </a14:hiddenLine>
+            </a:ext>
+          </a:extLst>
+        </p:spPr>
+        <p:txBody>
+          <a:bodyPr lIns="95530" tIns="47765" rIns="95530" bIns="47765" anchor="b"/>
+          <a:lstStyle>
+            <a:lvl1pPr defTabSz="990600">
+              <a:spcBef>
+                <a:spcPct val="30000"/>
+              </a:spcBef>
+              <a:defRPr kumimoji="1" sz="1200">
+                <a:solidFill>
+                  <a:schemeClr val="tx1"/>
+                </a:solidFill>
+                <a:latin typeface="Arial" panose="020B0604020202020204" pitchFamily="34" charset="0"/>
+                <a:ea typeface="ＭＳ Ｐ明朝" panose="02020600040205080304" pitchFamily="18" charset="-128"/>
+              </a:defRPr>
+            </a:lvl1pPr>
+            <a:lvl2pPr marL="742950" indent="-285750" defTabSz="990600">
+              <a:spcBef>
+                <a:spcPct val="30000"/>
+              </a:spcBef>
+              <a:defRPr kumimoji="1" sz="1200">
+                <a:solidFill>
+                  <a:schemeClr val="tx1"/>
+                </a:solidFill>
+                <a:latin typeface="Arial" panose="020B0604020202020204" pitchFamily="34" charset="0"/>
+                <a:ea typeface="ＭＳ Ｐ明朝" panose="02020600040205080304" pitchFamily="18" charset="-128"/>
+              </a:defRPr>
+            </a:lvl2pPr>
+            <a:lvl3pPr marL="1143000" indent="-228600" defTabSz="990600">
+              <a:spcBef>
+                <a:spcPct val="30000"/>
+              </a:spcBef>
+              <a:defRPr kumimoji="1" sz="1200">
+                <a:solidFill>
+                  <a:schemeClr val="tx1"/>
+                </a:solidFill>
+                <a:latin typeface="Arial" panose="020B0604020202020204" pitchFamily="34" charset="0"/>
+                <a:ea typeface="ＭＳ Ｐ明朝" panose="02020600040205080304" pitchFamily="18" charset="-128"/>
+              </a:defRPr>
+            </a:lvl3pPr>
+            <a:lvl4pPr marL="1600200" indent="-228600" defTabSz="990600">
+              <a:spcBef>
+                <a:spcPct val="30000"/>
+              </a:spcBef>
+              <a:defRPr kumimoji="1" sz="1200">
+                <a:solidFill>
+                  <a:schemeClr val="tx1"/>
+                </a:solidFill>
+                <a:latin typeface="Arial" panose="020B0604020202020204" pitchFamily="34" charset="0"/>
+                <a:ea typeface="ＭＳ Ｐ明朝" panose="02020600040205080304" pitchFamily="18" charset="-128"/>
+              </a:defRPr>
+            </a:lvl4pPr>
+            <a:lvl5pPr marL="2057400" indent="-228600" defTabSz="990600">
+              <a:spcBef>
+                <a:spcPct val="30000"/>
+              </a:spcBef>
+              <a:defRPr kumimoji="1" sz="1200">
+                <a:solidFill>
+                  <a:schemeClr val="tx1"/>
+                </a:solidFill>
+                <a:latin typeface="Arial" panose="020B0604020202020204" pitchFamily="34" charset="0"/>
+                <a:ea typeface="ＭＳ Ｐ明朝" panose="02020600040205080304" pitchFamily="18" charset="-128"/>
+              </a:defRPr>
+            </a:lvl5pPr>
+            <a:lvl6pPr marL="2514600" indent="-228600" defTabSz="990600" eaLnBrk="0" fontAlgn="base" hangingPunct="0">
+              <a:spcBef>
+                <a:spcPct val="30000"/>
+              </a:spcBef>
+              <a:spcAft>
+                <a:spcPct val="0"/>
+              </a:spcAft>
+              <a:defRPr kumimoji="1" sz="1200">
+                <a:solidFill>
+                  <a:schemeClr val="tx1"/>
+                </a:solidFill>
+                <a:latin typeface="Arial" panose="020B0604020202020204" pitchFamily="34" charset="0"/>
+                <a:ea typeface="ＭＳ Ｐ明朝" panose="02020600040205080304" pitchFamily="18" charset="-128"/>
+              </a:defRPr>
+            </a:lvl6pPr>
+            <a:lvl7pPr marL="2971800" indent="-228600" defTabSz="990600" eaLnBrk="0" fontAlgn="base" hangingPunct="0">
+              <a:spcBef>
+                <a:spcPct val="30000"/>
+              </a:spcBef>
+              <a:spcAft>
+                <a:spcPct val="0"/>
+              </a:spcAft>
+              <a:defRPr kumimoji="1" sz="1200">
+                <a:solidFill>
+                  <a:schemeClr val="tx1"/>
+                </a:solidFill>
+                <a:latin typeface="Arial" panose="020B0604020202020204" pitchFamily="34" charset="0"/>
+                <a:ea typeface="ＭＳ Ｐ明朝" panose="02020600040205080304" pitchFamily="18" charset="-128"/>
+              </a:defRPr>
+            </a:lvl7pPr>
+            <a:lvl8pPr marL="3429000" indent="-228600" defTabSz="990600" eaLnBrk="0" fontAlgn="base" hangingPunct="0">
+              <a:spcBef>
+                <a:spcPct val="30000"/>
+              </a:spcBef>
+              <a:spcAft>
+                <a:spcPct val="0"/>
+              </a:spcAft>
+              <a:defRPr kumimoji="1" sz="1200">
+                <a:solidFill>
+                  <a:schemeClr val="tx1"/>
+                </a:solidFill>
+                <a:latin typeface="Arial" panose="020B0604020202020204" pitchFamily="34" charset="0"/>
+                <a:ea typeface="ＭＳ Ｐ明朝" panose="02020600040205080304" pitchFamily="18" charset="-128"/>
+              </a:defRPr>
+            </a:lvl8pPr>
+            <a:lvl9pPr marL="3886200" indent="-228600" defTabSz="990600" eaLnBrk="0" fontAlgn="base" hangingPunct="0">
+              <a:spcBef>
+                <a:spcPct val="30000"/>
+              </a:spcBef>
+              <a:spcAft>
+                <a:spcPct val="0"/>
+              </a:spcAft>
+              <a:defRPr kumimoji="1" sz="1200">
+                <a:solidFill>
+                  <a:schemeClr val="tx1"/>
+                </a:solidFill>
+                <a:latin typeface="Arial" panose="020B0604020202020204" pitchFamily="34" charset="0"/>
+                <a:ea typeface="ＭＳ Ｐ明朝" panose="02020600040205080304" pitchFamily="18" charset="-128"/>
+              </a:defRPr>
+            </a:lvl9pPr>
+          </a:lstStyle>
+          <a:p>
+            <a:pPr algn="r" eaLnBrk="1" hangingPunct="1">
+              <a:spcBef>
+                <a:spcPct val="0"/>
+              </a:spcBef>
+            </a:pPr>
+            <a:fld id="{4A3F919F-0D4C-4D8B-A5E4-01B9A16700FF}" type="slidenum">
+              <a:rPr lang="en-US" altLang="ja-JP" sz="1300">
+                <a:ea typeface="ＭＳ Ｐゴシック" panose="020B0600070205080204" pitchFamily="50" charset="-128"/>
+              </a:rPr>
+              <a:pPr algn="r" eaLnBrk="1" hangingPunct="1">
+                <a:spcBef>
+                  <a:spcPct val="0"/>
+                </a:spcBef>
+              </a:pPr>
+              <a:t>28</a:t>
             </a:fld>
             <a:endParaRPr lang="en-US" altLang="ja-JP" sz="1300">
               <a:ea typeface="ＭＳ Ｐゴシック" panose="020B0600070205080204" pitchFamily="50" charset="-128"/>
@@ -17770,7 +18284,7 @@
           <a:graphicData uri="http://schemas.openxmlformats.org/presentationml/2006/ole">
             <mc:AlternateContent xmlns:mc="http://schemas.openxmlformats.org/markup-compatibility/2006">
               <mc:Choice xmlns:v="urn:schemas-microsoft-com:vml" Requires="v">
-                <p:oleObj spid="_x0000_s1222" name="Corel DESIGNER" r:id="rId18" imgW="2743200" imgH="1536480" progId="Corel DESIGNER.Graphic.10">
+                <p:oleObj spid="_x0000_s1224" name="Corel DESIGNER" r:id="rId18" imgW="2743200" imgH="1536480" progId="Corel DESIGNER.Graphic.10">
                   <p:embed/>
                 </p:oleObj>
               </mc:Choice>
@@ -27599,6 +28113,248 @@
       </p:grpSpPr>
       <p:sp>
         <p:nvSpPr>
+          <p:cNvPr id="17" name="Rectangle 2">
+            <a:extLst>
+              <a:ext uri="{FF2B5EF4-FFF2-40B4-BE49-F238E27FC236}">
+                <a16:creationId xmlns:a16="http://schemas.microsoft.com/office/drawing/2014/main" id="{0E36EA97-10ED-4AA7-875F-3187C74FB2BD}"/>
+              </a:ext>
+            </a:extLst>
+          </p:cNvPr>
+          <p:cNvSpPr txBox="1">
+            <a:spLocks noChangeArrowheads="1"/>
+          </p:cNvSpPr>
+          <p:nvPr/>
+        </p:nvSpPr>
+        <p:spPr bwMode="auto">
+          <a:xfrm>
+            <a:off x="180975" y="1274763"/>
+            <a:ext cx="8441475" cy="3123937"/>
+          </a:xfrm>
+          <a:prstGeom prst="rect">
+            <a:avLst/>
+          </a:prstGeom>
+          <a:noFill/>
+          <a:ln>
+            <a:noFill/>
+          </a:ln>
+          <a:extLst>
+            <a:ext uri="{909E8E84-426E-40DD-AFC4-6F175D3DCCD1}">
+              <a14:hiddenFill xmlns:a14="http://schemas.microsoft.com/office/drawing/2010/main">
+                <a:solidFill>
+                  <a:srgbClr val="FFFFFF"/>
+                </a:solidFill>
+              </a14:hiddenFill>
+            </a:ext>
+            <a:ext uri="{91240B29-F687-4F45-9708-019B960494DF}">
+              <a14:hiddenLine xmlns:a14="http://schemas.microsoft.com/office/drawing/2010/main" w="9525">
+                <a:solidFill>
+                  <a:srgbClr val="000000"/>
+                </a:solidFill>
+                <a:miter lim="800000"/>
+                <a:headEnd/>
+                <a:tailEnd/>
+              </a14:hiddenLine>
+            </a:ext>
+          </a:extLst>
+        </p:spPr>
+        <p:txBody>
+          <a:bodyPr/>
+          <a:lstStyle>
+            <a:lvl1pPr marL="342900" indent="-342900" algn="l" rtl="0" eaLnBrk="0" fontAlgn="base" hangingPunct="0">
+              <a:spcBef>
+                <a:spcPct val="20000"/>
+              </a:spcBef>
+              <a:spcAft>
+                <a:spcPct val="0"/>
+              </a:spcAft>
+              <a:buChar char="•"/>
+              <a:defRPr kumimoji="1" sz="3200">
+                <a:solidFill>
+                  <a:srgbClr val="4D4D4D"/>
+                </a:solidFill>
+                <a:latin typeface="+mn-lt"/>
+                <a:ea typeface="+mn-ea"/>
+                <a:cs typeface="+mn-cs"/>
+              </a:defRPr>
+            </a:lvl1pPr>
+            <a:lvl2pPr marL="742950" indent="-285750" algn="l" rtl="0" eaLnBrk="0" fontAlgn="base" hangingPunct="0">
+              <a:spcBef>
+                <a:spcPct val="20000"/>
+              </a:spcBef>
+              <a:spcAft>
+                <a:spcPct val="0"/>
+              </a:spcAft>
+              <a:buChar char="–"/>
+              <a:defRPr kumimoji="1" sz="2800">
+                <a:solidFill>
+                  <a:srgbClr val="4D4D4D"/>
+                </a:solidFill>
+                <a:latin typeface="+mn-lt"/>
+                <a:ea typeface="+mn-ea"/>
+              </a:defRPr>
+            </a:lvl2pPr>
+            <a:lvl3pPr marL="1143000" indent="-228600" algn="l" rtl="0" eaLnBrk="0" fontAlgn="base" hangingPunct="0">
+              <a:spcBef>
+                <a:spcPct val="20000"/>
+              </a:spcBef>
+              <a:spcAft>
+                <a:spcPct val="0"/>
+              </a:spcAft>
+              <a:buChar char="•"/>
+              <a:defRPr kumimoji="1" sz="2400">
+                <a:solidFill>
+                  <a:srgbClr val="4D4D4D"/>
+                </a:solidFill>
+                <a:latin typeface="+mn-lt"/>
+                <a:ea typeface="+mn-ea"/>
+              </a:defRPr>
+            </a:lvl3pPr>
+            <a:lvl4pPr marL="1600200" indent="-228600" algn="l" rtl="0" eaLnBrk="0" fontAlgn="base" hangingPunct="0">
+              <a:spcBef>
+                <a:spcPct val="20000"/>
+              </a:spcBef>
+              <a:spcAft>
+                <a:spcPct val="0"/>
+              </a:spcAft>
+              <a:buChar char="–"/>
+              <a:defRPr kumimoji="1" sz="2000">
+                <a:solidFill>
+                  <a:srgbClr val="4D4D4D"/>
+                </a:solidFill>
+                <a:latin typeface="+mn-lt"/>
+                <a:ea typeface="+mn-ea"/>
+              </a:defRPr>
+            </a:lvl4pPr>
+            <a:lvl5pPr marL="2057400" indent="-228600" algn="l" rtl="0" eaLnBrk="0" fontAlgn="base" hangingPunct="0">
+              <a:spcBef>
+                <a:spcPct val="20000"/>
+              </a:spcBef>
+              <a:spcAft>
+                <a:spcPct val="0"/>
+              </a:spcAft>
+              <a:buChar char="»"/>
+              <a:defRPr kumimoji="1" sz="2000">
+                <a:solidFill>
+                  <a:srgbClr val="4D4D4D"/>
+                </a:solidFill>
+                <a:latin typeface="+mn-lt"/>
+                <a:ea typeface="+mn-ea"/>
+              </a:defRPr>
+            </a:lvl5pPr>
+            <a:lvl6pPr marL="2514600" indent="-228600" algn="l" rtl="0" fontAlgn="base">
+              <a:spcBef>
+                <a:spcPct val="20000"/>
+              </a:spcBef>
+              <a:spcAft>
+                <a:spcPct val="0"/>
+              </a:spcAft>
+              <a:buChar char="»"/>
+              <a:defRPr kumimoji="1" sz="2000">
+                <a:solidFill>
+                  <a:srgbClr val="4D4D4D"/>
+                </a:solidFill>
+                <a:latin typeface="+mn-lt"/>
+                <a:ea typeface="+mn-ea"/>
+              </a:defRPr>
+            </a:lvl6pPr>
+            <a:lvl7pPr marL="2971800" indent="-228600" algn="l" rtl="0" fontAlgn="base">
+              <a:spcBef>
+                <a:spcPct val="20000"/>
+              </a:spcBef>
+              <a:spcAft>
+                <a:spcPct val="0"/>
+              </a:spcAft>
+              <a:buChar char="»"/>
+              <a:defRPr kumimoji="1" sz="2000">
+                <a:solidFill>
+                  <a:srgbClr val="4D4D4D"/>
+                </a:solidFill>
+                <a:latin typeface="+mn-lt"/>
+                <a:ea typeface="+mn-ea"/>
+              </a:defRPr>
+            </a:lvl7pPr>
+            <a:lvl8pPr marL="3429000" indent="-228600" algn="l" rtl="0" fontAlgn="base">
+              <a:spcBef>
+                <a:spcPct val="20000"/>
+              </a:spcBef>
+              <a:spcAft>
+                <a:spcPct val="0"/>
+              </a:spcAft>
+              <a:buChar char="»"/>
+              <a:defRPr kumimoji="1" sz="2000">
+                <a:solidFill>
+                  <a:srgbClr val="4D4D4D"/>
+                </a:solidFill>
+                <a:latin typeface="+mn-lt"/>
+                <a:ea typeface="+mn-ea"/>
+              </a:defRPr>
+            </a:lvl8pPr>
+            <a:lvl9pPr marL="3886200" indent="-228600" algn="l" rtl="0" fontAlgn="base">
+              <a:spcBef>
+                <a:spcPct val="20000"/>
+              </a:spcBef>
+              <a:spcAft>
+                <a:spcPct val="0"/>
+              </a:spcAft>
+              <a:buChar char="»"/>
+              <a:defRPr kumimoji="1" sz="2000">
+                <a:solidFill>
+                  <a:srgbClr val="4D4D4D"/>
+                </a:solidFill>
+                <a:latin typeface="+mn-lt"/>
+                <a:ea typeface="+mn-ea"/>
+              </a:defRPr>
+            </a:lvl9pPr>
+          </a:lstStyle>
+          <a:p>
+            <a:pPr eaLnBrk="1" hangingPunct="1">
+              <a:lnSpc>
+                <a:spcPct val="80000"/>
+              </a:lnSpc>
+              <a:defRPr/>
+            </a:pPr>
+            <a:r>
+              <a:rPr lang="en-US" altLang="ja-JP" sz="2400" kern="0" dirty="0">
+                <a:solidFill>
+                  <a:srgbClr val="5F5F5F"/>
+                </a:solidFill>
+              </a:rPr>
+              <a:t>PaspberryPiMouseiIo.py</a:t>
+            </a:r>
+            <a:r>
+              <a:rPr lang="ja-JP" altLang="en-US" sz="2400" kern="0" dirty="0">
+                <a:solidFill>
+                  <a:srgbClr val="5F5F5F"/>
+                </a:solidFill>
+              </a:rPr>
+              <a:t>を</a:t>
+            </a:r>
+            <a:r>
+              <a:rPr lang="en-US" altLang="ja-JP" sz="2400" kern="0" dirty="0">
+                <a:solidFill>
+                  <a:srgbClr val="5F5F5F"/>
+                </a:solidFill>
+              </a:rPr>
+              <a:t>IDLE</a:t>
+            </a:r>
+            <a:r>
+              <a:rPr lang="ja-JP" altLang="en-US" sz="2400" kern="0" dirty="0">
+                <a:solidFill>
+                  <a:srgbClr val="5F5F5F"/>
+                </a:solidFill>
+              </a:rPr>
+              <a:t>で編集する</a:t>
+            </a:r>
+            <a:endParaRPr lang="en-US" altLang="ja-JP" sz="2000" kern="0" dirty="0">
+              <a:solidFill>
+                <a:srgbClr val="FF0000"/>
+              </a:solidFill>
+            </a:endParaRPr>
+          </a:p>
+        </p:txBody>
+      </p:sp>
+      <p:sp>
+        <p:nvSpPr>
           <p:cNvPr id="16386" name="スライド番号プレースホルダ 1">
             <a:extLst>
               <a:ext uri="{FF2B5EF4-FFF2-40B4-BE49-F238E27FC236}">
@@ -27989,6 +28745,740 @@
                 <a:buNone/>
               </a:pPr>
               <a:t>18</a:t>
+            </a:fld>
+            <a:endParaRPr lang="en-US" altLang="ja-JP" sz="1400"/>
+          </a:p>
+        </p:txBody>
+      </p:sp>
+      <p:sp>
+        <p:nvSpPr>
+          <p:cNvPr id="16389" name="Rectangle 11">
+            <a:extLst>
+              <a:ext uri="{FF2B5EF4-FFF2-40B4-BE49-F238E27FC236}">
+                <a16:creationId xmlns:a16="http://schemas.microsoft.com/office/drawing/2014/main" id="{E6679536-3F67-43C3-9967-548D7676D491}"/>
+              </a:ext>
+            </a:extLst>
+          </p:cNvPr>
+          <p:cNvSpPr>
+            <a:spLocks noGrp="1" noChangeArrowheads="1"/>
+          </p:cNvSpPr>
+          <p:nvPr>
+            <p:ph type="title" idx="4294967295"/>
+          </p:nvPr>
+        </p:nvSpPr>
+        <p:spPr>
+          <a:xfrm>
+            <a:off x="179388" y="403225"/>
+            <a:ext cx="8805862" cy="865188"/>
+          </a:xfrm>
+        </p:spPr>
+        <p:txBody>
+          <a:bodyPr/>
+          <a:lstStyle/>
+          <a:p>
+            <a:pPr eaLnBrk="1" hangingPunct="1"/>
+            <a:r>
+              <a:rPr lang="en-US" altLang="ja-JP" sz="3600" kern="0" dirty="0">
+                <a:solidFill>
+                  <a:srgbClr val="5F5F5F"/>
+                </a:solidFill>
+              </a:rPr>
+              <a:t>RaspberryPiMouseIo.py</a:t>
+            </a:r>
+            <a:r>
+              <a:rPr lang="ja-JP" altLang="en-US" sz="3600" kern="0" dirty="0">
+                <a:solidFill>
+                  <a:srgbClr val="5F5F5F"/>
+                </a:solidFill>
+              </a:rPr>
+              <a:t>の編集</a:t>
+            </a:r>
+            <a:endParaRPr lang="en-US" altLang="ja-JP" sz="3600" dirty="0">
+              <a:solidFill>
+                <a:srgbClr val="5F5F5F"/>
+              </a:solidFill>
+            </a:endParaRPr>
+          </a:p>
+        </p:txBody>
+      </p:sp>
+      <p:pic>
+        <p:nvPicPr>
+          <p:cNvPr id="4" name="図 3">
+            <a:extLst>
+              <a:ext uri="{FF2B5EF4-FFF2-40B4-BE49-F238E27FC236}">
+                <a16:creationId xmlns:a16="http://schemas.microsoft.com/office/drawing/2014/main" id="{6738D469-4871-4ACE-AEA3-2606F564AC0D}"/>
+              </a:ext>
+            </a:extLst>
+          </p:cNvPr>
+          <p:cNvPicPr>
+            <a:picLocks noChangeAspect="1"/>
+          </p:cNvPicPr>
+          <p:nvPr/>
+        </p:nvPicPr>
+        <p:blipFill>
+          <a:blip r:embed="rId3"/>
+          <a:stretch>
+            <a:fillRect/>
+          </a:stretch>
+        </p:blipFill>
+        <p:spPr>
+          <a:xfrm>
+            <a:off x="903204" y="3699030"/>
+            <a:ext cx="7458075" cy="2276475"/>
+          </a:xfrm>
+          <a:prstGeom prst="rect">
+            <a:avLst/>
+          </a:prstGeom>
+        </p:spPr>
+      </p:pic>
+      <p:pic>
+        <p:nvPicPr>
+          <p:cNvPr id="9" name="図 8">
+            <a:extLst>
+              <a:ext uri="{FF2B5EF4-FFF2-40B4-BE49-F238E27FC236}">
+                <a16:creationId xmlns:a16="http://schemas.microsoft.com/office/drawing/2014/main" id="{75410C32-4018-46A2-B21F-3BE6F104FCBA}"/>
+              </a:ext>
+            </a:extLst>
+          </p:cNvPr>
+          <p:cNvPicPr>
+            <a:picLocks noChangeAspect="1"/>
+          </p:cNvPicPr>
+          <p:nvPr/>
+        </p:nvPicPr>
+        <p:blipFill>
+          <a:blip r:embed="rId4"/>
+          <a:stretch>
+            <a:fillRect/>
+          </a:stretch>
+        </p:blipFill>
+        <p:spPr>
+          <a:xfrm>
+            <a:off x="910216" y="1811606"/>
+            <a:ext cx="5457825" cy="1343025"/>
+          </a:xfrm>
+          <a:prstGeom prst="rect">
+            <a:avLst/>
+          </a:prstGeom>
+        </p:spPr>
+      </p:pic>
+      <p:sp>
+        <p:nvSpPr>
+          <p:cNvPr id="19" name="吹き出し: 角を丸めた四角形 18">
+            <a:extLst>
+              <a:ext uri="{FF2B5EF4-FFF2-40B4-BE49-F238E27FC236}">
+                <a16:creationId xmlns:a16="http://schemas.microsoft.com/office/drawing/2014/main" id="{256BA618-DC61-4561-B6CF-47F73FA3663C}"/>
+              </a:ext>
+            </a:extLst>
+          </p:cNvPr>
+          <p:cNvSpPr/>
+          <p:nvPr/>
+        </p:nvSpPr>
+        <p:spPr>
+          <a:xfrm>
+            <a:off x="5179788" y="1785747"/>
+            <a:ext cx="3783237" cy="727615"/>
+          </a:xfrm>
+          <a:prstGeom prst="wedgeRoundRectCallout">
+            <a:avLst>
+              <a:gd name="adj1" fmla="val -60245"/>
+              <a:gd name="adj2" fmla="val 49980"/>
+              <a:gd name="adj3" fmla="val 16667"/>
+            </a:avLst>
+          </a:prstGeom>
+          <a:solidFill>
+            <a:schemeClr val="bg1"/>
+          </a:solidFill>
+          <a:ln>
+            <a:solidFill>
+              <a:schemeClr val="tx1"/>
+            </a:solidFill>
+          </a:ln>
+        </p:spPr>
+        <p:style>
+          <a:lnRef idx="2">
+            <a:schemeClr val="accent1">
+              <a:shade val="50000"/>
+            </a:schemeClr>
+          </a:lnRef>
+          <a:fillRef idx="1">
+            <a:schemeClr val="accent1"/>
+          </a:fillRef>
+          <a:effectRef idx="0">
+            <a:schemeClr val="accent1"/>
+          </a:effectRef>
+          <a:fontRef idx="minor">
+            <a:schemeClr val="lt1"/>
+          </a:fontRef>
+        </p:style>
+        <p:txBody>
+          <a:bodyPr rtlCol="0" anchor="ctr"/>
+          <a:lstStyle/>
+          <a:p>
+            <a:pPr algn="ctr"/>
+            <a:r>
+              <a:rPr lang="en-US" altLang="ja-JP" sz="2000" dirty="0">
+                <a:solidFill>
+                  <a:schemeClr val="tx1"/>
+                </a:solidFill>
+              </a:rPr>
+              <a:t>RTC Builder</a:t>
+            </a:r>
+            <a:r>
+              <a:rPr lang="ja-JP" altLang="en-US" sz="2000" dirty="0">
+                <a:solidFill>
+                  <a:schemeClr val="tx1"/>
+                </a:solidFill>
+              </a:rPr>
+              <a:t>でプロジェクトをシステム・エクスプローラーから開く</a:t>
+            </a:r>
+            <a:endParaRPr kumimoji="1" lang="ja-JP" altLang="en-US" sz="2000" dirty="0">
+              <a:solidFill>
+                <a:schemeClr val="tx1"/>
+              </a:solidFill>
+            </a:endParaRPr>
+          </a:p>
+        </p:txBody>
+      </p:sp>
+      <p:sp>
+        <p:nvSpPr>
+          <p:cNvPr id="20" name="吹き出し: 角を丸めた四角形 19">
+            <a:extLst>
+              <a:ext uri="{FF2B5EF4-FFF2-40B4-BE49-F238E27FC236}">
+                <a16:creationId xmlns:a16="http://schemas.microsoft.com/office/drawing/2014/main" id="{C711573B-1947-4DE4-BC6B-3EE63BD4B488}"/>
+              </a:ext>
+            </a:extLst>
+          </p:cNvPr>
+          <p:cNvSpPr/>
+          <p:nvPr/>
+        </p:nvSpPr>
+        <p:spPr>
+          <a:xfrm>
+            <a:off x="1822404" y="5454225"/>
+            <a:ext cx="7211807" cy="727615"/>
+          </a:xfrm>
+          <a:prstGeom prst="wedgeRoundRectCallout">
+            <a:avLst>
+              <a:gd name="adj1" fmla="val 15136"/>
+              <a:gd name="adj2" fmla="val -105261"/>
+              <a:gd name="adj3" fmla="val 16667"/>
+            </a:avLst>
+          </a:prstGeom>
+          <a:solidFill>
+            <a:schemeClr val="bg1"/>
+          </a:solidFill>
+          <a:ln>
+            <a:solidFill>
+              <a:schemeClr val="tx1"/>
+            </a:solidFill>
+          </a:ln>
+        </p:spPr>
+        <p:style>
+          <a:lnRef idx="2">
+            <a:schemeClr val="accent1">
+              <a:shade val="50000"/>
+            </a:schemeClr>
+          </a:lnRef>
+          <a:fillRef idx="1">
+            <a:schemeClr val="accent1"/>
+          </a:fillRef>
+          <a:effectRef idx="0">
+            <a:schemeClr val="accent1"/>
+          </a:effectRef>
+          <a:fontRef idx="minor">
+            <a:schemeClr val="lt1"/>
+          </a:fontRef>
+        </p:style>
+        <p:txBody>
+          <a:bodyPr rtlCol="0" anchor="ctr"/>
+          <a:lstStyle/>
+          <a:p>
+            <a:pPr algn="ctr"/>
+            <a:r>
+              <a:rPr lang="ja-JP" altLang="en-US" sz="2000" dirty="0">
+                <a:solidFill>
+                  <a:schemeClr val="tx1"/>
+                </a:solidFill>
+              </a:rPr>
+              <a:t>エクスプローラーから</a:t>
+            </a:r>
+            <a:r>
+              <a:rPr lang="en-US" altLang="ja-JP" sz="2000" dirty="0">
+                <a:solidFill>
+                  <a:srgbClr val="FF0000"/>
+                </a:solidFill>
+              </a:rPr>
+              <a:t>PaspberryPiMouseiIo.py</a:t>
+            </a:r>
+            <a:r>
+              <a:rPr lang="ja-JP" altLang="en-US" sz="2000" dirty="0">
+                <a:solidFill>
+                  <a:schemeClr val="tx1"/>
+                </a:solidFill>
+              </a:rPr>
+              <a:t>を右クリックして、「</a:t>
+            </a:r>
+            <a:r>
+              <a:rPr lang="en-US" altLang="ja-JP" sz="2000" dirty="0">
+                <a:solidFill>
+                  <a:schemeClr val="tx1"/>
+                </a:solidFill>
+              </a:rPr>
+              <a:t>Edit with IDLE</a:t>
+            </a:r>
+            <a:r>
+              <a:rPr lang="ja-JP" altLang="en-US" sz="2000" dirty="0">
+                <a:solidFill>
+                  <a:schemeClr val="tx1"/>
+                </a:solidFill>
+              </a:rPr>
+              <a:t>」→「</a:t>
+            </a:r>
+            <a:r>
+              <a:rPr lang="en-US" altLang="ja-JP" sz="2000" dirty="0">
+                <a:solidFill>
+                  <a:schemeClr val="tx1"/>
+                </a:solidFill>
+              </a:rPr>
+              <a:t>Edit IDLE 3.* (64-bit)</a:t>
+            </a:r>
+            <a:r>
+              <a:rPr lang="ja-JP" altLang="en-US" sz="2000" dirty="0">
+                <a:solidFill>
+                  <a:schemeClr val="tx1"/>
+                </a:solidFill>
+              </a:rPr>
+              <a:t>」</a:t>
+            </a:r>
+            <a:endParaRPr kumimoji="1" lang="ja-JP" altLang="en-US" sz="2000" dirty="0">
+              <a:solidFill>
+                <a:schemeClr val="tx1"/>
+              </a:solidFill>
+            </a:endParaRPr>
+          </a:p>
+        </p:txBody>
+      </p:sp>
+    </p:spTree>
+    <p:extLst>
+      <p:ext uri="{BB962C8B-B14F-4D97-AF65-F5344CB8AC3E}">
+        <p14:creationId xmlns:p14="http://schemas.microsoft.com/office/powerpoint/2010/main" val="800307013"/>
+      </p:ext>
+    </p:extLst>
+  </p:cSld>
+  <p:clrMapOvr>
+    <a:masterClrMapping/>
+  </p:clrMapOvr>
+</p:sld>
+</file>
+
+<file path=ppt/slides/slide19.xml><?xml version="1.0" encoding="utf-8"?>
+<p:sld xmlns:a="http://schemas.openxmlformats.org/drawingml/2006/main" xmlns:r="http://schemas.openxmlformats.org/officeDocument/2006/relationships" xmlns:p="http://schemas.openxmlformats.org/presentationml/2006/main">
+  <p:cSld>
+    <p:spTree>
+      <p:nvGrpSpPr>
+        <p:cNvPr id="1" name=""/>
+        <p:cNvGrpSpPr/>
+        <p:nvPr/>
+      </p:nvGrpSpPr>
+      <p:grpSpPr>
+        <a:xfrm>
+          <a:off x="0" y="0"/>
+          <a:ext cx="0" cy="0"/>
+          <a:chOff x="0" y="0"/>
+          <a:chExt cx="0" cy="0"/>
+        </a:xfrm>
+      </p:grpSpPr>
+      <p:sp>
+        <p:nvSpPr>
+          <p:cNvPr id="16386" name="スライド番号プレースホルダ 1">
+            <a:extLst>
+              <a:ext uri="{FF2B5EF4-FFF2-40B4-BE49-F238E27FC236}">
+                <a16:creationId xmlns:a16="http://schemas.microsoft.com/office/drawing/2014/main" id="{580AD89C-05FA-4961-9F51-D9FDC336E5BE}"/>
+              </a:ext>
+            </a:extLst>
+          </p:cNvPr>
+          <p:cNvSpPr>
+            <a:spLocks noGrp="1"/>
+          </p:cNvSpPr>
+          <p:nvPr>
+            <p:ph type="sldNum" sz="quarter" idx="10"/>
+          </p:nvPr>
+        </p:nvSpPr>
+        <p:spPr>
+          <a:noFill/>
+          <a:ln/>
+          <a:extLst>
+            <a:ext uri="{909E8E84-426E-40DD-AFC4-6F175D3DCCD1}">
+              <a14:hiddenFill xmlns:a14="http://schemas.microsoft.com/office/drawing/2010/main">
+                <a:solidFill>
+                  <a:srgbClr val="FFFFFF"/>
+                </a:solidFill>
+              </a14:hiddenFill>
+            </a:ext>
+            <a:ext uri="{91240B29-F687-4F45-9708-019B960494DF}">
+              <a14:hiddenLine xmlns:a14="http://schemas.microsoft.com/office/drawing/2010/main" w="9525">
+                <a:solidFill>
+                  <a:srgbClr val="000000"/>
+                </a:solidFill>
+                <a:miter lim="800000"/>
+                <a:headEnd/>
+                <a:tailEnd/>
+              </a14:hiddenLine>
+            </a:ext>
+          </a:extLst>
+        </p:spPr>
+        <p:txBody>
+          <a:bodyPr/>
+          <a:lstStyle>
+            <a:lvl1pPr>
+              <a:spcBef>
+                <a:spcPct val="20000"/>
+              </a:spcBef>
+              <a:buChar char="•"/>
+              <a:defRPr kumimoji="1" sz="3200">
+                <a:solidFill>
+                  <a:srgbClr val="4D4D4D"/>
+                </a:solidFill>
+                <a:latin typeface="Arial" panose="020B0604020202020204" pitchFamily="34" charset="0"/>
+                <a:ea typeface="ＭＳ Ｐゴシック" panose="020B0600070205080204" pitchFamily="50" charset="-128"/>
+              </a:defRPr>
+            </a:lvl1pPr>
+            <a:lvl2pPr marL="742950" indent="-285750">
+              <a:spcBef>
+                <a:spcPct val="20000"/>
+              </a:spcBef>
+              <a:buChar char="–"/>
+              <a:defRPr kumimoji="1" sz="2800">
+                <a:solidFill>
+                  <a:srgbClr val="4D4D4D"/>
+                </a:solidFill>
+                <a:latin typeface="Arial" panose="020B0604020202020204" pitchFamily="34" charset="0"/>
+                <a:ea typeface="ＭＳ Ｐゴシック" panose="020B0600070205080204" pitchFamily="50" charset="-128"/>
+              </a:defRPr>
+            </a:lvl2pPr>
+            <a:lvl3pPr marL="1143000" indent="-228600">
+              <a:spcBef>
+                <a:spcPct val="20000"/>
+              </a:spcBef>
+              <a:buChar char="•"/>
+              <a:defRPr kumimoji="1" sz="2400">
+                <a:solidFill>
+                  <a:srgbClr val="4D4D4D"/>
+                </a:solidFill>
+                <a:latin typeface="Arial" panose="020B0604020202020204" pitchFamily="34" charset="0"/>
+                <a:ea typeface="ＭＳ Ｐゴシック" panose="020B0600070205080204" pitchFamily="50" charset="-128"/>
+              </a:defRPr>
+            </a:lvl3pPr>
+            <a:lvl4pPr marL="1600200" indent="-228600">
+              <a:spcBef>
+                <a:spcPct val="20000"/>
+              </a:spcBef>
+              <a:buChar char="–"/>
+              <a:defRPr kumimoji="1" sz="2000">
+                <a:solidFill>
+                  <a:srgbClr val="4D4D4D"/>
+                </a:solidFill>
+                <a:latin typeface="Arial" panose="020B0604020202020204" pitchFamily="34" charset="0"/>
+                <a:ea typeface="ＭＳ Ｐゴシック" panose="020B0600070205080204" pitchFamily="50" charset="-128"/>
+              </a:defRPr>
+            </a:lvl4pPr>
+            <a:lvl5pPr marL="2057400" indent="-228600">
+              <a:spcBef>
+                <a:spcPct val="20000"/>
+              </a:spcBef>
+              <a:buChar char="»"/>
+              <a:defRPr kumimoji="1" sz="2000">
+                <a:solidFill>
+                  <a:srgbClr val="4D4D4D"/>
+                </a:solidFill>
+                <a:latin typeface="Arial" panose="020B0604020202020204" pitchFamily="34" charset="0"/>
+                <a:ea typeface="ＭＳ Ｐゴシック" panose="020B0600070205080204" pitchFamily="50" charset="-128"/>
+              </a:defRPr>
+            </a:lvl5pPr>
+            <a:lvl6pPr marL="2514600" indent="-228600" eaLnBrk="0" fontAlgn="base" hangingPunct="0">
+              <a:spcBef>
+                <a:spcPct val="20000"/>
+              </a:spcBef>
+              <a:spcAft>
+                <a:spcPct val="0"/>
+              </a:spcAft>
+              <a:buChar char="»"/>
+              <a:defRPr kumimoji="1" sz="2000">
+                <a:solidFill>
+                  <a:srgbClr val="4D4D4D"/>
+                </a:solidFill>
+                <a:latin typeface="Arial" panose="020B0604020202020204" pitchFamily="34" charset="0"/>
+                <a:ea typeface="ＭＳ Ｐゴシック" panose="020B0600070205080204" pitchFamily="50" charset="-128"/>
+              </a:defRPr>
+            </a:lvl6pPr>
+            <a:lvl7pPr marL="2971800" indent="-228600" eaLnBrk="0" fontAlgn="base" hangingPunct="0">
+              <a:spcBef>
+                <a:spcPct val="20000"/>
+              </a:spcBef>
+              <a:spcAft>
+                <a:spcPct val="0"/>
+              </a:spcAft>
+              <a:buChar char="»"/>
+              <a:defRPr kumimoji="1" sz="2000">
+                <a:solidFill>
+                  <a:srgbClr val="4D4D4D"/>
+                </a:solidFill>
+                <a:latin typeface="Arial" panose="020B0604020202020204" pitchFamily="34" charset="0"/>
+                <a:ea typeface="ＭＳ Ｐゴシック" panose="020B0600070205080204" pitchFamily="50" charset="-128"/>
+              </a:defRPr>
+            </a:lvl7pPr>
+            <a:lvl8pPr marL="3429000" indent="-228600" eaLnBrk="0" fontAlgn="base" hangingPunct="0">
+              <a:spcBef>
+                <a:spcPct val="20000"/>
+              </a:spcBef>
+              <a:spcAft>
+                <a:spcPct val="0"/>
+              </a:spcAft>
+              <a:buChar char="»"/>
+              <a:defRPr kumimoji="1" sz="2000">
+                <a:solidFill>
+                  <a:srgbClr val="4D4D4D"/>
+                </a:solidFill>
+                <a:latin typeface="Arial" panose="020B0604020202020204" pitchFamily="34" charset="0"/>
+                <a:ea typeface="ＭＳ Ｐゴシック" panose="020B0600070205080204" pitchFamily="50" charset="-128"/>
+              </a:defRPr>
+            </a:lvl8pPr>
+            <a:lvl9pPr marL="3886200" indent="-228600" eaLnBrk="0" fontAlgn="base" hangingPunct="0">
+              <a:spcBef>
+                <a:spcPct val="20000"/>
+              </a:spcBef>
+              <a:spcAft>
+                <a:spcPct val="0"/>
+              </a:spcAft>
+              <a:buChar char="»"/>
+              <a:defRPr kumimoji="1" sz="2000">
+                <a:solidFill>
+                  <a:srgbClr val="4D4D4D"/>
+                </a:solidFill>
+                <a:latin typeface="Arial" panose="020B0604020202020204" pitchFamily="34" charset="0"/>
+                <a:ea typeface="ＭＳ Ｐゴシック" panose="020B0600070205080204" pitchFamily="50" charset="-128"/>
+              </a:defRPr>
+            </a:lvl9pPr>
+          </a:lstStyle>
+          <a:p>
+            <a:pPr>
+              <a:spcBef>
+                <a:spcPct val="0"/>
+              </a:spcBef>
+              <a:buFontTx/>
+              <a:buNone/>
+            </a:pPr>
+            <a:fld id="{4FE1D555-3DC6-4367-B753-E8D069197371}" type="slidenum">
+              <a:rPr lang="en-US" altLang="ja-JP" sz="1400" smtClean="0"/>
+              <a:pPr>
+                <a:spcBef>
+                  <a:spcPct val="0"/>
+                </a:spcBef>
+                <a:buFontTx/>
+                <a:buNone/>
+              </a:pPr>
+              <a:t>19</a:t>
+            </a:fld>
+            <a:endParaRPr lang="en-US" altLang="ja-JP" sz="1400"/>
+          </a:p>
+        </p:txBody>
+      </p:sp>
+      <p:sp>
+        <p:nvSpPr>
+          <p:cNvPr id="16387" name="スライド番号プレースホルダ 3">
+            <a:extLst>
+              <a:ext uri="{FF2B5EF4-FFF2-40B4-BE49-F238E27FC236}">
+                <a16:creationId xmlns:a16="http://schemas.microsoft.com/office/drawing/2014/main" id="{93EAFA60-A5BC-41B8-8491-E275E6185A85}"/>
+              </a:ext>
+            </a:extLst>
+          </p:cNvPr>
+          <p:cNvSpPr txBox="1">
+            <a:spLocks noGrp="1"/>
+          </p:cNvSpPr>
+          <p:nvPr/>
+        </p:nvSpPr>
+        <p:spPr bwMode="auto">
+          <a:xfrm>
+            <a:off x="7010400" y="6575425"/>
+            <a:ext cx="2133600" cy="503238"/>
+          </a:xfrm>
+          <a:prstGeom prst="rect">
+            <a:avLst/>
+          </a:prstGeom>
+          <a:noFill/>
+          <a:ln>
+            <a:noFill/>
+          </a:ln>
+          <a:extLst>
+            <a:ext uri="{909E8E84-426E-40DD-AFC4-6F175D3DCCD1}">
+              <a14:hiddenFill xmlns:a14="http://schemas.microsoft.com/office/drawing/2010/main">
+                <a:solidFill>
+                  <a:srgbClr val="FFFFFF"/>
+                </a:solidFill>
+              </a14:hiddenFill>
+            </a:ext>
+            <a:ext uri="{91240B29-F687-4F45-9708-019B960494DF}">
+              <a14:hiddenLine xmlns:a14="http://schemas.microsoft.com/office/drawing/2010/main" w="9525">
+                <a:solidFill>
+                  <a:srgbClr val="000000"/>
+                </a:solidFill>
+                <a:miter lim="800000"/>
+                <a:headEnd/>
+                <a:tailEnd/>
+              </a14:hiddenLine>
+            </a:ext>
+          </a:extLst>
+        </p:spPr>
+        <p:txBody>
+          <a:bodyPr/>
+          <a:lstStyle>
+            <a:lvl1pPr>
+              <a:spcBef>
+                <a:spcPct val="20000"/>
+              </a:spcBef>
+              <a:buChar char="•"/>
+              <a:defRPr kumimoji="1" sz="3200">
+                <a:solidFill>
+                  <a:srgbClr val="4D4D4D"/>
+                </a:solidFill>
+                <a:latin typeface="Arial" panose="020B0604020202020204" pitchFamily="34" charset="0"/>
+                <a:ea typeface="ＭＳ Ｐゴシック" panose="020B0600070205080204" pitchFamily="50" charset="-128"/>
+              </a:defRPr>
+            </a:lvl1pPr>
+            <a:lvl2pPr marL="742950" indent="-285750">
+              <a:spcBef>
+                <a:spcPct val="20000"/>
+              </a:spcBef>
+              <a:buChar char="–"/>
+              <a:defRPr kumimoji="1" sz="2800">
+                <a:solidFill>
+                  <a:srgbClr val="4D4D4D"/>
+                </a:solidFill>
+                <a:latin typeface="Arial" panose="020B0604020202020204" pitchFamily="34" charset="0"/>
+                <a:ea typeface="ＭＳ Ｐゴシック" panose="020B0600070205080204" pitchFamily="50" charset="-128"/>
+              </a:defRPr>
+            </a:lvl2pPr>
+            <a:lvl3pPr marL="1143000" indent="-228600">
+              <a:spcBef>
+                <a:spcPct val="20000"/>
+              </a:spcBef>
+              <a:buChar char="•"/>
+              <a:defRPr kumimoji="1" sz="2400">
+                <a:solidFill>
+                  <a:srgbClr val="4D4D4D"/>
+                </a:solidFill>
+                <a:latin typeface="Arial" panose="020B0604020202020204" pitchFamily="34" charset="0"/>
+                <a:ea typeface="ＭＳ Ｐゴシック" panose="020B0600070205080204" pitchFamily="50" charset="-128"/>
+              </a:defRPr>
+            </a:lvl3pPr>
+            <a:lvl4pPr marL="1600200" indent="-228600">
+              <a:spcBef>
+                <a:spcPct val="20000"/>
+              </a:spcBef>
+              <a:buChar char="–"/>
+              <a:defRPr kumimoji="1" sz="2000">
+                <a:solidFill>
+                  <a:srgbClr val="4D4D4D"/>
+                </a:solidFill>
+                <a:latin typeface="Arial" panose="020B0604020202020204" pitchFamily="34" charset="0"/>
+                <a:ea typeface="ＭＳ Ｐゴシック" panose="020B0600070205080204" pitchFamily="50" charset="-128"/>
+              </a:defRPr>
+            </a:lvl4pPr>
+            <a:lvl5pPr marL="2057400" indent="-228600">
+              <a:spcBef>
+                <a:spcPct val="20000"/>
+              </a:spcBef>
+              <a:buChar char="»"/>
+              <a:defRPr kumimoji="1" sz="2000">
+                <a:solidFill>
+                  <a:srgbClr val="4D4D4D"/>
+                </a:solidFill>
+                <a:latin typeface="Arial" panose="020B0604020202020204" pitchFamily="34" charset="0"/>
+                <a:ea typeface="ＭＳ Ｐゴシック" panose="020B0600070205080204" pitchFamily="50" charset="-128"/>
+              </a:defRPr>
+            </a:lvl5pPr>
+            <a:lvl6pPr marL="2514600" indent="-228600" eaLnBrk="0" fontAlgn="base" hangingPunct="0">
+              <a:spcBef>
+                <a:spcPct val="20000"/>
+              </a:spcBef>
+              <a:spcAft>
+                <a:spcPct val="0"/>
+              </a:spcAft>
+              <a:buChar char="»"/>
+              <a:defRPr kumimoji="1" sz="2000">
+                <a:solidFill>
+                  <a:srgbClr val="4D4D4D"/>
+                </a:solidFill>
+                <a:latin typeface="Arial" panose="020B0604020202020204" pitchFamily="34" charset="0"/>
+                <a:ea typeface="ＭＳ Ｐゴシック" panose="020B0600070205080204" pitchFamily="50" charset="-128"/>
+              </a:defRPr>
+            </a:lvl6pPr>
+            <a:lvl7pPr marL="2971800" indent="-228600" eaLnBrk="0" fontAlgn="base" hangingPunct="0">
+              <a:spcBef>
+                <a:spcPct val="20000"/>
+              </a:spcBef>
+              <a:spcAft>
+                <a:spcPct val="0"/>
+              </a:spcAft>
+              <a:buChar char="»"/>
+              <a:defRPr kumimoji="1" sz="2000">
+                <a:solidFill>
+                  <a:srgbClr val="4D4D4D"/>
+                </a:solidFill>
+                <a:latin typeface="Arial" panose="020B0604020202020204" pitchFamily="34" charset="0"/>
+                <a:ea typeface="ＭＳ Ｐゴシック" panose="020B0600070205080204" pitchFamily="50" charset="-128"/>
+              </a:defRPr>
+            </a:lvl7pPr>
+            <a:lvl8pPr marL="3429000" indent="-228600" eaLnBrk="0" fontAlgn="base" hangingPunct="0">
+              <a:spcBef>
+                <a:spcPct val="20000"/>
+              </a:spcBef>
+              <a:spcAft>
+                <a:spcPct val="0"/>
+              </a:spcAft>
+              <a:buChar char="»"/>
+              <a:defRPr kumimoji="1" sz="2000">
+                <a:solidFill>
+                  <a:srgbClr val="4D4D4D"/>
+                </a:solidFill>
+                <a:latin typeface="Arial" panose="020B0604020202020204" pitchFamily="34" charset="0"/>
+                <a:ea typeface="ＭＳ Ｐゴシック" panose="020B0600070205080204" pitchFamily="50" charset="-128"/>
+              </a:defRPr>
+            </a:lvl8pPr>
+            <a:lvl9pPr marL="3886200" indent="-228600" eaLnBrk="0" fontAlgn="base" hangingPunct="0">
+              <a:spcBef>
+                <a:spcPct val="20000"/>
+              </a:spcBef>
+              <a:spcAft>
+                <a:spcPct val="0"/>
+              </a:spcAft>
+              <a:buChar char="»"/>
+              <a:defRPr kumimoji="1" sz="2000">
+                <a:solidFill>
+                  <a:srgbClr val="4D4D4D"/>
+                </a:solidFill>
+                <a:latin typeface="Arial" panose="020B0604020202020204" pitchFamily="34" charset="0"/>
+                <a:ea typeface="ＭＳ Ｐゴシック" panose="020B0600070205080204" pitchFamily="50" charset="-128"/>
+              </a:defRPr>
+            </a:lvl9pPr>
+          </a:lstStyle>
+          <a:p>
+            <a:pPr algn="r" eaLnBrk="1" hangingPunct="1">
+              <a:spcBef>
+                <a:spcPct val="0"/>
+              </a:spcBef>
+              <a:buFontTx/>
+              <a:buNone/>
+            </a:pPr>
+            <a:fld id="{880BF4F5-E64B-4B1C-A9EC-D6B3627A7FBB}" type="slidenum">
+              <a:rPr lang="en-US" altLang="ja-JP" sz="1400"/>
+              <a:pPr algn="r" eaLnBrk="1" hangingPunct="1">
+                <a:spcBef>
+                  <a:spcPct val="0"/>
+                </a:spcBef>
+                <a:buFontTx/>
+                <a:buNone/>
+              </a:pPr>
+              <a:t>19</a:t>
             </a:fld>
             <a:endParaRPr lang="en-US" altLang="ja-JP" sz="1400"/>
           </a:p>
@@ -29357,7 +30847,855 @@
 </p:sld>
 </file>
 
-<file path=ppt/slides/slide19.xml><?xml version="1.0" encoding="utf-8"?>
+<file path=ppt/slides/slide2.xml><?xml version="1.0" encoding="utf-8"?>
+<p:sld xmlns:a="http://schemas.openxmlformats.org/drawingml/2006/main" xmlns:r="http://schemas.openxmlformats.org/officeDocument/2006/relationships" xmlns:p="http://schemas.openxmlformats.org/presentationml/2006/main">
+  <p:cSld>
+    <p:spTree>
+      <p:nvGrpSpPr>
+        <p:cNvPr id="1" name=""/>
+        <p:cNvGrpSpPr/>
+        <p:nvPr/>
+      </p:nvGrpSpPr>
+      <p:grpSpPr>
+        <a:xfrm>
+          <a:off x="0" y="0"/>
+          <a:ext cx="0" cy="0"/>
+          <a:chOff x="0" y="0"/>
+          <a:chExt cx="0" cy="0"/>
+        </a:xfrm>
+      </p:grpSpPr>
+      <p:sp>
+        <p:nvSpPr>
+          <p:cNvPr id="33794" name="スライド番号プレースホルダ 1">
+            <a:extLst>
+              <a:ext uri="{FF2B5EF4-FFF2-40B4-BE49-F238E27FC236}">
+                <a16:creationId xmlns:a16="http://schemas.microsoft.com/office/drawing/2014/main" id="{7568FBB6-8DA4-47DD-B135-F6DE63A2625A}"/>
+              </a:ext>
+            </a:extLst>
+          </p:cNvPr>
+          <p:cNvSpPr>
+            <a:spLocks noGrp="1"/>
+          </p:cNvSpPr>
+          <p:nvPr>
+            <p:ph type="sldNum" sz="quarter" idx="10"/>
+          </p:nvPr>
+        </p:nvSpPr>
+        <p:spPr>
+          <a:noFill/>
+          <a:ln/>
+          <a:extLst>
+            <a:ext uri="{909E8E84-426E-40DD-AFC4-6F175D3DCCD1}">
+              <a14:hiddenFill xmlns:a14="http://schemas.microsoft.com/office/drawing/2010/main">
+                <a:solidFill>
+                  <a:srgbClr val="FFFFFF"/>
+                </a:solidFill>
+              </a14:hiddenFill>
+            </a:ext>
+            <a:ext uri="{91240B29-F687-4F45-9708-019B960494DF}">
+              <a14:hiddenLine xmlns:a14="http://schemas.microsoft.com/office/drawing/2010/main" w="9525">
+                <a:solidFill>
+                  <a:srgbClr val="000000"/>
+                </a:solidFill>
+                <a:miter lim="800000"/>
+                <a:headEnd/>
+                <a:tailEnd/>
+              </a14:hiddenLine>
+            </a:ext>
+          </a:extLst>
+        </p:spPr>
+        <p:txBody>
+          <a:bodyPr/>
+          <a:lstStyle>
+            <a:lvl1pPr>
+              <a:spcBef>
+                <a:spcPct val="20000"/>
+              </a:spcBef>
+              <a:buChar char="•"/>
+              <a:defRPr kumimoji="1" sz="3200">
+                <a:solidFill>
+                  <a:srgbClr val="4D4D4D"/>
+                </a:solidFill>
+                <a:latin typeface="Arial" panose="020B0604020202020204" pitchFamily="34" charset="0"/>
+                <a:ea typeface="ＭＳ Ｐゴシック" panose="020B0600070205080204" pitchFamily="50" charset="-128"/>
+              </a:defRPr>
+            </a:lvl1pPr>
+            <a:lvl2pPr marL="742950" indent="-285750">
+              <a:spcBef>
+                <a:spcPct val="20000"/>
+              </a:spcBef>
+              <a:buChar char="–"/>
+              <a:defRPr kumimoji="1" sz="2800">
+                <a:solidFill>
+                  <a:srgbClr val="4D4D4D"/>
+                </a:solidFill>
+                <a:latin typeface="Arial" panose="020B0604020202020204" pitchFamily="34" charset="0"/>
+                <a:ea typeface="ＭＳ Ｐゴシック" panose="020B0600070205080204" pitchFamily="50" charset="-128"/>
+              </a:defRPr>
+            </a:lvl2pPr>
+            <a:lvl3pPr marL="1143000" indent="-228600">
+              <a:spcBef>
+                <a:spcPct val="20000"/>
+              </a:spcBef>
+              <a:buChar char="•"/>
+              <a:defRPr kumimoji="1" sz="2400">
+                <a:solidFill>
+                  <a:srgbClr val="4D4D4D"/>
+                </a:solidFill>
+                <a:latin typeface="Arial" panose="020B0604020202020204" pitchFamily="34" charset="0"/>
+                <a:ea typeface="ＭＳ Ｐゴシック" panose="020B0600070205080204" pitchFamily="50" charset="-128"/>
+              </a:defRPr>
+            </a:lvl3pPr>
+            <a:lvl4pPr marL="1600200" indent="-228600">
+              <a:spcBef>
+                <a:spcPct val="20000"/>
+              </a:spcBef>
+              <a:buChar char="–"/>
+              <a:defRPr kumimoji="1" sz="2000">
+                <a:solidFill>
+                  <a:srgbClr val="4D4D4D"/>
+                </a:solidFill>
+                <a:latin typeface="Arial" panose="020B0604020202020204" pitchFamily="34" charset="0"/>
+                <a:ea typeface="ＭＳ Ｐゴシック" panose="020B0600070205080204" pitchFamily="50" charset="-128"/>
+              </a:defRPr>
+            </a:lvl4pPr>
+            <a:lvl5pPr marL="2057400" indent="-228600">
+              <a:spcBef>
+                <a:spcPct val="20000"/>
+              </a:spcBef>
+              <a:buChar char="»"/>
+              <a:defRPr kumimoji="1" sz="2000">
+                <a:solidFill>
+                  <a:srgbClr val="4D4D4D"/>
+                </a:solidFill>
+                <a:latin typeface="Arial" panose="020B0604020202020204" pitchFamily="34" charset="0"/>
+                <a:ea typeface="ＭＳ Ｐゴシック" panose="020B0600070205080204" pitchFamily="50" charset="-128"/>
+              </a:defRPr>
+            </a:lvl5pPr>
+            <a:lvl6pPr marL="2514600" indent="-228600" eaLnBrk="0" fontAlgn="base" hangingPunct="0">
+              <a:spcBef>
+                <a:spcPct val="20000"/>
+              </a:spcBef>
+              <a:spcAft>
+                <a:spcPct val="0"/>
+              </a:spcAft>
+              <a:buChar char="»"/>
+              <a:defRPr kumimoji="1" sz="2000">
+                <a:solidFill>
+                  <a:srgbClr val="4D4D4D"/>
+                </a:solidFill>
+                <a:latin typeface="Arial" panose="020B0604020202020204" pitchFamily="34" charset="0"/>
+                <a:ea typeface="ＭＳ Ｐゴシック" panose="020B0600070205080204" pitchFamily="50" charset="-128"/>
+              </a:defRPr>
+            </a:lvl6pPr>
+            <a:lvl7pPr marL="2971800" indent="-228600" eaLnBrk="0" fontAlgn="base" hangingPunct="0">
+              <a:spcBef>
+                <a:spcPct val="20000"/>
+              </a:spcBef>
+              <a:spcAft>
+                <a:spcPct val="0"/>
+              </a:spcAft>
+              <a:buChar char="»"/>
+              <a:defRPr kumimoji="1" sz="2000">
+                <a:solidFill>
+                  <a:srgbClr val="4D4D4D"/>
+                </a:solidFill>
+                <a:latin typeface="Arial" panose="020B0604020202020204" pitchFamily="34" charset="0"/>
+                <a:ea typeface="ＭＳ Ｐゴシック" panose="020B0600070205080204" pitchFamily="50" charset="-128"/>
+              </a:defRPr>
+            </a:lvl7pPr>
+            <a:lvl8pPr marL="3429000" indent="-228600" eaLnBrk="0" fontAlgn="base" hangingPunct="0">
+              <a:spcBef>
+                <a:spcPct val="20000"/>
+              </a:spcBef>
+              <a:spcAft>
+                <a:spcPct val="0"/>
+              </a:spcAft>
+              <a:buChar char="»"/>
+              <a:defRPr kumimoji="1" sz="2000">
+                <a:solidFill>
+                  <a:srgbClr val="4D4D4D"/>
+                </a:solidFill>
+                <a:latin typeface="Arial" panose="020B0604020202020204" pitchFamily="34" charset="0"/>
+                <a:ea typeface="ＭＳ Ｐゴシック" panose="020B0600070205080204" pitchFamily="50" charset="-128"/>
+              </a:defRPr>
+            </a:lvl8pPr>
+            <a:lvl9pPr marL="3886200" indent="-228600" eaLnBrk="0" fontAlgn="base" hangingPunct="0">
+              <a:spcBef>
+                <a:spcPct val="20000"/>
+              </a:spcBef>
+              <a:spcAft>
+                <a:spcPct val="0"/>
+              </a:spcAft>
+              <a:buChar char="»"/>
+              <a:defRPr kumimoji="1" sz="2000">
+                <a:solidFill>
+                  <a:srgbClr val="4D4D4D"/>
+                </a:solidFill>
+                <a:latin typeface="Arial" panose="020B0604020202020204" pitchFamily="34" charset="0"/>
+                <a:ea typeface="ＭＳ Ｐゴシック" panose="020B0600070205080204" pitchFamily="50" charset="-128"/>
+              </a:defRPr>
+            </a:lvl9pPr>
+          </a:lstStyle>
+          <a:p>
+            <a:pPr>
+              <a:spcBef>
+                <a:spcPct val="0"/>
+              </a:spcBef>
+              <a:buFontTx/>
+              <a:buNone/>
+            </a:pPr>
+            <a:fld id="{D3DFCAD3-5EAF-4ECB-9C85-73FC14180B1B}" type="slidenum">
+              <a:rPr lang="en-US" altLang="ja-JP" sz="1400" smtClean="0"/>
+              <a:pPr>
+                <a:spcBef>
+                  <a:spcPct val="0"/>
+                </a:spcBef>
+                <a:buFontTx/>
+                <a:buNone/>
+              </a:pPr>
+              <a:t>2</a:t>
+            </a:fld>
+            <a:endParaRPr lang="en-US" altLang="ja-JP" sz="1400"/>
+          </a:p>
+        </p:txBody>
+      </p:sp>
+      <p:sp>
+        <p:nvSpPr>
+          <p:cNvPr id="33795" name="スライド番号プレースホルダ 3">
+            <a:extLst>
+              <a:ext uri="{FF2B5EF4-FFF2-40B4-BE49-F238E27FC236}">
+                <a16:creationId xmlns:a16="http://schemas.microsoft.com/office/drawing/2014/main" id="{8994AB2C-0CDC-494A-86F6-4333D543F992}"/>
+              </a:ext>
+            </a:extLst>
+          </p:cNvPr>
+          <p:cNvSpPr txBox="1">
+            <a:spLocks noGrp="1"/>
+          </p:cNvSpPr>
+          <p:nvPr/>
+        </p:nvSpPr>
+        <p:spPr bwMode="auto">
+          <a:xfrm>
+            <a:off x="7010400" y="6575425"/>
+            <a:ext cx="2133600" cy="503238"/>
+          </a:xfrm>
+          <a:prstGeom prst="rect">
+            <a:avLst/>
+          </a:prstGeom>
+          <a:noFill/>
+          <a:ln>
+            <a:noFill/>
+          </a:ln>
+          <a:extLst>
+            <a:ext uri="{909E8E84-426E-40DD-AFC4-6F175D3DCCD1}">
+              <a14:hiddenFill xmlns:a14="http://schemas.microsoft.com/office/drawing/2010/main">
+                <a:solidFill>
+                  <a:srgbClr val="FFFFFF"/>
+                </a:solidFill>
+              </a14:hiddenFill>
+            </a:ext>
+            <a:ext uri="{91240B29-F687-4F45-9708-019B960494DF}">
+              <a14:hiddenLine xmlns:a14="http://schemas.microsoft.com/office/drawing/2010/main" w="9525">
+                <a:solidFill>
+                  <a:srgbClr val="000000"/>
+                </a:solidFill>
+                <a:miter lim="800000"/>
+                <a:headEnd/>
+                <a:tailEnd/>
+              </a14:hiddenLine>
+            </a:ext>
+          </a:extLst>
+        </p:spPr>
+        <p:txBody>
+          <a:bodyPr/>
+          <a:lstStyle>
+            <a:lvl1pPr>
+              <a:spcBef>
+                <a:spcPct val="20000"/>
+              </a:spcBef>
+              <a:buChar char="•"/>
+              <a:defRPr kumimoji="1" sz="3200">
+                <a:solidFill>
+                  <a:srgbClr val="4D4D4D"/>
+                </a:solidFill>
+                <a:latin typeface="Arial" panose="020B0604020202020204" pitchFamily="34" charset="0"/>
+                <a:ea typeface="ＭＳ Ｐゴシック" panose="020B0600070205080204" pitchFamily="50" charset="-128"/>
+              </a:defRPr>
+            </a:lvl1pPr>
+            <a:lvl2pPr marL="742950" indent="-285750">
+              <a:spcBef>
+                <a:spcPct val="20000"/>
+              </a:spcBef>
+              <a:buChar char="–"/>
+              <a:defRPr kumimoji="1" sz="2800">
+                <a:solidFill>
+                  <a:srgbClr val="4D4D4D"/>
+                </a:solidFill>
+                <a:latin typeface="Arial" panose="020B0604020202020204" pitchFamily="34" charset="0"/>
+                <a:ea typeface="ＭＳ Ｐゴシック" panose="020B0600070205080204" pitchFamily="50" charset="-128"/>
+              </a:defRPr>
+            </a:lvl2pPr>
+            <a:lvl3pPr marL="1143000" indent="-228600">
+              <a:spcBef>
+                <a:spcPct val="20000"/>
+              </a:spcBef>
+              <a:buChar char="•"/>
+              <a:defRPr kumimoji="1" sz="2400">
+                <a:solidFill>
+                  <a:srgbClr val="4D4D4D"/>
+                </a:solidFill>
+                <a:latin typeface="Arial" panose="020B0604020202020204" pitchFamily="34" charset="0"/>
+                <a:ea typeface="ＭＳ Ｐゴシック" panose="020B0600070205080204" pitchFamily="50" charset="-128"/>
+              </a:defRPr>
+            </a:lvl3pPr>
+            <a:lvl4pPr marL="1600200" indent="-228600">
+              <a:spcBef>
+                <a:spcPct val="20000"/>
+              </a:spcBef>
+              <a:buChar char="–"/>
+              <a:defRPr kumimoji="1" sz="2000">
+                <a:solidFill>
+                  <a:srgbClr val="4D4D4D"/>
+                </a:solidFill>
+                <a:latin typeface="Arial" panose="020B0604020202020204" pitchFamily="34" charset="0"/>
+                <a:ea typeface="ＭＳ Ｐゴシック" panose="020B0600070205080204" pitchFamily="50" charset="-128"/>
+              </a:defRPr>
+            </a:lvl4pPr>
+            <a:lvl5pPr marL="2057400" indent="-228600">
+              <a:spcBef>
+                <a:spcPct val="20000"/>
+              </a:spcBef>
+              <a:buChar char="»"/>
+              <a:defRPr kumimoji="1" sz="2000">
+                <a:solidFill>
+                  <a:srgbClr val="4D4D4D"/>
+                </a:solidFill>
+                <a:latin typeface="Arial" panose="020B0604020202020204" pitchFamily="34" charset="0"/>
+                <a:ea typeface="ＭＳ Ｐゴシック" panose="020B0600070205080204" pitchFamily="50" charset="-128"/>
+              </a:defRPr>
+            </a:lvl5pPr>
+            <a:lvl6pPr marL="2514600" indent="-228600" eaLnBrk="0" fontAlgn="base" hangingPunct="0">
+              <a:spcBef>
+                <a:spcPct val="20000"/>
+              </a:spcBef>
+              <a:spcAft>
+                <a:spcPct val="0"/>
+              </a:spcAft>
+              <a:buChar char="»"/>
+              <a:defRPr kumimoji="1" sz="2000">
+                <a:solidFill>
+                  <a:srgbClr val="4D4D4D"/>
+                </a:solidFill>
+                <a:latin typeface="Arial" panose="020B0604020202020204" pitchFamily="34" charset="0"/>
+                <a:ea typeface="ＭＳ Ｐゴシック" panose="020B0600070205080204" pitchFamily="50" charset="-128"/>
+              </a:defRPr>
+            </a:lvl6pPr>
+            <a:lvl7pPr marL="2971800" indent="-228600" eaLnBrk="0" fontAlgn="base" hangingPunct="0">
+              <a:spcBef>
+                <a:spcPct val="20000"/>
+              </a:spcBef>
+              <a:spcAft>
+                <a:spcPct val="0"/>
+              </a:spcAft>
+              <a:buChar char="»"/>
+              <a:defRPr kumimoji="1" sz="2000">
+                <a:solidFill>
+                  <a:srgbClr val="4D4D4D"/>
+                </a:solidFill>
+                <a:latin typeface="Arial" panose="020B0604020202020204" pitchFamily="34" charset="0"/>
+                <a:ea typeface="ＭＳ Ｐゴシック" panose="020B0600070205080204" pitchFamily="50" charset="-128"/>
+              </a:defRPr>
+            </a:lvl7pPr>
+            <a:lvl8pPr marL="3429000" indent="-228600" eaLnBrk="0" fontAlgn="base" hangingPunct="0">
+              <a:spcBef>
+                <a:spcPct val="20000"/>
+              </a:spcBef>
+              <a:spcAft>
+                <a:spcPct val="0"/>
+              </a:spcAft>
+              <a:buChar char="»"/>
+              <a:defRPr kumimoji="1" sz="2000">
+                <a:solidFill>
+                  <a:srgbClr val="4D4D4D"/>
+                </a:solidFill>
+                <a:latin typeface="Arial" panose="020B0604020202020204" pitchFamily="34" charset="0"/>
+                <a:ea typeface="ＭＳ Ｐゴシック" panose="020B0600070205080204" pitchFamily="50" charset="-128"/>
+              </a:defRPr>
+            </a:lvl8pPr>
+            <a:lvl9pPr marL="3886200" indent="-228600" eaLnBrk="0" fontAlgn="base" hangingPunct="0">
+              <a:spcBef>
+                <a:spcPct val="20000"/>
+              </a:spcBef>
+              <a:spcAft>
+                <a:spcPct val="0"/>
+              </a:spcAft>
+              <a:buChar char="»"/>
+              <a:defRPr kumimoji="1" sz="2000">
+                <a:solidFill>
+                  <a:srgbClr val="4D4D4D"/>
+                </a:solidFill>
+                <a:latin typeface="Arial" panose="020B0604020202020204" pitchFamily="34" charset="0"/>
+                <a:ea typeface="ＭＳ Ｐゴシック" panose="020B0600070205080204" pitchFamily="50" charset="-128"/>
+              </a:defRPr>
+            </a:lvl9pPr>
+          </a:lstStyle>
+          <a:p>
+            <a:pPr algn="r" eaLnBrk="1" hangingPunct="1">
+              <a:spcBef>
+                <a:spcPct val="0"/>
+              </a:spcBef>
+              <a:buFontTx/>
+              <a:buNone/>
+            </a:pPr>
+            <a:fld id="{0116CBB6-B4B3-4CFD-9FA8-76C03B23F1F5}" type="slidenum">
+              <a:rPr lang="en-US" altLang="ja-JP" sz="1400"/>
+              <a:pPr algn="r" eaLnBrk="1" hangingPunct="1">
+                <a:spcBef>
+                  <a:spcPct val="0"/>
+                </a:spcBef>
+                <a:buFontTx/>
+                <a:buNone/>
+              </a:pPr>
+              <a:t>2</a:t>
+            </a:fld>
+            <a:endParaRPr lang="en-US" altLang="ja-JP" sz="1400"/>
+          </a:p>
+        </p:txBody>
+      </p:sp>
+      <p:sp>
+        <p:nvSpPr>
+          <p:cNvPr id="33796" name="Rectangle 11">
+            <a:extLst>
+              <a:ext uri="{FF2B5EF4-FFF2-40B4-BE49-F238E27FC236}">
+                <a16:creationId xmlns:a16="http://schemas.microsoft.com/office/drawing/2014/main" id="{7B992C39-B71F-45DE-89F0-FD55A8A41877}"/>
+              </a:ext>
+            </a:extLst>
+          </p:cNvPr>
+          <p:cNvSpPr>
+            <a:spLocks noGrp="1" noChangeArrowheads="1"/>
+          </p:cNvSpPr>
+          <p:nvPr>
+            <p:ph type="title" idx="4294967295"/>
+          </p:nvPr>
+        </p:nvSpPr>
+        <p:spPr>
+          <a:xfrm>
+            <a:off x="179388" y="403225"/>
+            <a:ext cx="8805862" cy="865188"/>
+          </a:xfrm>
+        </p:spPr>
+        <p:txBody>
+          <a:bodyPr/>
+          <a:lstStyle/>
+          <a:p>
+            <a:pPr eaLnBrk="1" hangingPunct="1"/>
+            <a:r>
+              <a:rPr lang="ja-JP" altLang="en-US">
+                <a:solidFill>
+                  <a:srgbClr val="5F5F5F"/>
+                </a:solidFill>
+              </a:rPr>
+              <a:t>資料</a:t>
+            </a:r>
+            <a:endParaRPr lang="en-US" altLang="ja-JP" dirty="0">
+              <a:solidFill>
+                <a:srgbClr val="5F5F5F"/>
+              </a:solidFill>
+            </a:endParaRPr>
+          </a:p>
+        </p:txBody>
+      </p:sp>
+      <p:sp>
+        <p:nvSpPr>
+          <p:cNvPr id="11" name="Rectangle 2">
+            <a:extLst>
+              <a:ext uri="{FF2B5EF4-FFF2-40B4-BE49-F238E27FC236}">
+                <a16:creationId xmlns:a16="http://schemas.microsoft.com/office/drawing/2014/main" id="{283FD7D2-5085-4A1F-83F5-A16BFBA4F88F}"/>
+              </a:ext>
+            </a:extLst>
+          </p:cNvPr>
+          <p:cNvSpPr txBox="1">
+            <a:spLocks noChangeArrowheads="1"/>
+          </p:cNvSpPr>
+          <p:nvPr/>
+        </p:nvSpPr>
+        <p:spPr bwMode="auto">
+          <a:xfrm>
+            <a:off x="180975" y="1274763"/>
+            <a:ext cx="8539163" cy="2609850"/>
+          </a:xfrm>
+          <a:prstGeom prst="rect">
+            <a:avLst/>
+          </a:prstGeom>
+          <a:noFill/>
+          <a:ln>
+            <a:noFill/>
+          </a:ln>
+          <a:extLst>
+            <a:ext uri="{909E8E84-426E-40DD-AFC4-6F175D3DCCD1}">
+              <a14:hiddenFill xmlns:a14="http://schemas.microsoft.com/office/drawing/2010/main">
+                <a:solidFill>
+                  <a:srgbClr val="FFFFFF"/>
+                </a:solidFill>
+              </a14:hiddenFill>
+            </a:ext>
+            <a:ext uri="{91240B29-F687-4F45-9708-019B960494DF}">
+              <a14:hiddenLine xmlns:a14="http://schemas.microsoft.com/office/drawing/2010/main" w="9525">
+                <a:solidFill>
+                  <a:srgbClr val="000000"/>
+                </a:solidFill>
+                <a:miter lim="800000"/>
+                <a:headEnd/>
+                <a:tailEnd/>
+              </a14:hiddenLine>
+            </a:ext>
+          </a:extLst>
+        </p:spPr>
+        <p:txBody>
+          <a:bodyPr/>
+          <a:lstStyle>
+            <a:lvl1pPr marL="342900" indent="-342900" algn="l" rtl="0" eaLnBrk="0" fontAlgn="base" hangingPunct="0">
+              <a:spcBef>
+                <a:spcPct val="20000"/>
+              </a:spcBef>
+              <a:spcAft>
+                <a:spcPct val="0"/>
+              </a:spcAft>
+              <a:buChar char="•"/>
+              <a:defRPr kumimoji="1" sz="3200">
+                <a:solidFill>
+                  <a:srgbClr val="4D4D4D"/>
+                </a:solidFill>
+                <a:latin typeface="+mn-lt"/>
+                <a:ea typeface="+mn-ea"/>
+                <a:cs typeface="+mn-cs"/>
+              </a:defRPr>
+            </a:lvl1pPr>
+            <a:lvl2pPr marL="742950" indent="-285750" algn="l" rtl="0" eaLnBrk="0" fontAlgn="base" hangingPunct="0">
+              <a:spcBef>
+                <a:spcPct val="20000"/>
+              </a:spcBef>
+              <a:spcAft>
+                <a:spcPct val="0"/>
+              </a:spcAft>
+              <a:buChar char="–"/>
+              <a:defRPr kumimoji="1" sz="2800">
+                <a:solidFill>
+                  <a:srgbClr val="4D4D4D"/>
+                </a:solidFill>
+                <a:latin typeface="+mn-lt"/>
+                <a:ea typeface="+mn-ea"/>
+              </a:defRPr>
+            </a:lvl2pPr>
+            <a:lvl3pPr marL="1143000" indent="-228600" algn="l" rtl="0" eaLnBrk="0" fontAlgn="base" hangingPunct="0">
+              <a:spcBef>
+                <a:spcPct val="20000"/>
+              </a:spcBef>
+              <a:spcAft>
+                <a:spcPct val="0"/>
+              </a:spcAft>
+              <a:buChar char="•"/>
+              <a:defRPr kumimoji="1" sz="2400">
+                <a:solidFill>
+                  <a:srgbClr val="4D4D4D"/>
+                </a:solidFill>
+                <a:latin typeface="+mn-lt"/>
+                <a:ea typeface="+mn-ea"/>
+              </a:defRPr>
+            </a:lvl3pPr>
+            <a:lvl4pPr marL="1600200" indent="-228600" algn="l" rtl="0" eaLnBrk="0" fontAlgn="base" hangingPunct="0">
+              <a:spcBef>
+                <a:spcPct val="20000"/>
+              </a:spcBef>
+              <a:spcAft>
+                <a:spcPct val="0"/>
+              </a:spcAft>
+              <a:buChar char="–"/>
+              <a:defRPr kumimoji="1" sz="2000">
+                <a:solidFill>
+                  <a:srgbClr val="4D4D4D"/>
+                </a:solidFill>
+                <a:latin typeface="+mn-lt"/>
+                <a:ea typeface="+mn-ea"/>
+              </a:defRPr>
+            </a:lvl4pPr>
+            <a:lvl5pPr marL="2057400" indent="-228600" algn="l" rtl="0" eaLnBrk="0" fontAlgn="base" hangingPunct="0">
+              <a:spcBef>
+                <a:spcPct val="20000"/>
+              </a:spcBef>
+              <a:spcAft>
+                <a:spcPct val="0"/>
+              </a:spcAft>
+              <a:buChar char="»"/>
+              <a:defRPr kumimoji="1" sz="2000">
+                <a:solidFill>
+                  <a:srgbClr val="4D4D4D"/>
+                </a:solidFill>
+                <a:latin typeface="+mn-lt"/>
+                <a:ea typeface="+mn-ea"/>
+              </a:defRPr>
+            </a:lvl5pPr>
+            <a:lvl6pPr marL="2514600" indent="-228600" algn="l" rtl="0" fontAlgn="base">
+              <a:spcBef>
+                <a:spcPct val="20000"/>
+              </a:spcBef>
+              <a:spcAft>
+                <a:spcPct val="0"/>
+              </a:spcAft>
+              <a:buChar char="»"/>
+              <a:defRPr kumimoji="1" sz="2000">
+                <a:solidFill>
+                  <a:srgbClr val="4D4D4D"/>
+                </a:solidFill>
+                <a:latin typeface="+mn-lt"/>
+                <a:ea typeface="+mn-ea"/>
+              </a:defRPr>
+            </a:lvl6pPr>
+            <a:lvl7pPr marL="2971800" indent="-228600" algn="l" rtl="0" fontAlgn="base">
+              <a:spcBef>
+                <a:spcPct val="20000"/>
+              </a:spcBef>
+              <a:spcAft>
+                <a:spcPct val="0"/>
+              </a:spcAft>
+              <a:buChar char="»"/>
+              <a:defRPr kumimoji="1" sz="2000">
+                <a:solidFill>
+                  <a:srgbClr val="4D4D4D"/>
+                </a:solidFill>
+                <a:latin typeface="+mn-lt"/>
+                <a:ea typeface="+mn-ea"/>
+              </a:defRPr>
+            </a:lvl7pPr>
+            <a:lvl8pPr marL="3429000" indent="-228600" algn="l" rtl="0" fontAlgn="base">
+              <a:spcBef>
+                <a:spcPct val="20000"/>
+              </a:spcBef>
+              <a:spcAft>
+                <a:spcPct val="0"/>
+              </a:spcAft>
+              <a:buChar char="»"/>
+              <a:defRPr kumimoji="1" sz="2000">
+                <a:solidFill>
+                  <a:srgbClr val="4D4D4D"/>
+                </a:solidFill>
+                <a:latin typeface="+mn-lt"/>
+                <a:ea typeface="+mn-ea"/>
+              </a:defRPr>
+            </a:lvl8pPr>
+            <a:lvl9pPr marL="3886200" indent="-228600" algn="l" rtl="0" fontAlgn="base">
+              <a:spcBef>
+                <a:spcPct val="20000"/>
+              </a:spcBef>
+              <a:spcAft>
+                <a:spcPct val="0"/>
+              </a:spcAft>
+              <a:buChar char="»"/>
+              <a:defRPr kumimoji="1" sz="2000">
+                <a:solidFill>
+                  <a:srgbClr val="4D4D4D"/>
+                </a:solidFill>
+                <a:latin typeface="+mn-lt"/>
+                <a:ea typeface="+mn-ea"/>
+              </a:defRPr>
+            </a:lvl9pPr>
+          </a:lstStyle>
+          <a:p>
+            <a:pPr eaLnBrk="1" hangingPunct="1">
+              <a:lnSpc>
+                <a:spcPct val="80000"/>
+              </a:lnSpc>
+              <a:defRPr/>
+            </a:pPr>
+            <a:r>
+              <a:rPr lang="ja-JP" altLang="en-US" sz="2000" kern="0" dirty="0">
+                <a:solidFill>
+                  <a:srgbClr val="5F5F5F"/>
+                </a:solidFill>
+              </a:rPr>
+              <a:t>配布資料の「</a:t>
+            </a:r>
+            <a:r>
+              <a:rPr lang="en-US" altLang="ja-JP" sz="2000" kern="0" dirty="0">
+                <a:solidFill>
+                  <a:srgbClr val="5F5F5F"/>
+                </a:solidFill>
+              </a:rPr>
+              <a:t> </a:t>
+            </a:r>
+            <a:r>
+              <a:rPr lang="en-US" altLang="ja-JP" sz="2000" kern="0" dirty="0" err="1">
+                <a:solidFill>
+                  <a:srgbClr val="5F5F5F"/>
+                </a:solidFill>
+              </a:rPr>
+              <a:t>WEBpage</a:t>
+            </a:r>
+            <a:r>
+              <a:rPr lang="en-US" altLang="ja-JP" sz="2000" kern="0" dirty="0">
+                <a:solidFill>
+                  <a:srgbClr val="5F5F5F"/>
+                </a:solidFill>
+              </a:rPr>
+              <a:t> </a:t>
+            </a:r>
+            <a:r>
+              <a:rPr lang="ja-JP" altLang="en-US" sz="2000" kern="0" dirty="0">
+                <a:solidFill>
+                  <a:srgbClr val="5F5F5F"/>
+                </a:solidFill>
+              </a:rPr>
+              <a:t>」の</a:t>
+            </a:r>
+            <a:r>
+              <a:rPr lang="en-US" altLang="ja-JP" sz="2000" kern="0" dirty="0">
+                <a:solidFill>
+                  <a:srgbClr val="5F5F5F"/>
+                </a:solidFill>
+              </a:rPr>
+              <a:t>HTML</a:t>
+            </a:r>
+            <a:r>
+              <a:rPr lang="ja-JP" altLang="en-US" sz="2000" kern="0" dirty="0">
+                <a:solidFill>
+                  <a:srgbClr val="5F5F5F"/>
+                </a:solidFill>
+              </a:rPr>
+              <a:t>ファイルを開く</a:t>
+            </a:r>
+            <a:endParaRPr lang="en-US" altLang="ja-JP" sz="2000" kern="0" dirty="0">
+              <a:solidFill>
+                <a:srgbClr val="5F5F5F"/>
+              </a:solidFill>
+            </a:endParaRPr>
+          </a:p>
+          <a:p>
+            <a:pPr lvl="1" eaLnBrk="1" hangingPunct="1">
+              <a:lnSpc>
+                <a:spcPct val="80000"/>
+              </a:lnSpc>
+              <a:defRPr/>
+            </a:pPr>
+            <a:r>
+              <a:rPr lang="en-US" altLang="ja-JP" sz="1600" kern="0" dirty="0" err="1">
+                <a:solidFill>
+                  <a:srgbClr val="5F5F5F"/>
+                </a:solidFill>
+              </a:rPr>
+              <a:t>Choreonoid</a:t>
+            </a:r>
+            <a:r>
+              <a:rPr lang="ja-JP" altLang="en-US" sz="1600" kern="0" dirty="0">
+                <a:solidFill>
+                  <a:srgbClr val="5F5F5F"/>
+                </a:solidFill>
+              </a:rPr>
+              <a:t>入門 </a:t>
+            </a:r>
+            <a:r>
+              <a:rPr lang="en-US" altLang="ja-JP" sz="1600" kern="0" dirty="0">
+                <a:solidFill>
+                  <a:srgbClr val="5F5F5F"/>
+                </a:solidFill>
+              </a:rPr>
+              <a:t>_ OpenRTM-aist.html</a:t>
+            </a:r>
+          </a:p>
+          <a:p>
+            <a:pPr lvl="1" eaLnBrk="1" hangingPunct="1">
+              <a:lnSpc>
+                <a:spcPct val="80000"/>
+              </a:lnSpc>
+              <a:defRPr/>
+            </a:pPr>
+            <a:endParaRPr lang="en-US" altLang="ja-JP" sz="1600" kern="0" dirty="0">
+              <a:solidFill>
+                <a:srgbClr val="5F5F5F"/>
+              </a:solidFill>
+            </a:endParaRPr>
+          </a:p>
+          <a:p>
+            <a:pPr eaLnBrk="1" hangingPunct="1">
+              <a:lnSpc>
+                <a:spcPct val="80000"/>
+              </a:lnSpc>
+              <a:defRPr/>
+            </a:pPr>
+            <a:r>
+              <a:rPr lang="ja-JP" altLang="en-US" sz="2000" kern="0" dirty="0">
+                <a:solidFill>
+                  <a:srgbClr val="5F5F5F"/>
+                </a:solidFill>
+              </a:rPr>
+              <a:t>もしくは以下のリンク</a:t>
+            </a:r>
+            <a:endParaRPr lang="en-US" altLang="ja-JP" sz="2000" kern="0" dirty="0">
+              <a:solidFill>
+                <a:srgbClr val="5F5F5F"/>
+              </a:solidFill>
+            </a:endParaRPr>
+          </a:p>
+          <a:p>
+            <a:pPr lvl="1" eaLnBrk="1" hangingPunct="1">
+              <a:lnSpc>
+                <a:spcPct val="80000"/>
+              </a:lnSpc>
+              <a:defRPr/>
+            </a:pPr>
+            <a:r>
+              <a:rPr lang="en-US" altLang="ja-JP" sz="1600" kern="0" dirty="0">
+                <a:solidFill>
+                  <a:srgbClr val="5F5F5F"/>
+                </a:solidFill>
+              </a:rPr>
+              <a:t>https://openrtm.org/openrtm/ja/node/7150</a:t>
+            </a:r>
+          </a:p>
+        </p:txBody>
+      </p:sp>
+      <p:pic>
+        <p:nvPicPr>
+          <p:cNvPr id="4" name="図 3">
+            <a:extLst>
+              <a:ext uri="{FF2B5EF4-FFF2-40B4-BE49-F238E27FC236}">
+                <a16:creationId xmlns:a16="http://schemas.microsoft.com/office/drawing/2014/main" id="{038112BE-E6A1-41F3-84E4-D7D1F2E2B414}"/>
+              </a:ext>
+            </a:extLst>
+          </p:cNvPr>
+          <p:cNvPicPr>
+            <a:picLocks noChangeAspect="1"/>
+          </p:cNvPicPr>
+          <p:nvPr/>
+        </p:nvPicPr>
+        <p:blipFill>
+          <a:blip r:embed="rId3"/>
+          <a:stretch>
+            <a:fillRect/>
+          </a:stretch>
+        </p:blipFill>
+        <p:spPr>
+          <a:xfrm>
+            <a:off x="2906815" y="3023955"/>
+            <a:ext cx="5940660" cy="3649880"/>
+          </a:xfrm>
+          <a:prstGeom prst="rect">
+            <a:avLst/>
+          </a:prstGeom>
+        </p:spPr>
+      </p:pic>
+    </p:spTree>
+    <p:extLst>
+      <p:ext uri="{BB962C8B-B14F-4D97-AF65-F5344CB8AC3E}">
+        <p14:creationId xmlns:p14="http://schemas.microsoft.com/office/powerpoint/2010/main" val="3194656544"/>
+      </p:ext>
+    </p:extLst>
+  </p:cSld>
+  <p:clrMapOvr>
+    <a:masterClrMapping/>
+  </p:clrMapOvr>
+</p:sld>
+</file>
+
+<file path=ppt/slides/slide20.xml><?xml version="1.0" encoding="utf-8"?>
 <p:sld xmlns:a="http://schemas.openxmlformats.org/drawingml/2006/main" xmlns:r="http://schemas.openxmlformats.org/officeDocument/2006/relationships" xmlns:p="http://schemas.openxmlformats.org/presentationml/2006/main">
   <p:cSld>
     <p:spTree>
@@ -29563,7 +31901,7 @@
                 <a:buFontTx/>
                 <a:buNone/>
               </a:pPr>
-              <a:t>19</a:t>
+              <a:t>20</a:t>
             </a:fld>
             <a:endParaRPr lang="en-US" altLang="ja-JP" sz="1400"/>
           </a:p>
@@ -29765,7 +32103,7 @@
                 <a:buFontTx/>
                 <a:buNone/>
               </a:pPr>
-              <a:t>19</a:t>
+              <a:t>20</a:t>
             </a:fld>
             <a:endParaRPr lang="en-US" altLang="ja-JP" sz="1400"/>
           </a:p>
@@ -31075,855 +33413,7 @@
 </p:sld>
 </file>
 
-<file path=ppt/slides/slide2.xml><?xml version="1.0" encoding="utf-8"?>
-<p:sld xmlns:a="http://schemas.openxmlformats.org/drawingml/2006/main" xmlns:r="http://schemas.openxmlformats.org/officeDocument/2006/relationships" xmlns:p="http://schemas.openxmlformats.org/presentationml/2006/main">
-  <p:cSld>
-    <p:spTree>
-      <p:nvGrpSpPr>
-        <p:cNvPr id="1" name=""/>
-        <p:cNvGrpSpPr/>
-        <p:nvPr/>
-      </p:nvGrpSpPr>
-      <p:grpSpPr>
-        <a:xfrm>
-          <a:off x="0" y="0"/>
-          <a:ext cx="0" cy="0"/>
-          <a:chOff x="0" y="0"/>
-          <a:chExt cx="0" cy="0"/>
-        </a:xfrm>
-      </p:grpSpPr>
-      <p:sp>
-        <p:nvSpPr>
-          <p:cNvPr id="33794" name="スライド番号プレースホルダ 1">
-            <a:extLst>
-              <a:ext uri="{FF2B5EF4-FFF2-40B4-BE49-F238E27FC236}">
-                <a16:creationId xmlns:a16="http://schemas.microsoft.com/office/drawing/2014/main" id="{7568FBB6-8DA4-47DD-B135-F6DE63A2625A}"/>
-              </a:ext>
-            </a:extLst>
-          </p:cNvPr>
-          <p:cNvSpPr>
-            <a:spLocks noGrp="1"/>
-          </p:cNvSpPr>
-          <p:nvPr>
-            <p:ph type="sldNum" sz="quarter" idx="10"/>
-          </p:nvPr>
-        </p:nvSpPr>
-        <p:spPr>
-          <a:noFill/>
-          <a:ln/>
-          <a:extLst>
-            <a:ext uri="{909E8E84-426E-40DD-AFC4-6F175D3DCCD1}">
-              <a14:hiddenFill xmlns:a14="http://schemas.microsoft.com/office/drawing/2010/main">
-                <a:solidFill>
-                  <a:srgbClr val="FFFFFF"/>
-                </a:solidFill>
-              </a14:hiddenFill>
-            </a:ext>
-            <a:ext uri="{91240B29-F687-4F45-9708-019B960494DF}">
-              <a14:hiddenLine xmlns:a14="http://schemas.microsoft.com/office/drawing/2010/main" w="9525">
-                <a:solidFill>
-                  <a:srgbClr val="000000"/>
-                </a:solidFill>
-                <a:miter lim="800000"/>
-                <a:headEnd/>
-                <a:tailEnd/>
-              </a14:hiddenLine>
-            </a:ext>
-          </a:extLst>
-        </p:spPr>
-        <p:txBody>
-          <a:bodyPr/>
-          <a:lstStyle>
-            <a:lvl1pPr>
-              <a:spcBef>
-                <a:spcPct val="20000"/>
-              </a:spcBef>
-              <a:buChar char="•"/>
-              <a:defRPr kumimoji="1" sz="3200">
-                <a:solidFill>
-                  <a:srgbClr val="4D4D4D"/>
-                </a:solidFill>
-                <a:latin typeface="Arial" panose="020B0604020202020204" pitchFamily="34" charset="0"/>
-                <a:ea typeface="ＭＳ Ｐゴシック" panose="020B0600070205080204" pitchFamily="50" charset="-128"/>
-              </a:defRPr>
-            </a:lvl1pPr>
-            <a:lvl2pPr marL="742950" indent="-285750">
-              <a:spcBef>
-                <a:spcPct val="20000"/>
-              </a:spcBef>
-              <a:buChar char="–"/>
-              <a:defRPr kumimoji="1" sz="2800">
-                <a:solidFill>
-                  <a:srgbClr val="4D4D4D"/>
-                </a:solidFill>
-                <a:latin typeface="Arial" panose="020B0604020202020204" pitchFamily="34" charset="0"/>
-                <a:ea typeface="ＭＳ Ｐゴシック" panose="020B0600070205080204" pitchFamily="50" charset="-128"/>
-              </a:defRPr>
-            </a:lvl2pPr>
-            <a:lvl3pPr marL="1143000" indent="-228600">
-              <a:spcBef>
-                <a:spcPct val="20000"/>
-              </a:spcBef>
-              <a:buChar char="•"/>
-              <a:defRPr kumimoji="1" sz="2400">
-                <a:solidFill>
-                  <a:srgbClr val="4D4D4D"/>
-                </a:solidFill>
-                <a:latin typeface="Arial" panose="020B0604020202020204" pitchFamily="34" charset="0"/>
-                <a:ea typeface="ＭＳ Ｐゴシック" panose="020B0600070205080204" pitchFamily="50" charset="-128"/>
-              </a:defRPr>
-            </a:lvl3pPr>
-            <a:lvl4pPr marL="1600200" indent="-228600">
-              <a:spcBef>
-                <a:spcPct val="20000"/>
-              </a:spcBef>
-              <a:buChar char="–"/>
-              <a:defRPr kumimoji="1" sz="2000">
-                <a:solidFill>
-                  <a:srgbClr val="4D4D4D"/>
-                </a:solidFill>
-                <a:latin typeface="Arial" panose="020B0604020202020204" pitchFamily="34" charset="0"/>
-                <a:ea typeface="ＭＳ Ｐゴシック" panose="020B0600070205080204" pitchFamily="50" charset="-128"/>
-              </a:defRPr>
-            </a:lvl4pPr>
-            <a:lvl5pPr marL="2057400" indent="-228600">
-              <a:spcBef>
-                <a:spcPct val="20000"/>
-              </a:spcBef>
-              <a:buChar char="»"/>
-              <a:defRPr kumimoji="1" sz="2000">
-                <a:solidFill>
-                  <a:srgbClr val="4D4D4D"/>
-                </a:solidFill>
-                <a:latin typeface="Arial" panose="020B0604020202020204" pitchFamily="34" charset="0"/>
-                <a:ea typeface="ＭＳ Ｐゴシック" panose="020B0600070205080204" pitchFamily="50" charset="-128"/>
-              </a:defRPr>
-            </a:lvl5pPr>
-            <a:lvl6pPr marL="2514600" indent="-228600" eaLnBrk="0" fontAlgn="base" hangingPunct="0">
-              <a:spcBef>
-                <a:spcPct val="20000"/>
-              </a:spcBef>
-              <a:spcAft>
-                <a:spcPct val="0"/>
-              </a:spcAft>
-              <a:buChar char="»"/>
-              <a:defRPr kumimoji="1" sz="2000">
-                <a:solidFill>
-                  <a:srgbClr val="4D4D4D"/>
-                </a:solidFill>
-                <a:latin typeface="Arial" panose="020B0604020202020204" pitchFamily="34" charset="0"/>
-                <a:ea typeface="ＭＳ Ｐゴシック" panose="020B0600070205080204" pitchFamily="50" charset="-128"/>
-              </a:defRPr>
-            </a:lvl6pPr>
-            <a:lvl7pPr marL="2971800" indent="-228600" eaLnBrk="0" fontAlgn="base" hangingPunct="0">
-              <a:spcBef>
-                <a:spcPct val="20000"/>
-              </a:spcBef>
-              <a:spcAft>
-                <a:spcPct val="0"/>
-              </a:spcAft>
-              <a:buChar char="»"/>
-              <a:defRPr kumimoji="1" sz="2000">
-                <a:solidFill>
-                  <a:srgbClr val="4D4D4D"/>
-                </a:solidFill>
-                <a:latin typeface="Arial" panose="020B0604020202020204" pitchFamily="34" charset="0"/>
-                <a:ea typeface="ＭＳ Ｐゴシック" panose="020B0600070205080204" pitchFamily="50" charset="-128"/>
-              </a:defRPr>
-            </a:lvl7pPr>
-            <a:lvl8pPr marL="3429000" indent="-228600" eaLnBrk="0" fontAlgn="base" hangingPunct="0">
-              <a:spcBef>
-                <a:spcPct val="20000"/>
-              </a:spcBef>
-              <a:spcAft>
-                <a:spcPct val="0"/>
-              </a:spcAft>
-              <a:buChar char="»"/>
-              <a:defRPr kumimoji="1" sz="2000">
-                <a:solidFill>
-                  <a:srgbClr val="4D4D4D"/>
-                </a:solidFill>
-                <a:latin typeface="Arial" panose="020B0604020202020204" pitchFamily="34" charset="0"/>
-                <a:ea typeface="ＭＳ Ｐゴシック" panose="020B0600070205080204" pitchFamily="50" charset="-128"/>
-              </a:defRPr>
-            </a:lvl8pPr>
-            <a:lvl9pPr marL="3886200" indent="-228600" eaLnBrk="0" fontAlgn="base" hangingPunct="0">
-              <a:spcBef>
-                <a:spcPct val="20000"/>
-              </a:spcBef>
-              <a:spcAft>
-                <a:spcPct val="0"/>
-              </a:spcAft>
-              <a:buChar char="»"/>
-              <a:defRPr kumimoji="1" sz="2000">
-                <a:solidFill>
-                  <a:srgbClr val="4D4D4D"/>
-                </a:solidFill>
-                <a:latin typeface="Arial" panose="020B0604020202020204" pitchFamily="34" charset="0"/>
-                <a:ea typeface="ＭＳ Ｐゴシック" panose="020B0600070205080204" pitchFamily="50" charset="-128"/>
-              </a:defRPr>
-            </a:lvl9pPr>
-          </a:lstStyle>
-          <a:p>
-            <a:pPr>
-              <a:spcBef>
-                <a:spcPct val="0"/>
-              </a:spcBef>
-              <a:buFontTx/>
-              <a:buNone/>
-            </a:pPr>
-            <a:fld id="{D3DFCAD3-5EAF-4ECB-9C85-73FC14180B1B}" type="slidenum">
-              <a:rPr lang="en-US" altLang="ja-JP" sz="1400" smtClean="0"/>
-              <a:pPr>
-                <a:spcBef>
-                  <a:spcPct val="0"/>
-                </a:spcBef>
-                <a:buFontTx/>
-                <a:buNone/>
-              </a:pPr>
-              <a:t>2</a:t>
-            </a:fld>
-            <a:endParaRPr lang="en-US" altLang="ja-JP" sz="1400"/>
-          </a:p>
-        </p:txBody>
-      </p:sp>
-      <p:sp>
-        <p:nvSpPr>
-          <p:cNvPr id="33795" name="スライド番号プレースホルダ 3">
-            <a:extLst>
-              <a:ext uri="{FF2B5EF4-FFF2-40B4-BE49-F238E27FC236}">
-                <a16:creationId xmlns:a16="http://schemas.microsoft.com/office/drawing/2014/main" id="{8994AB2C-0CDC-494A-86F6-4333D543F992}"/>
-              </a:ext>
-            </a:extLst>
-          </p:cNvPr>
-          <p:cNvSpPr txBox="1">
-            <a:spLocks noGrp="1"/>
-          </p:cNvSpPr>
-          <p:nvPr/>
-        </p:nvSpPr>
-        <p:spPr bwMode="auto">
-          <a:xfrm>
-            <a:off x="7010400" y="6575425"/>
-            <a:ext cx="2133600" cy="503238"/>
-          </a:xfrm>
-          <a:prstGeom prst="rect">
-            <a:avLst/>
-          </a:prstGeom>
-          <a:noFill/>
-          <a:ln>
-            <a:noFill/>
-          </a:ln>
-          <a:extLst>
-            <a:ext uri="{909E8E84-426E-40DD-AFC4-6F175D3DCCD1}">
-              <a14:hiddenFill xmlns:a14="http://schemas.microsoft.com/office/drawing/2010/main">
-                <a:solidFill>
-                  <a:srgbClr val="FFFFFF"/>
-                </a:solidFill>
-              </a14:hiddenFill>
-            </a:ext>
-            <a:ext uri="{91240B29-F687-4F45-9708-019B960494DF}">
-              <a14:hiddenLine xmlns:a14="http://schemas.microsoft.com/office/drawing/2010/main" w="9525">
-                <a:solidFill>
-                  <a:srgbClr val="000000"/>
-                </a:solidFill>
-                <a:miter lim="800000"/>
-                <a:headEnd/>
-                <a:tailEnd/>
-              </a14:hiddenLine>
-            </a:ext>
-          </a:extLst>
-        </p:spPr>
-        <p:txBody>
-          <a:bodyPr/>
-          <a:lstStyle>
-            <a:lvl1pPr>
-              <a:spcBef>
-                <a:spcPct val="20000"/>
-              </a:spcBef>
-              <a:buChar char="•"/>
-              <a:defRPr kumimoji="1" sz="3200">
-                <a:solidFill>
-                  <a:srgbClr val="4D4D4D"/>
-                </a:solidFill>
-                <a:latin typeface="Arial" panose="020B0604020202020204" pitchFamily="34" charset="0"/>
-                <a:ea typeface="ＭＳ Ｐゴシック" panose="020B0600070205080204" pitchFamily="50" charset="-128"/>
-              </a:defRPr>
-            </a:lvl1pPr>
-            <a:lvl2pPr marL="742950" indent="-285750">
-              <a:spcBef>
-                <a:spcPct val="20000"/>
-              </a:spcBef>
-              <a:buChar char="–"/>
-              <a:defRPr kumimoji="1" sz="2800">
-                <a:solidFill>
-                  <a:srgbClr val="4D4D4D"/>
-                </a:solidFill>
-                <a:latin typeface="Arial" panose="020B0604020202020204" pitchFamily="34" charset="0"/>
-                <a:ea typeface="ＭＳ Ｐゴシック" panose="020B0600070205080204" pitchFamily="50" charset="-128"/>
-              </a:defRPr>
-            </a:lvl2pPr>
-            <a:lvl3pPr marL="1143000" indent="-228600">
-              <a:spcBef>
-                <a:spcPct val="20000"/>
-              </a:spcBef>
-              <a:buChar char="•"/>
-              <a:defRPr kumimoji="1" sz="2400">
-                <a:solidFill>
-                  <a:srgbClr val="4D4D4D"/>
-                </a:solidFill>
-                <a:latin typeface="Arial" panose="020B0604020202020204" pitchFamily="34" charset="0"/>
-                <a:ea typeface="ＭＳ Ｐゴシック" panose="020B0600070205080204" pitchFamily="50" charset="-128"/>
-              </a:defRPr>
-            </a:lvl3pPr>
-            <a:lvl4pPr marL="1600200" indent="-228600">
-              <a:spcBef>
-                <a:spcPct val="20000"/>
-              </a:spcBef>
-              <a:buChar char="–"/>
-              <a:defRPr kumimoji="1" sz="2000">
-                <a:solidFill>
-                  <a:srgbClr val="4D4D4D"/>
-                </a:solidFill>
-                <a:latin typeface="Arial" panose="020B0604020202020204" pitchFamily="34" charset="0"/>
-                <a:ea typeface="ＭＳ Ｐゴシック" panose="020B0600070205080204" pitchFamily="50" charset="-128"/>
-              </a:defRPr>
-            </a:lvl4pPr>
-            <a:lvl5pPr marL="2057400" indent="-228600">
-              <a:spcBef>
-                <a:spcPct val="20000"/>
-              </a:spcBef>
-              <a:buChar char="»"/>
-              <a:defRPr kumimoji="1" sz="2000">
-                <a:solidFill>
-                  <a:srgbClr val="4D4D4D"/>
-                </a:solidFill>
-                <a:latin typeface="Arial" panose="020B0604020202020204" pitchFamily="34" charset="0"/>
-                <a:ea typeface="ＭＳ Ｐゴシック" panose="020B0600070205080204" pitchFamily="50" charset="-128"/>
-              </a:defRPr>
-            </a:lvl5pPr>
-            <a:lvl6pPr marL="2514600" indent="-228600" eaLnBrk="0" fontAlgn="base" hangingPunct="0">
-              <a:spcBef>
-                <a:spcPct val="20000"/>
-              </a:spcBef>
-              <a:spcAft>
-                <a:spcPct val="0"/>
-              </a:spcAft>
-              <a:buChar char="»"/>
-              <a:defRPr kumimoji="1" sz="2000">
-                <a:solidFill>
-                  <a:srgbClr val="4D4D4D"/>
-                </a:solidFill>
-                <a:latin typeface="Arial" panose="020B0604020202020204" pitchFamily="34" charset="0"/>
-                <a:ea typeface="ＭＳ Ｐゴシック" panose="020B0600070205080204" pitchFamily="50" charset="-128"/>
-              </a:defRPr>
-            </a:lvl6pPr>
-            <a:lvl7pPr marL="2971800" indent="-228600" eaLnBrk="0" fontAlgn="base" hangingPunct="0">
-              <a:spcBef>
-                <a:spcPct val="20000"/>
-              </a:spcBef>
-              <a:spcAft>
-                <a:spcPct val="0"/>
-              </a:spcAft>
-              <a:buChar char="»"/>
-              <a:defRPr kumimoji="1" sz="2000">
-                <a:solidFill>
-                  <a:srgbClr val="4D4D4D"/>
-                </a:solidFill>
-                <a:latin typeface="Arial" panose="020B0604020202020204" pitchFamily="34" charset="0"/>
-                <a:ea typeface="ＭＳ Ｐゴシック" panose="020B0600070205080204" pitchFamily="50" charset="-128"/>
-              </a:defRPr>
-            </a:lvl7pPr>
-            <a:lvl8pPr marL="3429000" indent="-228600" eaLnBrk="0" fontAlgn="base" hangingPunct="0">
-              <a:spcBef>
-                <a:spcPct val="20000"/>
-              </a:spcBef>
-              <a:spcAft>
-                <a:spcPct val="0"/>
-              </a:spcAft>
-              <a:buChar char="»"/>
-              <a:defRPr kumimoji="1" sz="2000">
-                <a:solidFill>
-                  <a:srgbClr val="4D4D4D"/>
-                </a:solidFill>
-                <a:latin typeface="Arial" panose="020B0604020202020204" pitchFamily="34" charset="0"/>
-                <a:ea typeface="ＭＳ Ｐゴシック" panose="020B0600070205080204" pitchFamily="50" charset="-128"/>
-              </a:defRPr>
-            </a:lvl8pPr>
-            <a:lvl9pPr marL="3886200" indent="-228600" eaLnBrk="0" fontAlgn="base" hangingPunct="0">
-              <a:spcBef>
-                <a:spcPct val="20000"/>
-              </a:spcBef>
-              <a:spcAft>
-                <a:spcPct val="0"/>
-              </a:spcAft>
-              <a:buChar char="»"/>
-              <a:defRPr kumimoji="1" sz="2000">
-                <a:solidFill>
-                  <a:srgbClr val="4D4D4D"/>
-                </a:solidFill>
-                <a:latin typeface="Arial" panose="020B0604020202020204" pitchFamily="34" charset="0"/>
-                <a:ea typeface="ＭＳ Ｐゴシック" panose="020B0600070205080204" pitchFamily="50" charset="-128"/>
-              </a:defRPr>
-            </a:lvl9pPr>
-          </a:lstStyle>
-          <a:p>
-            <a:pPr algn="r" eaLnBrk="1" hangingPunct="1">
-              <a:spcBef>
-                <a:spcPct val="0"/>
-              </a:spcBef>
-              <a:buFontTx/>
-              <a:buNone/>
-            </a:pPr>
-            <a:fld id="{0116CBB6-B4B3-4CFD-9FA8-76C03B23F1F5}" type="slidenum">
-              <a:rPr lang="en-US" altLang="ja-JP" sz="1400"/>
-              <a:pPr algn="r" eaLnBrk="1" hangingPunct="1">
-                <a:spcBef>
-                  <a:spcPct val="0"/>
-                </a:spcBef>
-                <a:buFontTx/>
-                <a:buNone/>
-              </a:pPr>
-              <a:t>2</a:t>
-            </a:fld>
-            <a:endParaRPr lang="en-US" altLang="ja-JP" sz="1400"/>
-          </a:p>
-        </p:txBody>
-      </p:sp>
-      <p:sp>
-        <p:nvSpPr>
-          <p:cNvPr id="33796" name="Rectangle 11">
-            <a:extLst>
-              <a:ext uri="{FF2B5EF4-FFF2-40B4-BE49-F238E27FC236}">
-                <a16:creationId xmlns:a16="http://schemas.microsoft.com/office/drawing/2014/main" id="{7B992C39-B71F-45DE-89F0-FD55A8A41877}"/>
-              </a:ext>
-            </a:extLst>
-          </p:cNvPr>
-          <p:cNvSpPr>
-            <a:spLocks noGrp="1" noChangeArrowheads="1"/>
-          </p:cNvSpPr>
-          <p:nvPr>
-            <p:ph type="title" idx="4294967295"/>
-          </p:nvPr>
-        </p:nvSpPr>
-        <p:spPr>
-          <a:xfrm>
-            <a:off x="179388" y="403225"/>
-            <a:ext cx="8805862" cy="865188"/>
-          </a:xfrm>
-        </p:spPr>
-        <p:txBody>
-          <a:bodyPr/>
-          <a:lstStyle/>
-          <a:p>
-            <a:pPr eaLnBrk="1" hangingPunct="1"/>
-            <a:r>
-              <a:rPr lang="ja-JP" altLang="en-US">
-                <a:solidFill>
-                  <a:srgbClr val="5F5F5F"/>
-                </a:solidFill>
-              </a:rPr>
-              <a:t>資料</a:t>
-            </a:r>
-            <a:endParaRPr lang="en-US" altLang="ja-JP" dirty="0">
-              <a:solidFill>
-                <a:srgbClr val="5F5F5F"/>
-              </a:solidFill>
-            </a:endParaRPr>
-          </a:p>
-        </p:txBody>
-      </p:sp>
-      <p:sp>
-        <p:nvSpPr>
-          <p:cNvPr id="11" name="Rectangle 2">
-            <a:extLst>
-              <a:ext uri="{FF2B5EF4-FFF2-40B4-BE49-F238E27FC236}">
-                <a16:creationId xmlns:a16="http://schemas.microsoft.com/office/drawing/2014/main" id="{283FD7D2-5085-4A1F-83F5-A16BFBA4F88F}"/>
-              </a:ext>
-            </a:extLst>
-          </p:cNvPr>
-          <p:cNvSpPr txBox="1">
-            <a:spLocks noChangeArrowheads="1"/>
-          </p:cNvSpPr>
-          <p:nvPr/>
-        </p:nvSpPr>
-        <p:spPr bwMode="auto">
-          <a:xfrm>
-            <a:off x="180975" y="1274763"/>
-            <a:ext cx="8539163" cy="2609850"/>
-          </a:xfrm>
-          <a:prstGeom prst="rect">
-            <a:avLst/>
-          </a:prstGeom>
-          <a:noFill/>
-          <a:ln>
-            <a:noFill/>
-          </a:ln>
-          <a:extLst>
-            <a:ext uri="{909E8E84-426E-40DD-AFC4-6F175D3DCCD1}">
-              <a14:hiddenFill xmlns:a14="http://schemas.microsoft.com/office/drawing/2010/main">
-                <a:solidFill>
-                  <a:srgbClr val="FFFFFF"/>
-                </a:solidFill>
-              </a14:hiddenFill>
-            </a:ext>
-            <a:ext uri="{91240B29-F687-4F45-9708-019B960494DF}">
-              <a14:hiddenLine xmlns:a14="http://schemas.microsoft.com/office/drawing/2010/main" w="9525">
-                <a:solidFill>
-                  <a:srgbClr val="000000"/>
-                </a:solidFill>
-                <a:miter lim="800000"/>
-                <a:headEnd/>
-                <a:tailEnd/>
-              </a14:hiddenLine>
-            </a:ext>
-          </a:extLst>
-        </p:spPr>
-        <p:txBody>
-          <a:bodyPr/>
-          <a:lstStyle>
-            <a:lvl1pPr marL="342900" indent="-342900" algn="l" rtl="0" eaLnBrk="0" fontAlgn="base" hangingPunct="0">
-              <a:spcBef>
-                <a:spcPct val="20000"/>
-              </a:spcBef>
-              <a:spcAft>
-                <a:spcPct val="0"/>
-              </a:spcAft>
-              <a:buChar char="•"/>
-              <a:defRPr kumimoji="1" sz="3200">
-                <a:solidFill>
-                  <a:srgbClr val="4D4D4D"/>
-                </a:solidFill>
-                <a:latin typeface="+mn-lt"/>
-                <a:ea typeface="+mn-ea"/>
-                <a:cs typeface="+mn-cs"/>
-              </a:defRPr>
-            </a:lvl1pPr>
-            <a:lvl2pPr marL="742950" indent="-285750" algn="l" rtl="0" eaLnBrk="0" fontAlgn="base" hangingPunct="0">
-              <a:spcBef>
-                <a:spcPct val="20000"/>
-              </a:spcBef>
-              <a:spcAft>
-                <a:spcPct val="0"/>
-              </a:spcAft>
-              <a:buChar char="–"/>
-              <a:defRPr kumimoji="1" sz="2800">
-                <a:solidFill>
-                  <a:srgbClr val="4D4D4D"/>
-                </a:solidFill>
-                <a:latin typeface="+mn-lt"/>
-                <a:ea typeface="+mn-ea"/>
-              </a:defRPr>
-            </a:lvl2pPr>
-            <a:lvl3pPr marL="1143000" indent="-228600" algn="l" rtl="0" eaLnBrk="0" fontAlgn="base" hangingPunct="0">
-              <a:spcBef>
-                <a:spcPct val="20000"/>
-              </a:spcBef>
-              <a:spcAft>
-                <a:spcPct val="0"/>
-              </a:spcAft>
-              <a:buChar char="•"/>
-              <a:defRPr kumimoji="1" sz="2400">
-                <a:solidFill>
-                  <a:srgbClr val="4D4D4D"/>
-                </a:solidFill>
-                <a:latin typeface="+mn-lt"/>
-                <a:ea typeface="+mn-ea"/>
-              </a:defRPr>
-            </a:lvl3pPr>
-            <a:lvl4pPr marL="1600200" indent="-228600" algn="l" rtl="0" eaLnBrk="0" fontAlgn="base" hangingPunct="0">
-              <a:spcBef>
-                <a:spcPct val="20000"/>
-              </a:spcBef>
-              <a:spcAft>
-                <a:spcPct val="0"/>
-              </a:spcAft>
-              <a:buChar char="–"/>
-              <a:defRPr kumimoji="1" sz="2000">
-                <a:solidFill>
-                  <a:srgbClr val="4D4D4D"/>
-                </a:solidFill>
-                <a:latin typeface="+mn-lt"/>
-                <a:ea typeface="+mn-ea"/>
-              </a:defRPr>
-            </a:lvl4pPr>
-            <a:lvl5pPr marL="2057400" indent="-228600" algn="l" rtl="0" eaLnBrk="0" fontAlgn="base" hangingPunct="0">
-              <a:spcBef>
-                <a:spcPct val="20000"/>
-              </a:spcBef>
-              <a:spcAft>
-                <a:spcPct val="0"/>
-              </a:spcAft>
-              <a:buChar char="»"/>
-              <a:defRPr kumimoji="1" sz="2000">
-                <a:solidFill>
-                  <a:srgbClr val="4D4D4D"/>
-                </a:solidFill>
-                <a:latin typeface="+mn-lt"/>
-                <a:ea typeface="+mn-ea"/>
-              </a:defRPr>
-            </a:lvl5pPr>
-            <a:lvl6pPr marL="2514600" indent="-228600" algn="l" rtl="0" fontAlgn="base">
-              <a:spcBef>
-                <a:spcPct val="20000"/>
-              </a:spcBef>
-              <a:spcAft>
-                <a:spcPct val="0"/>
-              </a:spcAft>
-              <a:buChar char="»"/>
-              <a:defRPr kumimoji="1" sz="2000">
-                <a:solidFill>
-                  <a:srgbClr val="4D4D4D"/>
-                </a:solidFill>
-                <a:latin typeface="+mn-lt"/>
-                <a:ea typeface="+mn-ea"/>
-              </a:defRPr>
-            </a:lvl6pPr>
-            <a:lvl7pPr marL="2971800" indent="-228600" algn="l" rtl="0" fontAlgn="base">
-              <a:spcBef>
-                <a:spcPct val="20000"/>
-              </a:spcBef>
-              <a:spcAft>
-                <a:spcPct val="0"/>
-              </a:spcAft>
-              <a:buChar char="»"/>
-              <a:defRPr kumimoji="1" sz="2000">
-                <a:solidFill>
-                  <a:srgbClr val="4D4D4D"/>
-                </a:solidFill>
-                <a:latin typeface="+mn-lt"/>
-                <a:ea typeface="+mn-ea"/>
-              </a:defRPr>
-            </a:lvl7pPr>
-            <a:lvl8pPr marL="3429000" indent="-228600" algn="l" rtl="0" fontAlgn="base">
-              <a:spcBef>
-                <a:spcPct val="20000"/>
-              </a:spcBef>
-              <a:spcAft>
-                <a:spcPct val="0"/>
-              </a:spcAft>
-              <a:buChar char="»"/>
-              <a:defRPr kumimoji="1" sz="2000">
-                <a:solidFill>
-                  <a:srgbClr val="4D4D4D"/>
-                </a:solidFill>
-                <a:latin typeface="+mn-lt"/>
-                <a:ea typeface="+mn-ea"/>
-              </a:defRPr>
-            </a:lvl8pPr>
-            <a:lvl9pPr marL="3886200" indent="-228600" algn="l" rtl="0" fontAlgn="base">
-              <a:spcBef>
-                <a:spcPct val="20000"/>
-              </a:spcBef>
-              <a:spcAft>
-                <a:spcPct val="0"/>
-              </a:spcAft>
-              <a:buChar char="»"/>
-              <a:defRPr kumimoji="1" sz="2000">
-                <a:solidFill>
-                  <a:srgbClr val="4D4D4D"/>
-                </a:solidFill>
-                <a:latin typeface="+mn-lt"/>
-                <a:ea typeface="+mn-ea"/>
-              </a:defRPr>
-            </a:lvl9pPr>
-          </a:lstStyle>
-          <a:p>
-            <a:pPr eaLnBrk="1" hangingPunct="1">
-              <a:lnSpc>
-                <a:spcPct val="80000"/>
-              </a:lnSpc>
-              <a:defRPr/>
-            </a:pPr>
-            <a:r>
-              <a:rPr lang="ja-JP" altLang="en-US" sz="2000" kern="0" dirty="0">
-                <a:solidFill>
-                  <a:srgbClr val="5F5F5F"/>
-                </a:solidFill>
-              </a:rPr>
-              <a:t>配布資料の「</a:t>
-            </a:r>
-            <a:r>
-              <a:rPr lang="en-US" altLang="ja-JP" sz="2000" kern="0" dirty="0">
-                <a:solidFill>
-                  <a:srgbClr val="5F5F5F"/>
-                </a:solidFill>
-              </a:rPr>
-              <a:t> </a:t>
-            </a:r>
-            <a:r>
-              <a:rPr lang="en-US" altLang="ja-JP" sz="2000" kern="0" dirty="0" err="1">
-                <a:solidFill>
-                  <a:srgbClr val="5F5F5F"/>
-                </a:solidFill>
-              </a:rPr>
-              <a:t>WEBpage</a:t>
-            </a:r>
-            <a:r>
-              <a:rPr lang="en-US" altLang="ja-JP" sz="2000" kern="0" dirty="0">
-                <a:solidFill>
-                  <a:srgbClr val="5F5F5F"/>
-                </a:solidFill>
-              </a:rPr>
-              <a:t> </a:t>
-            </a:r>
-            <a:r>
-              <a:rPr lang="ja-JP" altLang="en-US" sz="2000" kern="0" dirty="0">
-                <a:solidFill>
-                  <a:srgbClr val="5F5F5F"/>
-                </a:solidFill>
-              </a:rPr>
-              <a:t>」の</a:t>
-            </a:r>
-            <a:r>
-              <a:rPr lang="en-US" altLang="ja-JP" sz="2000" kern="0" dirty="0">
-                <a:solidFill>
-                  <a:srgbClr val="5F5F5F"/>
-                </a:solidFill>
-              </a:rPr>
-              <a:t>HTML</a:t>
-            </a:r>
-            <a:r>
-              <a:rPr lang="ja-JP" altLang="en-US" sz="2000" kern="0" dirty="0">
-                <a:solidFill>
-                  <a:srgbClr val="5F5F5F"/>
-                </a:solidFill>
-              </a:rPr>
-              <a:t>ファイルを開く</a:t>
-            </a:r>
-            <a:endParaRPr lang="en-US" altLang="ja-JP" sz="2000" kern="0" dirty="0">
-              <a:solidFill>
-                <a:srgbClr val="5F5F5F"/>
-              </a:solidFill>
-            </a:endParaRPr>
-          </a:p>
-          <a:p>
-            <a:pPr lvl="1" eaLnBrk="1" hangingPunct="1">
-              <a:lnSpc>
-                <a:spcPct val="80000"/>
-              </a:lnSpc>
-              <a:defRPr/>
-            </a:pPr>
-            <a:r>
-              <a:rPr lang="en-US" altLang="ja-JP" sz="1600" kern="0" dirty="0" err="1">
-                <a:solidFill>
-                  <a:srgbClr val="5F5F5F"/>
-                </a:solidFill>
-              </a:rPr>
-              <a:t>Choreonoid</a:t>
-            </a:r>
-            <a:r>
-              <a:rPr lang="ja-JP" altLang="en-US" sz="1600" kern="0" dirty="0">
-                <a:solidFill>
-                  <a:srgbClr val="5F5F5F"/>
-                </a:solidFill>
-              </a:rPr>
-              <a:t>入門 </a:t>
-            </a:r>
-            <a:r>
-              <a:rPr lang="en-US" altLang="ja-JP" sz="1600" kern="0" dirty="0">
-                <a:solidFill>
-                  <a:srgbClr val="5F5F5F"/>
-                </a:solidFill>
-              </a:rPr>
-              <a:t>_ OpenRTM-aist.html</a:t>
-            </a:r>
-          </a:p>
-          <a:p>
-            <a:pPr lvl="1" eaLnBrk="1" hangingPunct="1">
-              <a:lnSpc>
-                <a:spcPct val="80000"/>
-              </a:lnSpc>
-              <a:defRPr/>
-            </a:pPr>
-            <a:endParaRPr lang="en-US" altLang="ja-JP" sz="1600" kern="0" dirty="0">
-              <a:solidFill>
-                <a:srgbClr val="5F5F5F"/>
-              </a:solidFill>
-            </a:endParaRPr>
-          </a:p>
-          <a:p>
-            <a:pPr eaLnBrk="1" hangingPunct="1">
-              <a:lnSpc>
-                <a:spcPct val="80000"/>
-              </a:lnSpc>
-              <a:defRPr/>
-            </a:pPr>
-            <a:r>
-              <a:rPr lang="ja-JP" altLang="en-US" sz="2000" kern="0" dirty="0">
-                <a:solidFill>
-                  <a:srgbClr val="5F5F5F"/>
-                </a:solidFill>
-              </a:rPr>
-              <a:t>もしくは以下のリンク</a:t>
-            </a:r>
-            <a:endParaRPr lang="en-US" altLang="ja-JP" sz="2000" kern="0" dirty="0">
-              <a:solidFill>
-                <a:srgbClr val="5F5F5F"/>
-              </a:solidFill>
-            </a:endParaRPr>
-          </a:p>
-          <a:p>
-            <a:pPr lvl="1" eaLnBrk="1" hangingPunct="1">
-              <a:lnSpc>
-                <a:spcPct val="80000"/>
-              </a:lnSpc>
-              <a:defRPr/>
-            </a:pPr>
-            <a:r>
-              <a:rPr lang="en-US" altLang="ja-JP" sz="1600" kern="0" dirty="0">
-                <a:solidFill>
-                  <a:srgbClr val="5F5F5F"/>
-                </a:solidFill>
-              </a:rPr>
-              <a:t>https://openrtm.org/openrtm/ja/node/7150</a:t>
-            </a:r>
-          </a:p>
-        </p:txBody>
-      </p:sp>
-      <p:pic>
-        <p:nvPicPr>
-          <p:cNvPr id="4" name="図 3">
-            <a:extLst>
-              <a:ext uri="{FF2B5EF4-FFF2-40B4-BE49-F238E27FC236}">
-                <a16:creationId xmlns:a16="http://schemas.microsoft.com/office/drawing/2014/main" id="{038112BE-E6A1-41F3-84E4-D7D1F2E2B414}"/>
-              </a:ext>
-            </a:extLst>
-          </p:cNvPr>
-          <p:cNvPicPr>
-            <a:picLocks noChangeAspect="1"/>
-          </p:cNvPicPr>
-          <p:nvPr/>
-        </p:nvPicPr>
-        <p:blipFill>
-          <a:blip r:embed="rId3"/>
-          <a:stretch>
-            <a:fillRect/>
-          </a:stretch>
-        </p:blipFill>
-        <p:spPr>
-          <a:xfrm>
-            <a:off x="2906815" y="3023955"/>
-            <a:ext cx="5940660" cy="3649880"/>
-          </a:xfrm>
-          <a:prstGeom prst="rect">
-            <a:avLst/>
-          </a:prstGeom>
-        </p:spPr>
-      </p:pic>
-    </p:spTree>
-    <p:extLst>
-      <p:ext uri="{BB962C8B-B14F-4D97-AF65-F5344CB8AC3E}">
-        <p14:creationId xmlns:p14="http://schemas.microsoft.com/office/powerpoint/2010/main" val="3194656544"/>
-      </p:ext>
-    </p:extLst>
-  </p:cSld>
-  <p:clrMapOvr>
-    <a:masterClrMapping/>
-  </p:clrMapOvr>
-</p:sld>
-</file>
-
-<file path=ppt/slides/slide20.xml><?xml version="1.0" encoding="utf-8"?>
+<file path=ppt/slides/slide21.xml><?xml version="1.0" encoding="utf-8"?>
 <p:sld xmlns:a="http://schemas.openxmlformats.org/drawingml/2006/main" xmlns:r="http://schemas.openxmlformats.org/officeDocument/2006/relationships" xmlns:p="http://schemas.openxmlformats.org/presentationml/2006/main">
   <p:cSld>
     <p:spTree>
@@ -32159,7 +33649,7 @@
                 <a:buFontTx/>
                 <a:buNone/>
               </a:pPr>
-              <a:t>20</a:t>
+              <a:t>21</a:t>
             </a:fld>
             <a:endParaRPr lang="en-US" altLang="ja-JP" sz="1400"/>
           </a:p>
@@ -32361,7 +33851,7 @@
                 <a:buFontTx/>
                 <a:buNone/>
               </a:pPr>
-              <a:t>20</a:t>
+              <a:t>21</a:t>
             </a:fld>
             <a:endParaRPr lang="en-US" altLang="ja-JP" sz="1400"/>
           </a:p>
@@ -32938,7 +34428,7 @@
 </p:sld>
 </file>
 
-<file path=ppt/slides/slide21.xml><?xml version="1.0" encoding="utf-8"?>
+<file path=ppt/slides/slide22.xml><?xml version="1.0" encoding="utf-8"?>
 <p:sld xmlns:a="http://schemas.openxmlformats.org/drawingml/2006/main" xmlns:r="http://schemas.openxmlformats.org/officeDocument/2006/relationships" xmlns:p="http://schemas.openxmlformats.org/presentationml/2006/main">
   <p:cSld>
     <p:spTree>
@@ -33144,7 +34634,7 @@
                 <a:buFontTx/>
                 <a:buNone/>
               </a:pPr>
-              <a:t>21</a:t>
+              <a:t>22</a:t>
             </a:fld>
             <a:endParaRPr lang="en-US" altLang="ja-JP" sz="1400"/>
           </a:p>
@@ -33346,7 +34836,7 @@
                 <a:buFontTx/>
                 <a:buNone/>
               </a:pPr>
-              <a:t>21</a:t>
+              <a:t>22</a:t>
             </a:fld>
             <a:endParaRPr lang="en-US" altLang="ja-JP" sz="1400"/>
           </a:p>
@@ -34102,7 +35592,7 @@
 </p:sld>
 </file>
 
-<file path=ppt/slides/slide22.xml><?xml version="1.0" encoding="utf-8"?>
+<file path=ppt/slides/slide23.xml><?xml version="1.0" encoding="utf-8"?>
 <p:sld xmlns:a="http://schemas.openxmlformats.org/drawingml/2006/main" xmlns:r="http://schemas.openxmlformats.org/officeDocument/2006/relationships" xmlns:p="http://schemas.openxmlformats.org/presentationml/2006/main">
   <p:cSld>
     <p:spTree>
@@ -34338,7 +35828,7 @@
                 <a:buFontTx/>
                 <a:buNone/>
               </a:pPr>
-              <a:t>22</a:t>
+              <a:t>23</a:t>
             </a:fld>
             <a:endParaRPr lang="en-US" altLang="ja-JP" sz="1400"/>
           </a:p>
@@ -34540,7 +36030,7 @@
                 <a:buFontTx/>
                 <a:buNone/>
               </a:pPr>
-              <a:t>22</a:t>
+              <a:t>23</a:t>
             </a:fld>
             <a:endParaRPr lang="en-US" altLang="ja-JP" sz="1400"/>
           </a:p>
@@ -35155,7 +36645,7 @@
 </p:sld>
 </file>
 
-<file path=ppt/slides/slide23.xml><?xml version="1.0" encoding="utf-8"?>
+<file path=ppt/slides/slide24.xml><?xml version="1.0" encoding="utf-8"?>
 <p:sld xmlns:a="http://schemas.openxmlformats.org/drawingml/2006/main" xmlns:r="http://schemas.openxmlformats.org/officeDocument/2006/relationships" xmlns:p="http://schemas.openxmlformats.org/presentationml/2006/main">
   <p:cSld>
     <p:spTree>
@@ -35391,7 +36881,7 @@
                 <a:buFontTx/>
                 <a:buNone/>
               </a:pPr>
-              <a:t>23</a:t>
+              <a:t>24</a:t>
             </a:fld>
             <a:endParaRPr lang="en-US" altLang="ja-JP" sz="1400"/>
           </a:p>
@@ -35593,7 +37083,7 @@
                 <a:buFontTx/>
                 <a:buNone/>
               </a:pPr>
-              <a:t>23</a:t>
+              <a:t>24</a:t>
             </a:fld>
             <a:endParaRPr lang="en-US" altLang="ja-JP" sz="1400"/>
           </a:p>
@@ -35803,7 +37293,7 @@
 </p:sld>
 </file>
 
-<file path=ppt/slides/slide24.xml><?xml version="1.0" encoding="utf-8"?>
+<file path=ppt/slides/slide25.xml><?xml version="1.0" encoding="utf-8"?>
 <p:sld xmlns:a="http://schemas.openxmlformats.org/drawingml/2006/main" xmlns:r="http://schemas.openxmlformats.org/officeDocument/2006/relationships" xmlns:p="http://schemas.openxmlformats.org/presentationml/2006/main">
   <p:cSld>
     <p:spTree>
@@ -36039,7 +37529,7 @@
                 <a:buFontTx/>
                 <a:buNone/>
               </a:pPr>
-              <a:t>24</a:t>
+              <a:t>25</a:t>
             </a:fld>
             <a:endParaRPr lang="en-US" altLang="ja-JP" sz="1400"/>
           </a:p>
@@ -36241,7 +37731,7 @@
                 <a:buFontTx/>
                 <a:buNone/>
               </a:pPr>
-              <a:t>24</a:t>
+              <a:t>25</a:t>
             </a:fld>
             <a:endParaRPr lang="en-US" altLang="ja-JP" sz="1400"/>
           </a:p>
@@ -36419,7 +37909,7 @@
 </p:sld>
 </file>
 
-<file path=ppt/slides/slide25.xml><?xml version="1.0" encoding="utf-8"?>
+<file path=ppt/slides/slide26.xml><?xml version="1.0" encoding="utf-8"?>
 <p:sld xmlns:a="http://schemas.openxmlformats.org/drawingml/2006/main" xmlns:r="http://schemas.openxmlformats.org/officeDocument/2006/relationships" xmlns:p="http://schemas.openxmlformats.org/presentationml/2006/main">
   <p:cSld>
     <p:spTree>
@@ -36655,7 +38145,7 @@
                 <a:buFontTx/>
                 <a:buNone/>
               </a:pPr>
-              <a:t>25</a:t>
+              <a:t>26</a:t>
             </a:fld>
             <a:endParaRPr lang="en-US" altLang="ja-JP" sz="1400"/>
           </a:p>
@@ -36857,7 +38347,7 @@
                 <a:buFontTx/>
                 <a:buNone/>
               </a:pPr>
-              <a:t>25</a:t>
+              <a:t>26</a:t>
             </a:fld>
             <a:endParaRPr lang="en-US" altLang="ja-JP" sz="1400"/>
           </a:p>
@@ -37051,7 +38541,7 @@
 </p:sld>
 </file>
 
-<file path=ppt/slides/slide26.xml><?xml version="1.0" encoding="utf-8"?>
+<file path=ppt/slides/slide27.xml><?xml version="1.0" encoding="utf-8"?>
 <p:sld xmlns:a="http://schemas.openxmlformats.org/drawingml/2006/main" xmlns:r="http://schemas.openxmlformats.org/officeDocument/2006/relationships" xmlns:p="http://schemas.openxmlformats.org/presentationml/2006/main">
   <p:cSld>
     <p:spTree>
@@ -37257,7 +38747,7 @@
                 <a:buFontTx/>
                 <a:buNone/>
               </a:pPr>
-              <a:t>26</a:t>
+              <a:t>27</a:t>
             </a:fld>
             <a:endParaRPr lang="en-US" altLang="ja-JP" sz="1400"/>
           </a:p>
@@ -37459,7 +38949,7 @@
                 <a:buFontTx/>
                 <a:buNone/>
               </a:pPr>
-              <a:t>26</a:t>
+              <a:t>27</a:t>
             </a:fld>
             <a:endParaRPr lang="en-US" altLang="ja-JP" sz="1400"/>
           </a:p>
@@ -38155,7 +39645,7 @@
 </p:sld>
 </file>
 
-<file path=ppt/slides/slide27.xml><?xml version="1.0" encoding="utf-8"?>
+<file path=ppt/slides/slide28.xml><?xml version="1.0" encoding="utf-8"?>
 <p:sld xmlns:a="http://schemas.openxmlformats.org/drawingml/2006/main" xmlns:r="http://schemas.openxmlformats.org/officeDocument/2006/relationships" xmlns:p="http://schemas.openxmlformats.org/presentationml/2006/main">
   <p:cSld>
     <p:spTree>
@@ -38641,7 +40131,7 @@
                 <a:buFontTx/>
                 <a:buNone/>
               </a:pPr>
-              <a:t>27</a:t>
+              <a:t>28</a:t>
             </a:fld>
             <a:endParaRPr lang="en-US" altLang="ja-JP" sz="1400"/>
           </a:p>
@@ -38843,7 +40333,7 @@
                 <a:buFontTx/>
                 <a:buNone/>
               </a:pPr>
-              <a:t>27</a:t>
+              <a:t>28</a:t>
             </a:fld>
             <a:endParaRPr lang="en-US" altLang="ja-JP" sz="1400"/>
           </a:p>

--- a/ppt/Choreonoid入門.pptx
+++ b/ppt/Choreonoid入門.pptx
@@ -17859,7 +17859,7 @@
           <p:nvPr/>
         </p:nvPicPr>
         <p:blipFill>
-          <a:blip r:embed="rId16">
+          <a:blip r:embed="rId15">
             <a:extLst>
               <a:ext uri="{28A0092B-C50C-407E-A947-70E740481C1C}">
                 <a14:useLocalDpi xmlns:a14="http://schemas.microsoft.com/office/drawing/2010/main" val="0"/>
@@ -18154,7 +18154,7 @@
           <p:nvPr/>
         </p:nvPicPr>
         <p:blipFill>
-          <a:blip r:embed="rId17">
+          <a:blip r:embed="rId16">
             <a:extLst>
               <a:ext uri="{28A0092B-C50C-407E-A947-70E740481C1C}">
                 <a14:useLocalDpi xmlns:a14="http://schemas.microsoft.com/office/drawing/2010/main" val="0"/>
@@ -18284,12 +18284,12 @@
           <a:graphicData uri="http://schemas.openxmlformats.org/presentationml/2006/ole">
             <mc:AlternateContent xmlns:mc="http://schemas.openxmlformats.org/markup-compatibility/2006">
               <mc:Choice xmlns:v="urn:schemas-microsoft-com:vml" Requires="v">
-                <p:oleObj spid="_x0000_s1224" name="Corel DESIGNER" r:id="rId18" imgW="2743200" imgH="1536480" progId="Corel DESIGNER.Graphic.10">
+                <p:oleObj name="Corel DESIGNER" r:id="rId17" imgW="2743200" imgH="1536480" progId="Corel DESIGNER.Graphic.10">
                   <p:embed/>
                 </p:oleObj>
               </mc:Choice>
               <mc:Fallback>
-                <p:oleObj name="Corel DESIGNER" r:id="rId18" imgW="2743200" imgH="1536480" progId="Corel DESIGNER.Graphic.10">
+                <p:oleObj name="Corel DESIGNER" r:id="rId17" imgW="2743200" imgH="1536480" progId="Corel DESIGNER.Graphic.10">
                   <p:embed/>
                   <p:pic>
                     <p:nvPicPr>
@@ -18300,7 +18300,7 @@
                       <p:nvPr/>
                     </p:nvPicPr>
                     <p:blipFill>
-                      <a:blip r:embed="rId19">
+                      <a:blip r:embed="rId18">
                         <a:extLst>
                           <a:ext uri="{28A0092B-C50C-407E-A947-70E740481C1C}">
                             <a14:useLocalDpi xmlns:a14="http://schemas.microsoft.com/office/drawing/2010/main" val="0"/>
@@ -18875,44 +18875,12 @@
           <a:p>
             <a:pPr algn="l" eaLnBrk="1" hangingPunct="1"/>
             <a:r>
-              <a:rPr lang="ja-JP" altLang="en-US" sz="2000" dirty="0">
+              <a:rPr lang="ja-JP" altLang="en-US" sz="2000">
                 <a:solidFill>
                   <a:srgbClr val="5F5F5F"/>
                 </a:solidFill>
               </a:rPr>
-              <a:t>インダストリアル</a:t>
-            </a:r>
-            <a:r>
-              <a:rPr lang="en-US" altLang="ja-JP" sz="2000" dirty="0">
-                <a:solidFill>
-                  <a:srgbClr val="5F5F5F"/>
-                </a:solidFill>
-              </a:rPr>
-              <a:t>CPS</a:t>
-            </a:r>
-            <a:r>
-              <a:rPr lang="ja-JP" altLang="en-US" sz="2000" dirty="0">
-                <a:solidFill>
-                  <a:srgbClr val="5F5F5F"/>
-                </a:solidFill>
-              </a:rPr>
-              <a:t>研究センター</a:t>
-            </a:r>
-            <a:endParaRPr lang="en-US" altLang="ja-JP" sz="2000" dirty="0">
-              <a:solidFill>
-                <a:srgbClr val="5F5F5F"/>
-              </a:solidFill>
-            </a:endParaRPr>
-          </a:p>
-          <a:p>
-            <a:pPr algn="l" eaLnBrk="1" hangingPunct="1"/>
-            <a:r>
-              <a:rPr lang="ja-JP" altLang="en-US" sz="2000">
-                <a:solidFill>
-                  <a:srgbClr val="5F5F5F"/>
-                </a:solidFill>
-              </a:rPr>
-              <a:t>ソフトウェアプラットフォーム研究チーム</a:t>
+              <a:t>インテリジェントシステム研究部門</a:t>
             </a:r>
             <a:endParaRPr lang="ja-JP" altLang="en-US" sz="2000" dirty="0">
               <a:solidFill>
